--- a/Final Project/Shipping Truck Simulation.pptx
+++ b/Final Project/Shipping Truck Simulation.pptx
@@ -1,42 +1,42 @@
 
 <file path=ppt/presentation.xml><?xml version="1.0" encoding="utf-8"?>
-<p:presentation xmlns:a="http://schemas.openxmlformats.org/drawingml/2006/main" xmlns:r="http://schemas.openxmlformats.org/officeDocument/2006/relationships" xmlns:mc="http://schemas.openxmlformats.org/markup-compatibility/2006" xmlns:mv="urn:schemas-microsoft-com:mac:vml" xmlns:p="http://schemas.openxmlformats.org/presentationml/2006/main" xmlns:c="http://schemas.openxmlformats.org/drawingml/2006/chart" xmlns:dgm="http://schemas.openxmlformats.org/drawingml/2006/diagram" xmlns:o="urn:schemas-microsoft-com:office:office" xmlns:v="urn:schemas-microsoft-com:vml" xmlns:pvml="urn:schemas-microsoft-com:office:powerpoint" xmlns:com="http://schemas.openxmlformats.org/drawingml/2006/compatibility" xmlns:p14="http://schemas.microsoft.com/office/powerpoint/2010/main" xmlns:p15="http://schemas.microsoft.com/office/powerpoint/2012/main" xmlns:ahyp="http://schemas.microsoft.com/office/drawing/2018/hyperlinkcolor" autoCompressPictures="0" embedTrueTypeFonts="1" strictFirstAndLastChars="0" saveSubsetFonts="1">
+<p:presentation xmlns:a="http://schemas.openxmlformats.org/drawingml/2006/main" xmlns:r="http://schemas.openxmlformats.org/officeDocument/2006/relationships" xmlns:p="http://schemas.openxmlformats.org/presentationml/2006/main" strictFirstAndLastChars="0" embedTrueTypeFonts="1" saveSubsetFonts="1" autoCompressPictures="0">
   <p:sldMasterIdLst>
-    <p:sldMasterId id="2147483659" r:id="rId4"/>
+    <p:sldMasterId id="2147483659" r:id="rId1"/>
   </p:sldMasterIdLst>
   <p:notesMasterIdLst>
-    <p:notesMasterId r:id="rId5"/>
+    <p:notesMasterId r:id="rId17"/>
   </p:notesMasterIdLst>
   <p:sldIdLst>
-    <p:sldId id="256" r:id="rId6"/>
-    <p:sldId id="257" r:id="rId7"/>
-    <p:sldId id="258" r:id="rId8"/>
-    <p:sldId id="259" r:id="rId9"/>
-    <p:sldId id="260" r:id="rId10"/>
-    <p:sldId id="261" r:id="rId11"/>
-    <p:sldId id="262" r:id="rId12"/>
-    <p:sldId id="263" r:id="rId13"/>
-    <p:sldId id="264" r:id="rId14"/>
-    <p:sldId id="265" r:id="rId15"/>
-    <p:sldId id="266" r:id="rId16"/>
-    <p:sldId id="267" r:id="rId17"/>
-    <p:sldId id="268" r:id="rId18"/>
-    <p:sldId id="269" r:id="rId19"/>
-    <p:sldId id="270" r:id="rId20"/>
+    <p:sldId id="256" r:id="rId2"/>
+    <p:sldId id="257" r:id="rId3"/>
+    <p:sldId id="258" r:id="rId4"/>
+    <p:sldId id="259" r:id="rId5"/>
+    <p:sldId id="260" r:id="rId6"/>
+    <p:sldId id="261" r:id="rId7"/>
+    <p:sldId id="262" r:id="rId8"/>
+    <p:sldId id="263" r:id="rId9"/>
+    <p:sldId id="264" r:id="rId10"/>
+    <p:sldId id="265" r:id="rId11"/>
+    <p:sldId id="266" r:id="rId12"/>
+    <p:sldId id="267" r:id="rId13"/>
+    <p:sldId id="268" r:id="rId14"/>
+    <p:sldId id="269" r:id="rId15"/>
+    <p:sldId id="270" r:id="rId16"/>
   </p:sldIdLst>
-  <p:sldSz cy="5143500" cx="9144000"/>
+  <p:sldSz cx="9144000" cy="5143500" type="screen16x9"/>
   <p:notesSz cx="6858000" cy="9144000"/>
   <p:embeddedFontLst>
     <p:embeddedFont>
-      <p:font typeface="Proxima Nova"/>
-      <p:regular r:id="rId21"/>
-      <p:bold r:id="rId22"/>
-      <p:italic r:id="rId23"/>
-      <p:boldItalic r:id="rId24"/>
+      <p:font typeface="Proxima Nova" panose="020B0604020202020204" charset="0"/>
+      <p:regular r:id="rId18"/>
+      <p:bold r:id="rId19"/>
+      <p:italic r:id="rId20"/>
+      <p:boldItalic r:id="rId21"/>
     </p:embeddedFont>
   </p:embeddedFontLst>
   <p:defaultTextStyle>
-    <a:defPPr lvl="0" marR="0" rtl="0" algn="l">
+    <a:defPPr marR="0" lvl="0" algn="l" rtl="0">
       <a:lnSpc>
         <a:spcPct val="100000"/>
       </a:lnSpc>
@@ -47,7 +47,7 @@
         <a:spcPts val="0"/>
       </a:spcAft>
     </a:defPPr>
-    <a:lvl1pPr lvl="0" marR="0" rtl="0" algn="l">
+    <a:lvl1pPr marR="0" lvl="0" algn="l" rtl="0">
       <a:lnSpc>
         <a:spcPct val="100000"/>
       </a:lnSpc>
@@ -61,7 +61,7 @@
         <a:srgbClr val="000000"/>
       </a:buClr>
       <a:buFont typeface="Arial"/>
-      <a:defRPr b="0" i="0" sz="1400" u="none" cap="none" strike="noStrike">
+      <a:defRPr sz="1400" b="0" i="0" u="none" strike="noStrike" cap="none">
         <a:solidFill>
           <a:srgbClr val="000000"/>
         </a:solidFill>
@@ -71,7 +71,7 @@
         <a:sym typeface="Arial"/>
       </a:defRPr>
     </a:lvl1pPr>
-    <a:lvl2pPr lvl="1" marR="0" rtl="0" algn="l">
+    <a:lvl2pPr marR="0" lvl="1" algn="l" rtl="0">
       <a:lnSpc>
         <a:spcPct val="100000"/>
       </a:lnSpc>
@@ -85,7 +85,7 @@
         <a:srgbClr val="000000"/>
       </a:buClr>
       <a:buFont typeface="Arial"/>
-      <a:defRPr b="0" i="0" sz="1400" u="none" cap="none" strike="noStrike">
+      <a:defRPr sz="1400" b="0" i="0" u="none" strike="noStrike" cap="none">
         <a:solidFill>
           <a:srgbClr val="000000"/>
         </a:solidFill>
@@ -95,7 +95,7 @@
         <a:sym typeface="Arial"/>
       </a:defRPr>
     </a:lvl2pPr>
-    <a:lvl3pPr lvl="2" marR="0" rtl="0" algn="l">
+    <a:lvl3pPr marR="0" lvl="2" algn="l" rtl="0">
       <a:lnSpc>
         <a:spcPct val="100000"/>
       </a:lnSpc>
@@ -109,7 +109,7 @@
         <a:srgbClr val="000000"/>
       </a:buClr>
       <a:buFont typeface="Arial"/>
-      <a:defRPr b="0" i="0" sz="1400" u="none" cap="none" strike="noStrike">
+      <a:defRPr sz="1400" b="0" i="0" u="none" strike="noStrike" cap="none">
         <a:solidFill>
           <a:srgbClr val="000000"/>
         </a:solidFill>
@@ -119,7 +119,7 @@
         <a:sym typeface="Arial"/>
       </a:defRPr>
     </a:lvl3pPr>
-    <a:lvl4pPr lvl="3" marR="0" rtl="0" algn="l">
+    <a:lvl4pPr marR="0" lvl="3" algn="l" rtl="0">
       <a:lnSpc>
         <a:spcPct val="100000"/>
       </a:lnSpc>
@@ -133,7 +133,7 @@
         <a:srgbClr val="000000"/>
       </a:buClr>
       <a:buFont typeface="Arial"/>
-      <a:defRPr b="0" i="0" sz="1400" u="none" cap="none" strike="noStrike">
+      <a:defRPr sz="1400" b="0" i="0" u="none" strike="noStrike" cap="none">
         <a:solidFill>
           <a:srgbClr val="000000"/>
         </a:solidFill>
@@ -143,7 +143,7 @@
         <a:sym typeface="Arial"/>
       </a:defRPr>
     </a:lvl4pPr>
-    <a:lvl5pPr lvl="4" marR="0" rtl="0" algn="l">
+    <a:lvl5pPr marR="0" lvl="4" algn="l" rtl="0">
       <a:lnSpc>
         <a:spcPct val="100000"/>
       </a:lnSpc>
@@ -157,7 +157,7 @@
         <a:srgbClr val="000000"/>
       </a:buClr>
       <a:buFont typeface="Arial"/>
-      <a:defRPr b="0" i="0" sz="1400" u="none" cap="none" strike="noStrike">
+      <a:defRPr sz="1400" b="0" i="0" u="none" strike="noStrike" cap="none">
         <a:solidFill>
           <a:srgbClr val="000000"/>
         </a:solidFill>
@@ -167,7 +167,7 @@
         <a:sym typeface="Arial"/>
       </a:defRPr>
     </a:lvl5pPr>
-    <a:lvl6pPr lvl="5" marR="0" rtl="0" algn="l">
+    <a:lvl6pPr marR="0" lvl="5" algn="l" rtl="0">
       <a:lnSpc>
         <a:spcPct val="100000"/>
       </a:lnSpc>
@@ -181,7 +181,7 @@
         <a:srgbClr val="000000"/>
       </a:buClr>
       <a:buFont typeface="Arial"/>
-      <a:defRPr b="0" i="0" sz="1400" u="none" cap="none" strike="noStrike">
+      <a:defRPr sz="1400" b="0" i="0" u="none" strike="noStrike" cap="none">
         <a:solidFill>
           <a:srgbClr val="000000"/>
         </a:solidFill>
@@ -191,7 +191,7 @@
         <a:sym typeface="Arial"/>
       </a:defRPr>
     </a:lvl6pPr>
-    <a:lvl7pPr lvl="6" marR="0" rtl="0" algn="l">
+    <a:lvl7pPr marR="0" lvl="6" algn="l" rtl="0">
       <a:lnSpc>
         <a:spcPct val="100000"/>
       </a:lnSpc>
@@ -205,7 +205,7 @@
         <a:srgbClr val="000000"/>
       </a:buClr>
       <a:buFont typeface="Arial"/>
-      <a:defRPr b="0" i="0" sz="1400" u="none" cap="none" strike="noStrike">
+      <a:defRPr sz="1400" b="0" i="0" u="none" strike="noStrike" cap="none">
         <a:solidFill>
           <a:srgbClr val="000000"/>
         </a:solidFill>
@@ -215,7 +215,7 @@
         <a:sym typeface="Arial"/>
       </a:defRPr>
     </a:lvl7pPr>
-    <a:lvl8pPr lvl="7" marR="0" rtl="0" algn="l">
+    <a:lvl8pPr marR="0" lvl="7" algn="l" rtl="0">
       <a:lnSpc>
         <a:spcPct val="100000"/>
       </a:lnSpc>
@@ -229,7 +229,7 @@
         <a:srgbClr val="000000"/>
       </a:buClr>
       <a:buFont typeface="Arial"/>
-      <a:defRPr b="0" i="0" sz="1400" u="none" cap="none" strike="noStrike">
+      <a:defRPr sz="1400" b="0" i="0" u="none" strike="noStrike" cap="none">
         <a:solidFill>
           <a:srgbClr val="000000"/>
         </a:solidFill>
@@ -239,7 +239,7 @@
         <a:sym typeface="Arial"/>
       </a:defRPr>
     </a:lvl8pPr>
-    <a:lvl9pPr lvl="8" marR="0" rtl="0" algn="l">
+    <a:lvl9pPr marR="0" lvl="8" algn="l" rtl="0">
       <a:lnSpc>
         <a:spcPct val="100000"/>
       </a:lnSpc>
@@ -253,7 +253,7 @@
         <a:srgbClr val="000000"/>
       </a:buClr>
       <a:buFont typeface="Arial"/>
-      <a:defRPr b="0" i="0" sz="1400" u="none" cap="none" strike="noStrike">
+      <a:defRPr sz="1400" b="0" i="0" u="none" strike="noStrike" cap="none">
         <a:solidFill>
           <a:srgbClr val="000000"/>
         </a:solidFill>
@@ -266,7 +266,7 @@
   </p:defaultTextStyle>
   <p:extLst>
     <p:ext uri="{EFAFB233-063F-42B5-8137-9DF3F51BA10A}">
-      <p15:sldGuideLst>
+      <p15:sldGuideLst xmlns:p15="http://schemas.microsoft.com/office/powerpoint/2012/main">
         <p15:guide id="1" orient="horz" pos="1620">
           <p15:clr>
             <a:srgbClr val="747775"/>
@@ -284,11 +284,16 @@
 </file>
 
 <file path=ppt/notesMasters/notesMaster1.xml><?xml version="1.0" encoding="utf-8"?>
-<p:notesMaster xmlns:a="http://schemas.openxmlformats.org/drawingml/2006/main" xmlns:r="http://schemas.openxmlformats.org/officeDocument/2006/relationships" xmlns:mc="http://schemas.openxmlformats.org/markup-compatibility/2006" xmlns:mv="urn:schemas-microsoft-com:mac:vml" xmlns:p="http://schemas.openxmlformats.org/presentationml/2006/main" xmlns:c="http://schemas.openxmlformats.org/drawingml/2006/chart" xmlns:dgm="http://schemas.openxmlformats.org/drawingml/2006/diagram" xmlns:o="urn:schemas-microsoft-com:office:office" xmlns:v="urn:schemas-microsoft-com:vml" xmlns:pvml="urn:schemas-microsoft-com:office:powerpoint" xmlns:com="http://schemas.openxmlformats.org/drawingml/2006/compatibility" xmlns:p14="http://schemas.microsoft.com/office/powerpoint/2010/main" xmlns:p15="http://schemas.microsoft.com/office/powerpoint/2012/main" xmlns:ahyp="http://schemas.microsoft.com/office/drawing/2018/hyperlinkcolor">
+<p:notesMaster xmlns:a="http://schemas.openxmlformats.org/drawingml/2006/main" xmlns:r="http://schemas.openxmlformats.org/officeDocument/2006/relationships" xmlns:p="http://schemas.openxmlformats.org/presentationml/2006/main">
   <p:cSld>
+    <p:bg>
+      <p:bgRef idx="1001">
+        <a:schemeClr val="bg1"/>
+      </p:bgRef>
+    </p:bg>
     <p:spTree>
       <p:nvGrpSpPr>
-        <p:cNvPr id="2" name="Shape 2"/>
+        <p:cNvPr id="1" name="Shape 2"/>
         <p:cNvGrpSpPr/>
         <p:nvPr/>
       </p:nvGrpSpPr>
@@ -303,9 +308,11 @@
       <p:sp>
         <p:nvSpPr>
           <p:cNvPr id="3" name="Google Shape;3;n"/>
-          <p:cNvSpPr/>
+          <p:cNvSpPr>
+            <a:spLocks noGrp="1" noRot="1" noChangeAspect="1"/>
+          </p:cNvSpPr>
           <p:nvPr>
-            <p:ph idx="2" type="sldImg"/>
+            <p:ph type="sldImg" idx="2"/>
           </p:nvPr>
         </p:nvSpPr>
         <p:spPr>
@@ -314,9 +321,13 @@
             <a:ext cx="6096075" cy="3429000"/>
           </a:xfrm>
           <a:custGeom>
-            <a:rect b="b" l="l" r="r" t="t"/>
+            <a:avLst/>
+            <a:gdLst/>
+            <a:ahLst/>
+            <a:cxnLst/>
+            <a:rect l="l" t="t" r="r" b="b"/>
             <a:pathLst>
-              <a:path extrusionOk="0" h="120000" w="120000">
+              <a:path w="120000" h="120000" extrusionOk="0">
                 <a:moveTo>
                   <a:pt x="0" y="0"/>
                 </a:moveTo>
@@ -334,23 +345,25 @@
             </a:pathLst>
           </a:custGeom>
           <a:noFill/>
-          <a:ln cap="flat" cmpd="sng" w="9525">
+          <a:ln w="9525" cap="flat" cmpd="sng">
             <a:solidFill>
               <a:srgbClr val="000000"/>
             </a:solidFill>
             <a:prstDash val="solid"/>
             <a:round/>
-            <a:headEnd len="sm" w="sm" type="none"/>
-            <a:tailEnd len="sm" w="sm" type="none"/>
+            <a:headEnd type="none" w="sm" len="sm"/>
+            <a:tailEnd type="none" w="sm" len="sm"/>
           </a:ln>
         </p:spPr>
       </p:sp>
       <p:sp>
         <p:nvSpPr>
           <p:cNvPr id="4" name="Google Shape;4;n"/>
-          <p:cNvSpPr txBox="1"/>
+          <p:cNvSpPr txBox="1">
+            <a:spLocks noGrp="1"/>
+          </p:cNvSpPr>
           <p:nvPr>
-            <p:ph idx="1" type="body"/>
+            <p:ph type="body" idx="1"/>
           </p:nvPr>
         </p:nvSpPr>
         <p:spPr>
@@ -367,11 +380,11 @@
           </a:ln>
         </p:spPr>
         <p:txBody>
-          <a:bodyPr anchorCtr="0" anchor="t" bIns="91425" lIns="91425" spcFirstLastPara="1" rIns="91425" wrap="square" tIns="91425">
+          <a:bodyPr spcFirstLastPara="1" wrap="square" lIns="91425" tIns="91425" rIns="91425" bIns="91425" anchor="t" anchorCtr="0">
             <a:noAutofit/>
           </a:bodyPr>
           <a:lstStyle>
-            <a:lvl1pPr indent="-298450" lvl="0" marL="457200">
+            <a:lvl1pPr marL="457200" lvl="0" indent="-298450">
               <a:spcBef>
                 <a:spcPts val="0"/>
               </a:spcBef>
@@ -382,7 +395,7 @@
               <a:buChar char="●"/>
               <a:defRPr sz="1100"/>
             </a:lvl1pPr>
-            <a:lvl2pPr indent="-298450" lvl="1" marL="914400">
+            <a:lvl2pPr marL="914400" lvl="1" indent="-298450">
               <a:spcBef>
                 <a:spcPts val="0"/>
               </a:spcBef>
@@ -393,7 +406,7 @@
               <a:buChar char="○"/>
               <a:defRPr sz="1100"/>
             </a:lvl2pPr>
-            <a:lvl3pPr indent="-298450" lvl="2" marL="1371600">
+            <a:lvl3pPr marL="1371600" lvl="2" indent="-298450">
               <a:spcBef>
                 <a:spcPts val="0"/>
               </a:spcBef>
@@ -404,7 +417,7 @@
               <a:buChar char="■"/>
               <a:defRPr sz="1100"/>
             </a:lvl3pPr>
-            <a:lvl4pPr indent="-298450" lvl="3" marL="1828800">
+            <a:lvl4pPr marL="1828800" lvl="3" indent="-298450">
               <a:spcBef>
                 <a:spcPts val="0"/>
               </a:spcBef>
@@ -415,7 +428,7 @@
               <a:buChar char="●"/>
               <a:defRPr sz="1100"/>
             </a:lvl4pPr>
-            <a:lvl5pPr indent="-298450" lvl="4" marL="2286000">
+            <a:lvl5pPr marL="2286000" lvl="4" indent="-298450">
               <a:spcBef>
                 <a:spcPts val="0"/>
               </a:spcBef>
@@ -426,7 +439,7 @@
               <a:buChar char="○"/>
               <a:defRPr sz="1100"/>
             </a:lvl5pPr>
-            <a:lvl6pPr indent="-298450" lvl="5" marL="2743200">
+            <a:lvl6pPr marL="2743200" lvl="5" indent="-298450">
               <a:spcBef>
                 <a:spcPts val="0"/>
               </a:spcBef>
@@ -437,7 +450,7 @@
               <a:buChar char="■"/>
               <a:defRPr sz="1100"/>
             </a:lvl6pPr>
-            <a:lvl7pPr indent="-298450" lvl="6" marL="3200400">
+            <a:lvl7pPr marL="3200400" lvl="6" indent="-298450">
               <a:spcBef>
                 <a:spcPts val="0"/>
               </a:spcBef>
@@ -448,7 +461,7 @@
               <a:buChar char="●"/>
               <a:defRPr sz="1100"/>
             </a:lvl7pPr>
-            <a:lvl8pPr indent="-298450" lvl="7" marL="3657600">
+            <a:lvl8pPr marL="3657600" lvl="7" indent="-298450">
               <a:spcBef>
                 <a:spcPts val="0"/>
               </a:spcBef>
@@ -459,7 +472,7 @@
               <a:buChar char="○"/>
               <a:defRPr sz="1100"/>
             </a:lvl8pPr>
-            <a:lvl9pPr indent="-298450" lvl="8" marL="4114800">
+            <a:lvl9pPr marL="4114800" lvl="8" indent="-298450">
               <a:spcBef>
                 <a:spcPts val="0"/>
               </a:spcBef>
@@ -471,14 +484,16 @@
               <a:defRPr sz="1100"/>
             </a:lvl9pPr>
           </a:lstStyle>
-          <a:p/>
+          <a:p>
+            <a:endParaRPr/>
+          </a:p>
         </p:txBody>
       </p:sp>
     </p:spTree>
   </p:cSld>
-  <p:clrMap accent1="accent1" accent2="accent2" accent3="accent3" accent4="accent4" accent5="accent5" accent6="accent6" bg1="lt1" bg2="dk2" tx1="dk1" tx2="lt2" folHlink="folHlink" hlink="hlink"/>
+  <p:clrMap bg1="lt1" tx1="dk1" bg2="dk2" tx2="lt2" accent1="accent1" accent2="accent2" accent3="accent3" accent4="accent4" accent5="accent5" accent6="accent6" hlink="hlink" folHlink="folHlink"/>
   <p:notesStyle>
-    <a:defPPr lvl="0" marR="0" rtl="0" algn="l">
+    <a:defPPr marR="0" lvl="0" algn="l" rtl="0">
       <a:lnSpc>
         <a:spcPct val="100000"/>
       </a:lnSpc>
@@ -489,7 +504,7 @@
         <a:spcPts val="0"/>
       </a:spcAft>
     </a:defPPr>
-    <a:lvl1pPr lvl="0" marR="0" rtl="0" algn="l">
+    <a:lvl1pPr marR="0" lvl="0" algn="l" rtl="0">
       <a:lnSpc>
         <a:spcPct val="100000"/>
       </a:lnSpc>
@@ -503,7 +518,7 @@
         <a:srgbClr val="000000"/>
       </a:buClr>
       <a:buFont typeface="Arial"/>
-      <a:defRPr b="0" i="0" sz="1400" u="none" cap="none" strike="noStrike">
+      <a:defRPr sz="1400" b="0" i="0" u="none" strike="noStrike" cap="none">
         <a:solidFill>
           <a:srgbClr val="000000"/>
         </a:solidFill>
@@ -513,7 +528,7 @@
         <a:sym typeface="Arial"/>
       </a:defRPr>
     </a:lvl1pPr>
-    <a:lvl2pPr lvl="1" marR="0" rtl="0" algn="l">
+    <a:lvl2pPr marR="0" lvl="1" algn="l" rtl="0">
       <a:lnSpc>
         <a:spcPct val="100000"/>
       </a:lnSpc>
@@ -527,7 +542,7 @@
         <a:srgbClr val="000000"/>
       </a:buClr>
       <a:buFont typeface="Arial"/>
-      <a:defRPr b="0" i="0" sz="1400" u="none" cap="none" strike="noStrike">
+      <a:defRPr sz="1400" b="0" i="0" u="none" strike="noStrike" cap="none">
         <a:solidFill>
           <a:srgbClr val="000000"/>
         </a:solidFill>
@@ -537,7 +552,7 @@
         <a:sym typeface="Arial"/>
       </a:defRPr>
     </a:lvl2pPr>
-    <a:lvl3pPr lvl="2" marR="0" rtl="0" algn="l">
+    <a:lvl3pPr marR="0" lvl="2" algn="l" rtl="0">
       <a:lnSpc>
         <a:spcPct val="100000"/>
       </a:lnSpc>
@@ -551,7 +566,7 @@
         <a:srgbClr val="000000"/>
       </a:buClr>
       <a:buFont typeface="Arial"/>
-      <a:defRPr b="0" i="0" sz="1400" u="none" cap="none" strike="noStrike">
+      <a:defRPr sz="1400" b="0" i="0" u="none" strike="noStrike" cap="none">
         <a:solidFill>
           <a:srgbClr val="000000"/>
         </a:solidFill>
@@ -561,7 +576,7 @@
         <a:sym typeface="Arial"/>
       </a:defRPr>
     </a:lvl3pPr>
-    <a:lvl4pPr lvl="3" marR="0" rtl="0" algn="l">
+    <a:lvl4pPr marR="0" lvl="3" algn="l" rtl="0">
       <a:lnSpc>
         <a:spcPct val="100000"/>
       </a:lnSpc>
@@ -575,7 +590,7 @@
         <a:srgbClr val="000000"/>
       </a:buClr>
       <a:buFont typeface="Arial"/>
-      <a:defRPr b="0" i="0" sz="1400" u="none" cap="none" strike="noStrike">
+      <a:defRPr sz="1400" b="0" i="0" u="none" strike="noStrike" cap="none">
         <a:solidFill>
           <a:srgbClr val="000000"/>
         </a:solidFill>
@@ -585,7 +600,7 @@
         <a:sym typeface="Arial"/>
       </a:defRPr>
     </a:lvl4pPr>
-    <a:lvl5pPr lvl="4" marR="0" rtl="0" algn="l">
+    <a:lvl5pPr marR="0" lvl="4" algn="l" rtl="0">
       <a:lnSpc>
         <a:spcPct val="100000"/>
       </a:lnSpc>
@@ -599,7 +614,7 @@
         <a:srgbClr val="000000"/>
       </a:buClr>
       <a:buFont typeface="Arial"/>
-      <a:defRPr b="0" i="0" sz="1400" u="none" cap="none" strike="noStrike">
+      <a:defRPr sz="1400" b="0" i="0" u="none" strike="noStrike" cap="none">
         <a:solidFill>
           <a:srgbClr val="000000"/>
         </a:solidFill>
@@ -609,7 +624,7 @@
         <a:sym typeface="Arial"/>
       </a:defRPr>
     </a:lvl5pPr>
-    <a:lvl6pPr lvl="5" marR="0" rtl="0" algn="l">
+    <a:lvl6pPr marR="0" lvl="5" algn="l" rtl="0">
       <a:lnSpc>
         <a:spcPct val="100000"/>
       </a:lnSpc>
@@ -623,7 +638,7 @@
         <a:srgbClr val="000000"/>
       </a:buClr>
       <a:buFont typeface="Arial"/>
-      <a:defRPr b="0" i="0" sz="1400" u="none" cap="none" strike="noStrike">
+      <a:defRPr sz="1400" b="0" i="0" u="none" strike="noStrike" cap="none">
         <a:solidFill>
           <a:srgbClr val="000000"/>
         </a:solidFill>
@@ -633,7 +648,7 @@
         <a:sym typeface="Arial"/>
       </a:defRPr>
     </a:lvl6pPr>
-    <a:lvl7pPr lvl="6" marR="0" rtl="0" algn="l">
+    <a:lvl7pPr marR="0" lvl="6" algn="l" rtl="0">
       <a:lnSpc>
         <a:spcPct val="100000"/>
       </a:lnSpc>
@@ -647,7 +662,7 @@
         <a:srgbClr val="000000"/>
       </a:buClr>
       <a:buFont typeface="Arial"/>
-      <a:defRPr b="0" i="0" sz="1400" u="none" cap="none" strike="noStrike">
+      <a:defRPr sz="1400" b="0" i="0" u="none" strike="noStrike" cap="none">
         <a:solidFill>
           <a:srgbClr val="000000"/>
         </a:solidFill>
@@ -657,7 +672,7 @@
         <a:sym typeface="Arial"/>
       </a:defRPr>
     </a:lvl7pPr>
-    <a:lvl8pPr lvl="7" marR="0" rtl="0" algn="l">
+    <a:lvl8pPr marR="0" lvl="7" algn="l" rtl="0">
       <a:lnSpc>
         <a:spcPct val="100000"/>
       </a:lnSpc>
@@ -671,7 +686,7 @@
         <a:srgbClr val="000000"/>
       </a:buClr>
       <a:buFont typeface="Arial"/>
-      <a:defRPr b="0" i="0" sz="1400" u="none" cap="none" strike="noStrike">
+      <a:defRPr sz="1400" b="0" i="0" u="none" strike="noStrike" cap="none">
         <a:solidFill>
           <a:srgbClr val="000000"/>
         </a:solidFill>
@@ -681,7 +696,7 @@
         <a:sym typeface="Arial"/>
       </a:defRPr>
     </a:lvl8pPr>
-    <a:lvl9pPr lvl="8" marR="0" rtl="0" algn="l">
+    <a:lvl9pPr marR="0" lvl="8" algn="l" rtl="0">
       <a:lnSpc>
         <a:spcPct val="100000"/>
       </a:lnSpc>
@@ -695,7 +710,7 @@
         <a:srgbClr val="000000"/>
       </a:buClr>
       <a:buFont typeface="Arial"/>
-      <a:defRPr b="0" i="0" sz="1400" u="none" cap="none" strike="noStrike">
+      <a:defRPr sz="1400" b="0" i="0" u="none" strike="noStrike" cap="none">
         <a:solidFill>
           <a:srgbClr val="000000"/>
         </a:solidFill>
@@ -710,11 +725,11 @@
 </file>
 
 <file path=ppt/notesSlides/notesSlide1.xml><?xml version="1.0" encoding="utf-8"?>
-<p:notes xmlns:a="http://schemas.openxmlformats.org/drawingml/2006/main" xmlns:r="http://schemas.openxmlformats.org/officeDocument/2006/relationships" xmlns:mc="http://schemas.openxmlformats.org/markup-compatibility/2006" xmlns:mv="urn:schemas-microsoft-com:mac:vml" xmlns:p="http://schemas.openxmlformats.org/presentationml/2006/main" xmlns:c="http://schemas.openxmlformats.org/drawingml/2006/chart" xmlns:dgm="http://schemas.openxmlformats.org/drawingml/2006/diagram" xmlns:o="urn:schemas-microsoft-com:office:office" xmlns:v="urn:schemas-microsoft-com:vml" xmlns:pvml="urn:schemas-microsoft-com:office:powerpoint" xmlns:com="http://schemas.openxmlformats.org/drawingml/2006/compatibility" xmlns:p14="http://schemas.microsoft.com/office/powerpoint/2010/main" xmlns:p15="http://schemas.microsoft.com/office/powerpoint/2012/main" xmlns:ahyp="http://schemas.microsoft.com/office/drawing/2018/hyperlinkcolor" showMasterPhAnim="0" showMasterSp="0">
+<p:notes xmlns:a="http://schemas.openxmlformats.org/drawingml/2006/main" xmlns:r="http://schemas.openxmlformats.org/officeDocument/2006/relationships" xmlns:p="http://schemas.openxmlformats.org/presentationml/2006/main" showMasterSp="0" showMasterPhAnim="0">
   <p:cSld>
     <p:spTree>
       <p:nvGrpSpPr>
-        <p:cNvPr id="55" name="Shape 55"/>
+        <p:cNvPr id="1" name="Shape 55"/>
         <p:cNvGrpSpPr/>
         <p:nvPr/>
       </p:nvGrpSpPr>
@@ -729,9 +744,11 @@
       <p:sp>
         <p:nvSpPr>
           <p:cNvPr id="56" name="Google Shape;56;p:notes"/>
-          <p:cNvSpPr/>
+          <p:cNvSpPr>
+            <a:spLocks noGrp="1" noRot="1" noChangeAspect="1"/>
+          </p:cNvSpPr>
           <p:nvPr>
-            <p:ph idx="2" type="sldImg"/>
+            <p:ph type="sldImg" idx="2"/>
           </p:nvPr>
         </p:nvSpPr>
         <p:spPr>
@@ -740,9 +757,13 @@
             <a:ext cx="6096075" cy="3429000"/>
           </a:xfrm>
           <a:custGeom>
-            <a:rect b="b" l="l" r="r" t="t"/>
+            <a:avLst/>
+            <a:gdLst/>
+            <a:ahLst/>
+            <a:cxnLst/>
+            <a:rect l="l" t="t" r="r" b="b"/>
             <a:pathLst>
-              <a:path extrusionOk="0" h="120000" w="120000">
+              <a:path w="120000" h="120000" extrusionOk="0">
                 <a:moveTo>
                   <a:pt x="0" y="0"/>
                 </a:moveTo>
@@ -764,9 +785,11 @@
       <p:sp>
         <p:nvSpPr>
           <p:cNvPr id="57" name="Google Shape;57;p:notes"/>
-          <p:cNvSpPr txBox="1"/>
+          <p:cNvSpPr txBox="1">
+            <a:spLocks noGrp="1"/>
+          </p:cNvSpPr>
           <p:nvPr>
-            <p:ph idx="1" type="body"/>
+            <p:ph type="body" idx="1"/>
           </p:nvPr>
         </p:nvSpPr>
         <p:spPr>
@@ -779,12 +802,12 @@
           </a:prstGeom>
         </p:spPr>
         <p:txBody>
-          <a:bodyPr anchorCtr="0" anchor="t" bIns="91425" lIns="91425" spcFirstLastPara="1" rIns="91425" wrap="square" tIns="91425">
+          <a:bodyPr spcFirstLastPara="1" wrap="square" lIns="91425" tIns="91425" rIns="91425" bIns="91425" anchor="t" anchorCtr="0">
             <a:noAutofit/>
           </a:bodyPr>
           <a:lstStyle/>
           <a:p>
-            <a:pPr indent="0" lvl="0" marL="0" rtl="0" algn="l">
+            <a:pPr marL="0" lvl="0" indent="0" algn="l" rtl="0">
               <a:spcBef>
                 <a:spcPts val="0"/>
               </a:spcBef>
@@ -793,9 +816,6 @@
               </a:spcAft>
               <a:buNone/>
             </a:pPr>
-            <a:r>
-              <a:t/>
-            </a:r>
             <a:endParaRPr/>
           </a:p>
         </p:txBody>
@@ -809,11 +829,11 @@
 </file>
 
 <file path=ppt/notesSlides/notesSlide10.xml><?xml version="1.0" encoding="utf-8"?>
-<p:notes xmlns:a="http://schemas.openxmlformats.org/drawingml/2006/main" xmlns:r="http://schemas.openxmlformats.org/officeDocument/2006/relationships" xmlns:mc="http://schemas.openxmlformats.org/markup-compatibility/2006" xmlns:mv="urn:schemas-microsoft-com:mac:vml" xmlns:p="http://schemas.openxmlformats.org/presentationml/2006/main" xmlns:c="http://schemas.openxmlformats.org/drawingml/2006/chart" xmlns:dgm="http://schemas.openxmlformats.org/drawingml/2006/diagram" xmlns:o="urn:schemas-microsoft-com:office:office" xmlns:v="urn:schemas-microsoft-com:vml" xmlns:pvml="urn:schemas-microsoft-com:office:powerpoint" xmlns:com="http://schemas.openxmlformats.org/drawingml/2006/compatibility" xmlns:p14="http://schemas.microsoft.com/office/powerpoint/2010/main" xmlns:p15="http://schemas.microsoft.com/office/powerpoint/2012/main" xmlns:ahyp="http://schemas.microsoft.com/office/drawing/2018/hyperlinkcolor" showMasterPhAnim="0" showMasterSp="0">
+<p:notes xmlns:a="http://schemas.openxmlformats.org/drawingml/2006/main" xmlns:r="http://schemas.openxmlformats.org/officeDocument/2006/relationships" xmlns:p="http://schemas.openxmlformats.org/presentationml/2006/main" showMasterSp="0" showMasterPhAnim="0">
   <p:cSld>
     <p:spTree>
       <p:nvGrpSpPr>
-        <p:cNvPr id="112" name="Shape 112"/>
+        <p:cNvPr id="1" name="Shape 112"/>
         <p:cNvGrpSpPr/>
         <p:nvPr/>
       </p:nvGrpSpPr>
@@ -828,9 +848,11 @@
       <p:sp>
         <p:nvSpPr>
           <p:cNvPr id="113" name="Google Shape;113;g259b084ee28_0_150:notes"/>
-          <p:cNvSpPr/>
+          <p:cNvSpPr>
+            <a:spLocks noGrp="1" noRot="1" noChangeAspect="1"/>
+          </p:cNvSpPr>
           <p:nvPr>
-            <p:ph idx="2" type="sldImg"/>
+            <p:ph type="sldImg" idx="2"/>
           </p:nvPr>
         </p:nvSpPr>
         <p:spPr>
@@ -839,9 +861,13 @@
             <a:ext cx="6096000" cy="3429000"/>
           </a:xfrm>
           <a:custGeom>
-            <a:rect b="b" l="l" r="r" t="t"/>
+            <a:avLst/>
+            <a:gdLst/>
+            <a:ahLst/>
+            <a:cxnLst/>
+            <a:rect l="l" t="t" r="r" b="b"/>
             <a:pathLst>
-              <a:path extrusionOk="0" h="120000" w="120000">
+              <a:path w="120000" h="120000" extrusionOk="0">
                 <a:moveTo>
                   <a:pt x="0" y="0"/>
                 </a:moveTo>
@@ -863,9 +889,11 @@
       <p:sp>
         <p:nvSpPr>
           <p:cNvPr id="114" name="Google Shape;114;g259b084ee28_0_150:notes"/>
-          <p:cNvSpPr txBox="1"/>
+          <p:cNvSpPr txBox="1">
+            <a:spLocks noGrp="1"/>
+          </p:cNvSpPr>
           <p:nvPr>
-            <p:ph idx="1" type="body"/>
+            <p:ph type="body" idx="1"/>
           </p:nvPr>
         </p:nvSpPr>
         <p:spPr>
@@ -878,12 +906,12 @@
           </a:prstGeom>
         </p:spPr>
         <p:txBody>
-          <a:bodyPr anchorCtr="0" anchor="t" bIns="91425" lIns="91425" spcFirstLastPara="1" rIns="91425" wrap="square" tIns="91425">
+          <a:bodyPr spcFirstLastPara="1" wrap="square" lIns="91425" tIns="91425" rIns="91425" bIns="91425" anchor="t" anchorCtr="0">
             <a:noAutofit/>
           </a:bodyPr>
           <a:lstStyle/>
           <a:p>
-            <a:pPr indent="0" lvl="0" marL="0" rtl="0" algn="l">
+            <a:pPr marL="0" lvl="0" indent="0" algn="l" rtl="0">
               <a:spcBef>
                 <a:spcPts val="0"/>
               </a:spcBef>
@@ -892,9 +920,6 @@
               </a:spcAft>
               <a:buNone/>
             </a:pPr>
-            <a:r>
-              <a:t/>
-            </a:r>
             <a:endParaRPr/>
           </a:p>
         </p:txBody>
@@ -908,11 +933,11 @@
 </file>
 
 <file path=ppt/notesSlides/notesSlide11.xml><?xml version="1.0" encoding="utf-8"?>
-<p:notes xmlns:a="http://schemas.openxmlformats.org/drawingml/2006/main" xmlns:r="http://schemas.openxmlformats.org/officeDocument/2006/relationships" xmlns:mc="http://schemas.openxmlformats.org/markup-compatibility/2006" xmlns:mv="urn:schemas-microsoft-com:mac:vml" xmlns:p="http://schemas.openxmlformats.org/presentationml/2006/main" xmlns:c="http://schemas.openxmlformats.org/drawingml/2006/chart" xmlns:dgm="http://schemas.openxmlformats.org/drawingml/2006/diagram" xmlns:o="urn:schemas-microsoft-com:office:office" xmlns:v="urn:schemas-microsoft-com:vml" xmlns:pvml="urn:schemas-microsoft-com:office:powerpoint" xmlns:com="http://schemas.openxmlformats.org/drawingml/2006/compatibility" xmlns:p14="http://schemas.microsoft.com/office/powerpoint/2010/main" xmlns:p15="http://schemas.microsoft.com/office/powerpoint/2012/main" xmlns:ahyp="http://schemas.microsoft.com/office/drawing/2018/hyperlinkcolor" showMasterPhAnim="0" showMasterSp="0">
+<p:notes xmlns:a="http://schemas.openxmlformats.org/drawingml/2006/main" xmlns:r="http://schemas.openxmlformats.org/officeDocument/2006/relationships" xmlns:p="http://schemas.openxmlformats.org/presentationml/2006/main" showMasterSp="0" showMasterPhAnim="0">
   <p:cSld>
     <p:spTree>
       <p:nvGrpSpPr>
-        <p:cNvPr id="127" name="Shape 127"/>
+        <p:cNvPr id="1" name="Shape 127"/>
         <p:cNvGrpSpPr/>
         <p:nvPr/>
       </p:nvGrpSpPr>
@@ -927,20 +952,26 @@
       <p:sp>
         <p:nvSpPr>
           <p:cNvPr id="128" name="Google Shape;128;g259b084ee28_0_161:notes"/>
-          <p:cNvSpPr/>
+          <p:cNvSpPr>
+            <a:spLocks noGrp="1" noRot="1" noChangeAspect="1"/>
+          </p:cNvSpPr>
           <p:nvPr>
-            <p:ph idx="2" type="sldImg"/>
+            <p:ph type="sldImg" idx="2"/>
           </p:nvPr>
         </p:nvSpPr>
         <p:spPr>
           <a:xfrm>
-            <a:off x="381300" y="685800"/>
+            <a:off x="381000" y="685800"/>
             <a:ext cx="6096000" cy="3429000"/>
           </a:xfrm>
           <a:custGeom>
-            <a:rect b="b" l="l" r="r" t="t"/>
+            <a:avLst/>
+            <a:gdLst/>
+            <a:ahLst/>
+            <a:cxnLst/>
+            <a:rect l="l" t="t" r="r" b="b"/>
             <a:pathLst>
-              <a:path extrusionOk="0" h="120000" w="120000">
+              <a:path w="120000" h="120000" extrusionOk="0">
                 <a:moveTo>
                   <a:pt x="0" y="0"/>
                 </a:moveTo>
@@ -962,9 +993,11 @@
       <p:sp>
         <p:nvSpPr>
           <p:cNvPr id="129" name="Google Shape;129;g259b084ee28_0_161:notes"/>
-          <p:cNvSpPr txBox="1"/>
+          <p:cNvSpPr txBox="1">
+            <a:spLocks noGrp="1"/>
+          </p:cNvSpPr>
           <p:nvPr>
-            <p:ph idx="1" type="body"/>
+            <p:ph type="body" idx="1"/>
           </p:nvPr>
         </p:nvSpPr>
         <p:spPr>
@@ -977,12 +1010,12 @@
           </a:prstGeom>
         </p:spPr>
         <p:txBody>
-          <a:bodyPr anchorCtr="0" anchor="t" bIns="91425" lIns="91425" spcFirstLastPara="1" rIns="91425" wrap="square" tIns="91425">
+          <a:bodyPr spcFirstLastPara="1" wrap="square" lIns="91425" tIns="91425" rIns="91425" bIns="91425" anchor="t" anchorCtr="0">
             <a:noAutofit/>
           </a:bodyPr>
           <a:lstStyle/>
           <a:p>
-            <a:pPr indent="0" lvl="0" marL="0" rtl="0" algn="l">
+            <a:pPr marL="0" lvl="0" indent="0" algn="l" rtl="0">
               <a:spcBef>
                 <a:spcPts val="0"/>
               </a:spcBef>
@@ -991,9 +1024,6 @@
               </a:spcAft>
               <a:buNone/>
             </a:pPr>
-            <a:r>
-              <a:t/>
-            </a:r>
             <a:endParaRPr/>
           </a:p>
         </p:txBody>
@@ -1007,11 +1037,11 @@
 </file>
 
 <file path=ppt/notesSlides/notesSlide12.xml><?xml version="1.0" encoding="utf-8"?>
-<p:notes xmlns:a="http://schemas.openxmlformats.org/drawingml/2006/main" xmlns:r="http://schemas.openxmlformats.org/officeDocument/2006/relationships" xmlns:mc="http://schemas.openxmlformats.org/markup-compatibility/2006" xmlns:mv="urn:schemas-microsoft-com:mac:vml" xmlns:p="http://schemas.openxmlformats.org/presentationml/2006/main" xmlns:c="http://schemas.openxmlformats.org/drawingml/2006/chart" xmlns:dgm="http://schemas.openxmlformats.org/drawingml/2006/diagram" xmlns:o="urn:schemas-microsoft-com:office:office" xmlns:v="urn:schemas-microsoft-com:vml" xmlns:pvml="urn:schemas-microsoft-com:office:powerpoint" xmlns:com="http://schemas.openxmlformats.org/drawingml/2006/compatibility" xmlns:p14="http://schemas.microsoft.com/office/powerpoint/2010/main" xmlns:p15="http://schemas.microsoft.com/office/powerpoint/2012/main" xmlns:ahyp="http://schemas.microsoft.com/office/drawing/2018/hyperlinkcolor" showMasterPhAnim="0" showMasterSp="0">
+<p:notes xmlns:a="http://schemas.openxmlformats.org/drawingml/2006/main" xmlns:r="http://schemas.openxmlformats.org/officeDocument/2006/relationships" xmlns:p="http://schemas.openxmlformats.org/presentationml/2006/main" showMasterSp="0" showMasterPhAnim="0">
   <p:cSld>
     <p:spTree>
       <p:nvGrpSpPr>
-        <p:cNvPr id="139" name="Shape 139"/>
+        <p:cNvPr id="1" name="Shape 139"/>
         <p:cNvGrpSpPr/>
         <p:nvPr/>
       </p:nvGrpSpPr>
@@ -1026,9 +1056,11 @@
       <p:sp>
         <p:nvSpPr>
           <p:cNvPr id="140" name="Google Shape;140;g259b084ee28_0_182:notes"/>
-          <p:cNvSpPr/>
+          <p:cNvSpPr>
+            <a:spLocks noGrp="1" noRot="1" noChangeAspect="1"/>
+          </p:cNvSpPr>
           <p:nvPr>
-            <p:ph idx="2" type="sldImg"/>
+            <p:ph type="sldImg" idx="2"/>
           </p:nvPr>
         </p:nvSpPr>
         <p:spPr>
@@ -1037,9 +1069,13 @@
             <a:ext cx="6096000" cy="3429000"/>
           </a:xfrm>
           <a:custGeom>
-            <a:rect b="b" l="l" r="r" t="t"/>
+            <a:avLst/>
+            <a:gdLst/>
+            <a:ahLst/>
+            <a:cxnLst/>
+            <a:rect l="l" t="t" r="r" b="b"/>
             <a:pathLst>
-              <a:path extrusionOk="0" h="120000" w="120000">
+              <a:path w="120000" h="120000" extrusionOk="0">
                 <a:moveTo>
                   <a:pt x="0" y="0"/>
                 </a:moveTo>
@@ -1061,9 +1097,11 @@
       <p:sp>
         <p:nvSpPr>
           <p:cNvPr id="141" name="Google Shape;141;g259b084ee28_0_182:notes"/>
-          <p:cNvSpPr txBox="1"/>
+          <p:cNvSpPr txBox="1">
+            <a:spLocks noGrp="1"/>
+          </p:cNvSpPr>
           <p:nvPr>
-            <p:ph idx="1" type="body"/>
+            <p:ph type="body" idx="1"/>
           </p:nvPr>
         </p:nvSpPr>
         <p:spPr>
@@ -1076,12 +1114,12 @@
           </a:prstGeom>
         </p:spPr>
         <p:txBody>
-          <a:bodyPr anchorCtr="0" anchor="t" bIns="91425" lIns="91425" spcFirstLastPara="1" rIns="91425" wrap="square" tIns="91425">
+          <a:bodyPr spcFirstLastPara="1" wrap="square" lIns="91425" tIns="91425" rIns="91425" bIns="91425" anchor="t" anchorCtr="0">
             <a:noAutofit/>
           </a:bodyPr>
           <a:lstStyle/>
           <a:p>
-            <a:pPr indent="0" lvl="0" marL="0" rtl="0" algn="l">
+            <a:pPr marL="0" lvl="0" indent="0" algn="l" rtl="0">
               <a:spcBef>
                 <a:spcPts val="0"/>
               </a:spcBef>
@@ -1090,9 +1128,6 @@
               </a:spcAft>
               <a:buNone/>
             </a:pPr>
-            <a:r>
-              <a:t/>
-            </a:r>
             <a:endParaRPr/>
           </a:p>
         </p:txBody>
@@ -1106,11 +1141,11 @@
 </file>
 
 <file path=ppt/notesSlides/notesSlide13.xml><?xml version="1.0" encoding="utf-8"?>
-<p:notes xmlns:a="http://schemas.openxmlformats.org/drawingml/2006/main" xmlns:r="http://schemas.openxmlformats.org/officeDocument/2006/relationships" xmlns:mc="http://schemas.openxmlformats.org/markup-compatibility/2006" xmlns:mv="urn:schemas-microsoft-com:mac:vml" xmlns:p="http://schemas.openxmlformats.org/presentationml/2006/main" xmlns:c="http://schemas.openxmlformats.org/drawingml/2006/chart" xmlns:dgm="http://schemas.openxmlformats.org/drawingml/2006/diagram" xmlns:o="urn:schemas-microsoft-com:office:office" xmlns:v="urn:schemas-microsoft-com:vml" xmlns:pvml="urn:schemas-microsoft-com:office:powerpoint" xmlns:com="http://schemas.openxmlformats.org/drawingml/2006/compatibility" xmlns:p14="http://schemas.microsoft.com/office/powerpoint/2010/main" xmlns:p15="http://schemas.microsoft.com/office/powerpoint/2012/main" xmlns:ahyp="http://schemas.microsoft.com/office/drawing/2018/hyperlinkcolor" showMasterPhAnim="0" showMasterSp="0">
+<p:notes xmlns:a="http://schemas.openxmlformats.org/drawingml/2006/main" xmlns:r="http://schemas.openxmlformats.org/officeDocument/2006/relationships" xmlns:p="http://schemas.openxmlformats.org/presentationml/2006/main" showMasterSp="0" showMasterPhAnim="0">
   <p:cSld>
     <p:spTree>
       <p:nvGrpSpPr>
-        <p:cNvPr id="154" name="Shape 154"/>
+        <p:cNvPr id="1" name="Shape 154"/>
         <p:cNvGrpSpPr/>
         <p:nvPr/>
       </p:nvGrpSpPr>
@@ -1125,20 +1160,26 @@
       <p:sp>
         <p:nvSpPr>
           <p:cNvPr id="155" name="Google Shape;155;g259b084ee28_0_200:notes"/>
-          <p:cNvSpPr/>
+          <p:cNvSpPr>
+            <a:spLocks noGrp="1" noRot="1" noChangeAspect="1"/>
+          </p:cNvSpPr>
           <p:nvPr>
-            <p:ph idx="2" type="sldImg"/>
+            <p:ph type="sldImg" idx="2"/>
           </p:nvPr>
         </p:nvSpPr>
         <p:spPr>
           <a:xfrm>
-            <a:off x="381300" y="685800"/>
+            <a:off x="381000" y="685800"/>
             <a:ext cx="6096000" cy="3429000"/>
           </a:xfrm>
           <a:custGeom>
-            <a:rect b="b" l="l" r="r" t="t"/>
+            <a:avLst/>
+            <a:gdLst/>
+            <a:ahLst/>
+            <a:cxnLst/>
+            <a:rect l="l" t="t" r="r" b="b"/>
             <a:pathLst>
-              <a:path extrusionOk="0" h="120000" w="120000">
+              <a:path w="120000" h="120000" extrusionOk="0">
                 <a:moveTo>
                   <a:pt x="0" y="0"/>
                 </a:moveTo>
@@ -1160,9 +1201,11 @@
       <p:sp>
         <p:nvSpPr>
           <p:cNvPr id="156" name="Google Shape;156;g259b084ee28_0_200:notes"/>
-          <p:cNvSpPr txBox="1"/>
+          <p:cNvSpPr txBox="1">
+            <a:spLocks noGrp="1"/>
+          </p:cNvSpPr>
           <p:nvPr>
-            <p:ph idx="1" type="body"/>
+            <p:ph type="body" idx="1"/>
           </p:nvPr>
         </p:nvSpPr>
         <p:spPr>
@@ -1175,12 +1218,12 @@
           </a:prstGeom>
         </p:spPr>
         <p:txBody>
-          <a:bodyPr anchorCtr="0" anchor="t" bIns="91425" lIns="91425" spcFirstLastPara="1" rIns="91425" wrap="square" tIns="91425">
+          <a:bodyPr spcFirstLastPara="1" wrap="square" lIns="91425" tIns="91425" rIns="91425" bIns="91425" anchor="t" anchorCtr="0">
             <a:noAutofit/>
           </a:bodyPr>
           <a:lstStyle/>
           <a:p>
-            <a:pPr indent="0" lvl="0" marL="0" rtl="0" algn="l">
+            <a:pPr marL="0" lvl="0" indent="0" algn="l" rtl="0">
               <a:spcBef>
                 <a:spcPts val="0"/>
               </a:spcBef>
@@ -1189,9 +1232,6 @@
               </a:spcAft>
               <a:buNone/>
             </a:pPr>
-            <a:r>
-              <a:t/>
-            </a:r>
             <a:endParaRPr/>
           </a:p>
         </p:txBody>
@@ -1205,11 +1245,11 @@
 </file>
 
 <file path=ppt/notesSlides/notesSlide14.xml><?xml version="1.0" encoding="utf-8"?>
-<p:notes xmlns:a="http://schemas.openxmlformats.org/drawingml/2006/main" xmlns:r="http://schemas.openxmlformats.org/officeDocument/2006/relationships" xmlns:mc="http://schemas.openxmlformats.org/markup-compatibility/2006" xmlns:mv="urn:schemas-microsoft-com:mac:vml" xmlns:p="http://schemas.openxmlformats.org/presentationml/2006/main" xmlns:c="http://schemas.openxmlformats.org/drawingml/2006/chart" xmlns:dgm="http://schemas.openxmlformats.org/drawingml/2006/diagram" xmlns:o="urn:schemas-microsoft-com:office:office" xmlns:v="urn:schemas-microsoft-com:vml" xmlns:pvml="urn:schemas-microsoft-com:office:powerpoint" xmlns:com="http://schemas.openxmlformats.org/drawingml/2006/compatibility" xmlns:p14="http://schemas.microsoft.com/office/powerpoint/2010/main" xmlns:p15="http://schemas.microsoft.com/office/powerpoint/2012/main" xmlns:ahyp="http://schemas.microsoft.com/office/drawing/2018/hyperlinkcolor" showMasterPhAnim="0" showMasterSp="0">
+<p:notes xmlns:a="http://schemas.openxmlformats.org/drawingml/2006/main" xmlns:r="http://schemas.openxmlformats.org/officeDocument/2006/relationships" xmlns:p="http://schemas.openxmlformats.org/presentationml/2006/main" showMasterSp="0" showMasterPhAnim="0">
   <p:cSld>
     <p:spTree>
       <p:nvGrpSpPr>
-        <p:cNvPr id="166" name="Shape 166"/>
+        <p:cNvPr id="1" name="Shape 166"/>
         <p:cNvGrpSpPr/>
         <p:nvPr/>
       </p:nvGrpSpPr>
@@ -1224,20 +1264,26 @@
       <p:sp>
         <p:nvSpPr>
           <p:cNvPr id="167" name="Google Shape;167;g259b084ee28_0_215:notes"/>
-          <p:cNvSpPr/>
+          <p:cNvSpPr>
+            <a:spLocks noGrp="1" noRot="1" noChangeAspect="1"/>
+          </p:cNvSpPr>
           <p:nvPr>
-            <p:ph idx="2" type="sldImg"/>
+            <p:ph type="sldImg" idx="2"/>
           </p:nvPr>
         </p:nvSpPr>
         <p:spPr>
           <a:xfrm>
-            <a:off x="381300" y="685800"/>
+            <a:off x="381000" y="685800"/>
             <a:ext cx="6096000" cy="3429000"/>
           </a:xfrm>
           <a:custGeom>
-            <a:rect b="b" l="l" r="r" t="t"/>
+            <a:avLst/>
+            <a:gdLst/>
+            <a:ahLst/>
+            <a:cxnLst/>
+            <a:rect l="l" t="t" r="r" b="b"/>
             <a:pathLst>
-              <a:path extrusionOk="0" h="120000" w="120000">
+              <a:path w="120000" h="120000" extrusionOk="0">
                 <a:moveTo>
                   <a:pt x="0" y="0"/>
                 </a:moveTo>
@@ -1259,9 +1305,11 @@
       <p:sp>
         <p:nvSpPr>
           <p:cNvPr id="168" name="Google Shape;168;g259b084ee28_0_215:notes"/>
-          <p:cNvSpPr txBox="1"/>
+          <p:cNvSpPr txBox="1">
+            <a:spLocks noGrp="1"/>
+          </p:cNvSpPr>
           <p:nvPr>
-            <p:ph idx="1" type="body"/>
+            <p:ph type="body" idx="1"/>
           </p:nvPr>
         </p:nvSpPr>
         <p:spPr>
@@ -1274,12 +1322,12 @@
           </a:prstGeom>
         </p:spPr>
         <p:txBody>
-          <a:bodyPr anchorCtr="0" anchor="t" bIns="91425" lIns="91425" spcFirstLastPara="1" rIns="91425" wrap="square" tIns="91425">
+          <a:bodyPr spcFirstLastPara="1" wrap="square" lIns="91425" tIns="91425" rIns="91425" bIns="91425" anchor="t" anchorCtr="0">
             <a:noAutofit/>
           </a:bodyPr>
           <a:lstStyle/>
           <a:p>
-            <a:pPr indent="0" lvl="0" marL="0" rtl="0" algn="l">
+            <a:pPr marL="0" lvl="0" indent="0" algn="l" rtl="0">
               <a:spcBef>
                 <a:spcPts val="0"/>
               </a:spcBef>
@@ -1288,9 +1336,6 @@
               </a:spcAft>
               <a:buNone/>
             </a:pPr>
-            <a:r>
-              <a:t/>
-            </a:r>
             <a:endParaRPr/>
           </a:p>
         </p:txBody>
@@ -1304,11 +1349,11 @@
 </file>
 
 <file path=ppt/notesSlides/notesSlide15.xml><?xml version="1.0" encoding="utf-8"?>
-<p:notes xmlns:a="http://schemas.openxmlformats.org/drawingml/2006/main" xmlns:r="http://schemas.openxmlformats.org/officeDocument/2006/relationships" xmlns:mc="http://schemas.openxmlformats.org/markup-compatibility/2006" xmlns:mv="urn:schemas-microsoft-com:mac:vml" xmlns:p="http://schemas.openxmlformats.org/presentationml/2006/main" xmlns:c="http://schemas.openxmlformats.org/drawingml/2006/chart" xmlns:dgm="http://schemas.openxmlformats.org/drawingml/2006/diagram" xmlns:o="urn:schemas-microsoft-com:office:office" xmlns:v="urn:schemas-microsoft-com:vml" xmlns:pvml="urn:schemas-microsoft-com:office:powerpoint" xmlns:com="http://schemas.openxmlformats.org/drawingml/2006/compatibility" xmlns:p14="http://schemas.microsoft.com/office/powerpoint/2010/main" xmlns:p15="http://schemas.microsoft.com/office/powerpoint/2012/main" xmlns:ahyp="http://schemas.microsoft.com/office/drawing/2018/hyperlinkcolor" showMasterPhAnim="0" showMasterSp="0">
+<p:notes xmlns:a="http://schemas.openxmlformats.org/drawingml/2006/main" xmlns:r="http://schemas.openxmlformats.org/officeDocument/2006/relationships" xmlns:p="http://schemas.openxmlformats.org/presentationml/2006/main" showMasterSp="0" showMasterPhAnim="0">
   <p:cSld>
     <p:spTree>
       <p:nvGrpSpPr>
-        <p:cNvPr id="172" name="Shape 172"/>
+        <p:cNvPr id="1" name="Shape 172"/>
         <p:cNvGrpSpPr/>
         <p:nvPr/>
       </p:nvGrpSpPr>
@@ -1323,9 +1368,11 @@
       <p:sp>
         <p:nvSpPr>
           <p:cNvPr id="173" name="Google Shape;173;g259b084ee28_0_0:notes"/>
-          <p:cNvSpPr/>
+          <p:cNvSpPr>
+            <a:spLocks noGrp="1" noRot="1" noChangeAspect="1"/>
+          </p:cNvSpPr>
           <p:nvPr>
-            <p:ph idx="2" type="sldImg"/>
+            <p:ph type="sldImg" idx="2"/>
           </p:nvPr>
         </p:nvSpPr>
         <p:spPr>
@@ -1334,9 +1381,13 @@
             <a:ext cx="6096000" cy="3429000"/>
           </a:xfrm>
           <a:custGeom>
-            <a:rect b="b" l="l" r="r" t="t"/>
+            <a:avLst/>
+            <a:gdLst/>
+            <a:ahLst/>
+            <a:cxnLst/>
+            <a:rect l="l" t="t" r="r" b="b"/>
             <a:pathLst>
-              <a:path extrusionOk="0" h="120000" w="120000">
+              <a:path w="120000" h="120000" extrusionOk="0">
                 <a:moveTo>
                   <a:pt x="0" y="0"/>
                 </a:moveTo>
@@ -1358,9 +1409,11 @@
       <p:sp>
         <p:nvSpPr>
           <p:cNvPr id="174" name="Google Shape;174;g259b084ee28_0_0:notes"/>
-          <p:cNvSpPr txBox="1"/>
+          <p:cNvSpPr txBox="1">
+            <a:spLocks noGrp="1"/>
+          </p:cNvSpPr>
           <p:nvPr>
-            <p:ph idx="1" type="body"/>
+            <p:ph type="body" idx="1"/>
           </p:nvPr>
         </p:nvSpPr>
         <p:spPr>
@@ -1373,12 +1426,12 @@
           </a:prstGeom>
         </p:spPr>
         <p:txBody>
-          <a:bodyPr anchorCtr="0" anchor="t" bIns="91425" lIns="91425" spcFirstLastPara="1" rIns="91425" wrap="square" tIns="91425">
+          <a:bodyPr spcFirstLastPara="1" wrap="square" lIns="91425" tIns="91425" rIns="91425" bIns="91425" anchor="t" anchorCtr="0">
             <a:noAutofit/>
           </a:bodyPr>
           <a:lstStyle/>
           <a:p>
-            <a:pPr indent="0" lvl="0" marL="0" rtl="0" algn="l">
+            <a:pPr marL="0" lvl="0" indent="0" algn="l" rtl="0">
               <a:spcBef>
                 <a:spcPts val="0"/>
               </a:spcBef>
@@ -1387,9 +1440,6 @@
               </a:spcAft>
               <a:buNone/>
             </a:pPr>
-            <a:r>
-              <a:t/>
-            </a:r>
             <a:endParaRPr/>
           </a:p>
         </p:txBody>
@@ -1403,11 +1453,11 @@
 </file>
 
 <file path=ppt/notesSlides/notesSlide2.xml><?xml version="1.0" encoding="utf-8"?>
-<p:notes xmlns:a="http://schemas.openxmlformats.org/drawingml/2006/main" xmlns:r="http://schemas.openxmlformats.org/officeDocument/2006/relationships" xmlns:mc="http://schemas.openxmlformats.org/markup-compatibility/2006" xmlns:mv="urn:schemas-microsoft-com:mac:vml" xmlns:p="http://schemas.openxmlformats.org/presentationml/2006/main" xmlns:c="http://schemas.openxmlformats.org/drawingml/2006/chart" xmlns:dgm="http://schemas.openxmlformats.org/drawingml/2006/diagram" xmlns:o="urn:schemas-microsoft-com:office:office" xmlns:v="urn:schemas-microsoft-com:vml" xmlns:pvml="urn:schemas-microsoft-com:office:powerpoint" xmlns:com="http://schemas.openxmlformats.org/drawingml/2006/compatibility" xmlns:p14="http://schemas.microsoft.com/office/powerpoint/2010/main" xmlns:p15="http://schemas.microsoft.com/office/powerpoint/2012/main" xmlns:ahyp="http://schemas.microsoft.com/office/drawing/2018/hyperlinkcolor" showMasterPhAnim="0" showMasterSp="0">
+<p:notes xmlns:a="http://schemas.openxmlformats.org/drawingml/2006/main" xmlns:r="http://schemas.openxmlformats.org/officeDocument/2006/relationships" xmlns:p="http://schemas.openxmlformats.org/presentationml/2006/main" showMasterSp="0" showMasterPhAnim="0">
   <p:cSld>
     <p:spTree>
       <p:nvGrpSpPr>
-        <p:cNvPr id="61" name="Shape 61"/>
+        <p:cNvPr id="1" name="Shape 61"/>
         <p:cNvGrpSpPr/>
         <p:nvPr/>
       </p:nvGrpSpPr>
@@ -1422,9 +1472,11 @@
       <p:sp>
         <p:nvSpPr>
           <p:cNvPr id="62" name="Google Shape;62;g259b084ee28_0_57:notes"/>
-          <p:cNvSpPr/>
+          <p:cNvSpPr>
+            <a:spLocks noGrp="1" noRot="1" noChangeAspect="1"/>
+          </p:cNvSpPr>
           <p:nvPr>
-            <p:ph idx="2" type="sldImg"/>
+            <p:ph type="sldImg" idx="2"/>
           </p:nvPr>
         </p:nvSpPr>
         <p:spPr>
@@ -1433,9 +1485,13 @@
             <a:ext cx="6096000" cy="3429000"/>
           </a:xfrm>
           <a:custGeom>
-            <a:rect b="b" l="l" r="r" t="t"/>
+            <a:avLst/>
+            <a:gdLst/>
+            <a:ahLst/>
+            <a:cxnLst/>
+            <a:rect l="l" t="t" r="r" b="b"/>
             <a:pathLst>
-              <a:path extrusionOk="0" h="120000" w="120000">
+              <a:path w="120000" h="120000" extrusionOk="0">
                 <a:moveTo>
                   <a:pt x="0" y="0"/>
                 </a:moveTo>
@@ -1457,9 +1513,11 @@
       <p:sp>
         <p:nvSpPr>
           <p:cNvPr id="63" name="Google Shape;63;g259b084ee28_0_57:notes"/>
-          <p:cNvSpPr txBox="1"/>
+          <p:cNvSpPr txBox="1">
+            <a:spLocks noGrp="1"/>
+          </p:cNvSpPr>
           <p:nvPr>
-            <p:ph idx="1" type="body"/>
+            <p:ph type="body" idx="1"/>
           </p:nvPr>
         </p:nvSpPr>
         <p:spPr>
@@ -1472,12 +1530,12 @@
           </a:prstGeom>
         </p:spPr>
         <p:txBody>
-          <a:bodyPr anchorCtr="0" anchor="t" bIns="91425" lIns="91425" spcFirstLastPara="1" rIns="91425" wrap="square" tIns="91425">
+          <a:bodyPr spcFirstLastPara="1" wrap="square" lIns="91425" tIns="91425" rIns="91425" bIns="91425" anchor="t" anchorCtr="0">
             <a:noAutofit/>
           </a:bodyPr>
           <a:lstStyle/>
           <a:p>
-            <a:pPr indent="0" lvl="0" marL="0" rtl="0" algn="l">
+            <a:pPr marL="0" lvl="0" indent="0" algn="l" rtl="0">
               <a:spcBef>
                 <a:spcPts val="0"/>
               </a:spcBef>
@@ -1486,9 +1544,6 @@
               </a:spcAft>
               <a:buNone/>
             </a:pPr>
-            <a:r>
-              <a:t/>
-            </a:r>
             <a:endParaRPr/>
           </a:p>
         </p:txBody>
@@ -1502,11 +1557,11 @@
 </file>
 
 <file path=ppt/notesSlides/notesSlide3.xml><?xml version="1.0" encoding="utf-8"?>
-<p:notes xmlns:a="http://schemas.openxmlformats.org/drawingml/2006/main" xmlns:r="http://schemas.openxmlformats.org/officeDocument/2006/relationships" xmlns:mc="http://schemas.openxmlformats.org/markup-compatibility/2006" xmlns:mv="urn:schemas-microsoft-com:mac:vml" xmlns:p="http://schemas.openxmlformats.org/presentationml/2006/main" xmlns:c="http://schemas.openxmlformats.org/drawingml/2006/chart" xmlns:dgm="http://schemas.openxmlformats.org/drawingml/2006/diagram" xmlns:o="urn:schemas-microsoft-com:office:office" xmlns:v="urn:schemas-microsoft-com:vml" xmlns:pvml="urn:schemas-microsoft-com:office:powerpoint" xmlns:com="http://schemas.openxmlformats.org/drawingml/2006/compatibility" xmlns:p14="http://schemas.microsoft.com/office/powerpoint/2010/main" xmlns:p15="http://schemas.microsoft.com/office/powerpoint/2012/main" xmlns:ahyp="http://schemas.microsoft.com/office/drawing/2018/hyperlinkcolor" showMasterPhAnim="0" showMasterSp="0">
+<p:notes xmlns:a="http://schemas.openxmlformats.org/drawingml/2006/main" xmlns:r="http://schemas.openxmlformats.org/officeDocument/2006/relationships" xmlns:p="http://schemas.openxmlformats.org/presentationml/2006/main" showMasterSp="0" showMasterPhAnim="0">
   <p:cSld>
     <p:spTree>
       <p:nvGrpSpPr>
-        <p:cNvPr id="67" name="Shape 67"/>
+        <p:cNvPr id="1" name="Shape 67"/>
         <p:cNvGrpSpPr/>
         <p:nvPr/>
       </p:nvGrpSpPr>
@@ -1521,9 +1576,11 @@
       <p:sp>
         <p:nvSpPr>
           <p:cNvPr id="68" name="Google Shape;68;g259b084ee28_0_225:notes"/>
-          <p:cNvSpPr/>
+          <p:cNvSpPr>
+            <a:spLocks noGrp="1" noRot="1" noChangeAspect="1"/>
+          </p:cNvSpPr>
           <p:nvPr>
-            <p:ph idx="2" type="sldImg"/>
+            <p:ph type="sldImg" idx="2"/>
           </p:nvPr>
         </p:nvSpPr>
         <p:spPr>
@@ -1532,9 +1589,13 @@
             <a:ext cx="6096000" cy="3429000"/>
           </a:xfrm>
           <a:custGeom>
-            <a:rect b="b" l="l" r="r" t="t"/>
+            <a:avLst/>
+            <a:gdLst/>
+            <a:ahLst/>
+            <a:cxnLst/>
+            <a:rect l="l" t="t" r="r" b="b"/>
             <a:pathLst>
-              <a:path extrusionOk="0" h="120000" w="120000">
+              <a:path w="120000" h="120000" extrusionOk="0">
                 <a:moveTo>
                   <a:pt x="0" y="0"/>
                 </a:moveTo>
@@ -1556,9 +1617,11 @@
       <p:sp>
         <p:nvSpPr>
           <p:cNvPr id="69" name="Google Shape;69;g259b084ee28_0_225:notes"/>
-          <p:cNvSpPr txBox="1"/>
+          <p:cNvSpPr txBox="1">
+            <a:spLocks noGrp="1"/>
+          </p:cNvSpPr>
           <p:nvPr>
-            <p:ph idx="1" type="body"/>
+            <p:ph type="body" idx="1"/>
           </p:nvPr>
         </p:nvSpPr>
         <p:spPr>
@@ -1571,12 +1634,12 @@
           </a:prstGeom>
         </p:spPr>
         <p:txBody>
-          <a:bodyPr anchorCtr="0" anchor="t" bIns="91425" lIns="91425" spcFirstLastPara="1" rIns="91425" wrap="square" tIns="91425">
+          <a:bodyPr spcFirstLastPara="1" wrap="square" lIns="91425" tIns="91425" rIns="91425" bIns="91425" anchor="t" anchorCtr="0">
             <a:noAutofit/>
           </a:bodyPr>
           <a:lstStyle/>
           <a:p>
-            <a:pPr indent="0" lvl="0" marL="0" rtl="0" algn="l">
+            <a:pPr marL="0" lvl="0" indent="0" algn="l" rtl="0">
               <a:spcBef>
                 <a:spcPts val="0"/>
               </a:spcBef>
@@ -1585,9 +1648,6 @@
               </a:spcAft>
               <a:buNone/>
             </a:pPr>
-            <a:r>
-              <a:t/>
-            </a:r>
             <a:endParaRPr/>
           </a:p>
         </p:txBody>
@@ -1601,11 +1661,11 @@
 </file>
 
 <file path=ppt/notesSlides/notesSlide4.xml><?xml version="1.0" encoding="utf-8"?>
-<p:notes xmlns:a="http://schemas.openxmlformats.org/drawingml/2006/main" xmlns:r="http://schemas.openxmlformats.org/officeDocument/2006/relationships" xmlns:mc="http://schemas.openxmlformats.org/markup-compatibility/2006" xmlns:mv="urn:schemas-microsoft-com:mac:vml" xmlns:p="http://schemas.openxmlformats.org/presentationml/2006/main" xmlns:c="http://schemas.openxmlformats.org/drawingml/2006/chart" xmlns:dgm="http://schemas.openxmlformats.org/drawingml/2006/diagram" xmlns:o="urn:schemas-microsoft-com:office:office" xmlns:v="urn:schemas-microsoft-com:vml" xmlns:pvml="urn:schemas-microsoft-com:office:powerpoint" xmlns:com="http://schemas.openxmlformats.org/drawingml/2006/compatibility" xmlns:p14="http://schemas.microsoft.com/office/powerpoint/2010/main" xmlns:p15="http://schemas.microsoft.com/office/powerpoint/2012/main" xmlns:ahyp="http://schemas.microsoft.com/office/drawing/2018/hyperlinkcolor" showMasterPhAnim="0" showMasterSp="0">
+<p:notes xmlns:a="http://schemas.openxmlformats.org/drawingml/2006/main" xmlns:r="http://schemas.openxmlformats.org/officeDocument/2006/relationships" xmlns:p="http://schemas.openxmlformats.org/presentationml/2006/main" showMasterSp="0" showMasterPhAnim="0">
   <p:cSld>
     <p:spTree>
       <p:nvGrpSpPr>
-        <p:cNvPr id="75" name="Shape 75"/>
+        <p:cNvPr id="1" name="Shape 75"/>
         <p:cNvGrpSpPr/>
         <p:nvPr/>
       </p:nvGrpSpPr>
@@ -1620,9 +1680,11 @@
       <p:sp>
         <p:nvSpPr>
           <p:cNvPr id="76" name="Google Shape;76;g259b084ee28_0_112:notes"/>
-          <p:cNvSpPr/>
+          <p:cNvSpPr>
+            <a:spLocks noGrp="1" noRot="1" noChangeAspect="1"/>
+          </p:cNvSpPr>
           <p:nvPr>
-            <p:ph idx="2" type="sldImg"/>
+            <p:ph type="sldImg" idx="2"/>
           </p:nvPr>
         </p:nvSpPr>
         <p:spPr>
@@ -1631,9 +1693,13 @@
             <a:ext cx="6096000" cy="3429000"/>
           </a:xfrm>
           <a:custGeom>
-            <a:rect b="b" l="l" r="r" t="t"/>
+            <a:avLst/>
+            <a:gdLst/>
+            <a:ahLst/>
+            <a:cxnLst/>
+            <a:rect l="l" t="t" r="r" b="b"/>
             <a:pathLst>
-              <a:path extrusionOk="0" h="120000" w="120000">
+              <a:path w="120000" h="120000" extrusionOk="0">
                 <a:moveTo>
                   <a:pt x="0" y="0"/>
                 </a:moveTo>
@@ -1655,9 +1721,11 @@
       <p:sp>
         <p:nvSpPr>
           <p:cNvPr id="77" name="Google Shape;77;g259b084ee28_0_112:notes"/>
-          <p:cNvSpPr txBox="1"/>
+          <p:cNvSpPr txBox="1">
+            <a:spLocks noGrp="1"/>
+          </p:cNvSpPr>
           <p:nvPr>
-            <p:ph idx="1" type="body"/>
+            <p:ph type="body" idx="1"/>
           </p:nvPr>
         </p:nvSpPr>
         <p:spPr>
@@ -1670,12 +1738,12 @@
           </a:prstGeom>
         </p:spPr>
         <p:txBody>
-          <a:bodyPr anchorCtr="0" anchor="t" bIns="91425" lIns="91425" spcFirstLastPara="1" rIns="91425" wrap="square" tIns="91425">
+          <a:bodyPr spcFirstLastPara="1" wrap="square" lIns="91425" tIns="91425" rIns="91425" bIns="91425" anchor="t" anchorCtr="0">
             <a:noAutofit/>
           </a:bodyPr>
           <a:lstStyle/>
           <a:p>
-            <a:pPr indent="0" lvl="0" marL="0" rtl="0" algn="l">
+            <a:pPr marL="0" lvl="0" indent="0" algn="l" rtl="0">
               <a:spcBef>
                 <a:spcPts val="0"/>
               </a:spcBef>
@@ -1684,9 +1752,6 @@
               </a:spcAft>
               <a:buNone/>
             </a:pPr>
-            <a:r>
-              <a:t/>
-            </a:r>
             <a:endParaRPr/>
           </a:p>
         </p:txBody>
@@ -1700,11 +1765,11 @@
 </file>
 
 <file path=ppt/notesSlides/notesSlide5.xml><?xml version="1.0" encoding="utf-8"?>
-<p:notes xmlns:a="http://schemas.openxmlformats.org/drawingml/2006/main" xmlns:r="http://schemas.openxmlformats.org/officeDocument/2006/relationships" xmlns:mc="http://schemas.openxmlformats.org/markup-compatibility/2006" xmlns:mv="urn:schemas-microsoft-com:mac:vml" xmlns:p="http://schemas.openxmlformats.org/presentationml/2006/main" xmlns:c="http://schemas.openxmlformats.org/drawingml/2006/chart" xmlns:dgm="http://schemas.openxmlformats.org/drawingml/2006/diagram" xmlns:o="urn:schemas-microsoft-com:office:office" xmlns:v="urn:schemas-microsoft-com:vml" xmlns:pvml="urn:schemas-microsoft-com:office:powerpoint" xmlns:com="http://schemas.openxmlformats.org/drawingml/2006/compatibility" xmlns:p14="http://schemas.microsoft.com/office/powerpoint/2010/main" xmlns:p15="http://schemas.microsoft.com/office/powerpoint/2012/main" xmlns:ahyp="http://schemas.microsoft.com/office/drawing/2018/hyperlinkcolor" showMasterPhAnim="0" showMasterSp="0">
+<p:notes xmlns:a="http://schemas.openxmlformats.org/drawingml/2006/main" xmlns:r="http://schemas.openxmlformats.org/officeDocument/2006/relationships" xmlns:p="http://schemas.openxmlformats.org/presentationml/2006/main" showMasterSp="0" showMasterPhAnim="0">
   <p:cSld>
     <p:spTree>
       <p:nvGrpSpPr>
-        <p:cNvPr id="81" name="Shape 81"/>
+        <p:cNvPr id="1" name="Shape 81"/>
         <p:cNvGrpSpPr/>
         <p:nvPr/>
       </p:nvGrpSpPr>
@@ -1719,9 +1784,11 @@
       <p:sp>
         <p:nvSpPr>
           <p:cNvPr id="82" name="Google Shape;82;g259b084ee28_0_117:notes"/>
-          <p:cNvSpPr/>
+          <p:cNvSpPr>
+            <a:spLocks noGrp="1" noRot="1" noChangeAspect="1"/>
+          </p:cNvSpPr>
           <p:nvPr>
-            <p:ph idx="2" type="sldImg"/>
+            <p:ph type="sldImg" idx="2"/>
           </p:nvPr>
         </p:nvSpPr>
         <p:spPr>
@@ -1730,9 +1797,13 @@
             <a:ext cx="6096000" cy="3429000"/>
           </a:xfrm>
           <a:custGeom>
-            <a:rect b="b" l="l" r="r" t="t"/>
+            <a:avLst/>
+            <a:gdLst/>
+            <a:ahLst/>
+            <a:cxnLst/>
+            <a:rect l="l" t="t" r="r" b="b"/>
             <a:pathLst>
-              <a:path extrusionOk="0" h="120000" w="120000">
+              <a:path w="120000" h="120000" extrusionOk="0">
                 <a:moveTo>
                   <a:pt x="0" y="0"/>
                 </a:moveTo>
@@ -1754,9 +1825,11 @@
       <p:sp>
         <p:nvSpPr>
           <p:cNvPr id="83" name="Google Shape;83;g259b084ee28_0_117:notes"/>
-          <p:cNvSpPr txBox="1"/>
+          <p:cNvSpPr txBox="1">
+            <a:spLocks noGrp="1"/>
+          </p:cNvSpPr>
           <p:nvPr>
-            <p:ph idx="1" type="body"/>
+            <p:ph type="body" idx="1"/>
           </p:nvPr>
         </p:nvSpPr>
         <p:spPr>
@@ -1769,12 +1842,12 @@
           </a:prstGeom>
         </p:spPr>
         <p:txBody>
-          <a:bodyPr anchorCtr="0" anchor="t" bIns="91425" lIns="91425" spcFirstLastPara="1" rIns="91425" wrap="square" tIns="91425">
+          <a:bodyPr spcFirstLastPara="1" wrap="square" lIns="91425" tIns="91425" rIns="91425" bIns="91425" anchor="t" anchorCtr="0">
             <a:noAutofit/>
           </a:bodyPr>
           <a:lstStyle/>
           <a:p>
-            <a:pPr indent="0" lvl="0" marL="0" rtl="0" algn="l">
+            <a:pPr marL="0" lvl="0" indent="0" algn="l" rtl="0">
               <a:spcBef>
                 <a:spcPts val="0"/>
               </a:spcBef>
@@ -1783,9 +1856,6 @@
               </a:spcAft>
               <a:buNone/>
             </a:pPr>
-            <a:r>
-              <a:t/>
-            </a:r>
             <a:endParaRPr/>
           </a:p>
         </p:txBody>
@@ -1799,11 +1869,11 @@
 </file>
 
 <file path=ppt/notesSlides/notesSlide6.xml><?xml version="1.0" encoding="utf-8"?>
-<p:notes xmlns:a="http://schemas.openxmlformats.org/drawingml/2006/main" xmlns:r="http://schemas.openxmlformats.org/officeDocument/2006/relationships" xmlns:mc="http://schemas.openxmlformats.org/markup-compatibility/2006" xmlns:mv="urn:schemas-microsoft-com:mac:vml" xmlns:p="http://schemas.openxmlformats.org/presentationml/2006/main" xmlns:c="http://schemas.openxmlformats.org/drawingml/2006/chart" xmlns:dgm="http://schemas.openxmlformats.org/drawingml/2006/diagram" xmlns:o="urn:schemas-microsoft-com:office:office" xmlns:v="urn:schemas-microsoft-com:vml" xmlns:pvml="urn:schemas-microsoft-com:office:powerpoint" xmlns:com="http://schemas.openxmlformats.org/drawingml/2006/compatibility" xmlns:p14="http://schemas.microsoft.com/office/powerpoint/2010/main" xmlns:p15="http://schemas.microsoft.com/office/powerpoint/2012/main" xmlns:ahyp="http://schemas.microsoft.com/office/drawing/2018/hyperlinkcolor" showMasterPhAnim="0" showMasterSp="0">
+<p:notes xmlns:a="http://schemas.openxmlformats.org/drawingml/2006/main" xmlns:r="http://schemas.openxmlformats.org/officeDocument/2006/relationships" xmlns:p="http://schemas.openxmlformats.org/presentationml/2006/main" showMasterSp="0" showMasterPhAnim="0">
   <p:cSld>
     <p:spTree>
       <p:nvGrpSpPr>
-        <p:cNvPr id="88" name="Shape 88"/>
+        <p:cNvPr id="1" name="Shape 88"/>
         <p:cNvGrpSpPr/>
         <p:nvPr/>
       </p:nvGrpSpPr>
@@ -1818,20 +1888,26 @@
       <p:sp>
         <p:nvSpPr>
           <p:cNvPr id="89" name="Google Shape;89;g259b084ee28_0_130:notes"/>
-          <p:cNvSpPr/>
+          <p:cNvSpPr>
+            <a:spLocks noGrp="1" noRot="1" noChangeAspect="1"/>
+          </p:cNvSpPr>
           <p:nvPr>
-            <p:ph idx="2" type="sldImg"/>
+            <p:ph type="sldImg" idx="2"/>
           </p:nvPr>
         </p:nvSpPr>
         <p:spPr>
           <a:xfrm>
-            <a:off x="381300" y="685800"/>
+            <a:off x="381000" y="685800"/>
             <a:ext cx="6096000" cy="3429000"/>
           </a:xfrm>
           <a:custGeom>
-            <a:rect b="b" l="l" r="r" t="t"/>
+            <a:avLst/>
+            <a:gdLst/>
+            <a:ahLst/>
+            <a:cxnLst/>
+            <a:rect l="l" t="t" r="r" b="b"/>
             <a:pathLst>
-              <a:path extrusionOk="0" h="120000" w="120000">
+              <a:path w="120000" h="120000" extrusionOk="0">
                 <a:moveTo>
                   <a:pt x="0" y="0"/>
                 </a:moveTo>
@@ -1853,9 +1929,11 @@
       <p:sp>
         <p:nvSpPr>
           <p:cNvPr id="90" name="Google Shape;90;g259b084ee28_0_130:notes"/>
-          <p:cNvSpPr txBox="1"/>
+          <p:cNvSpPr txBox="1">
+            <a:spLocks noGrp="1"/>
+          </p:cNvSpPr>
           <p:nvPr>
-            <p:ph idx="1" type="body"/>
+            <p:ph type="body" idx="1"/>
           </p:nvPr>
         </p:nvSpPr>
         <p:spPr>
@@ -1868,12 +1946,12 @@
           </a:prstGeom>
         </p:spPr>
         <p:txBody>
-          <a:bodyPr anchorCtr="0" anchor="t" bIns="91425" lIns="91425" spcFirstLastPara="1" rIns="91425" wrap="square" tIns="91425">
+          <a:bodyPr spcFirstLastPara="1" wrap="square" lIns="91425" tIns="91425" rIns="91425" bIns="91425" anchor="t" anchorCtr="0">
             <a:noAutofit/>
           </a:bodyPr>
           <a:lstStyle/>
           <a:p>
-            <a:pPr indent="0" lvl="0" marL="0" rtl="0" algn="l">
+            <a:pPr marL="0" lvl="0" indent="0" algn="l" rtl="0">
               <a:spcBef>
                 <a:spcPts val="0"/>
               </a:spcBef>
@@ -1882,9 +1960,6 @@
               </a:spcAft>
               <a:buNone/>
             </a:pPr>
-            <a:r>
-              <a:t/>
-            </a:r>
             <a:endParaRPr/>
           </a:p>
         </p:txBody>
@@ -1898,11 +1973,11 @@
 </file>
 
 <file path=ppt/notesSlides/notesSlide7.xml><?xml version="1.0" encoding="utf-8"?>
-<p:notes xmlns:a="http://schemas.openxmlformats.org/drawingml/2006/main" xmlns:r="http://schemas.openxmlformats.org/officeDocument/2006/relationships" xmlns:mc="http://schemas.openxmlformats.org/markup-compatibility/2006" xmlns:mv="urn:schemas-microsoft-com:mac:vml" xmlns:p="http://schemas.openxmlformats.org/presentationml/2006/main" xmlns:c="http://schemas.openxmlformats.org/drawingml/2006/chart" xmlns:dgm="http://schemas.openxmlformats.org/drawingml/2006/diagram" xmlns:o="urn:schemas-microsoft-com:office:office" xmlns:v="urn:schemas-microsoft-com:vml" xmlns:pvml="urn:schemas-microsoft-com:office:powerpoint" xmlns:com="http://schemas.openxmlformats.org/drawingml/2006/compatibility" xmlns:p14="http://schemas.microsoft.com/office/powerpoint/2010/main" xmlns:p15="http://schemas.microsoft.com/office/powerpoint/2012/main" xmlns:ahyp="http://schemas.microsoft.com/office/drawing/2018/hyperlinkcolor" showMasterPhAnim="0" showMasterSp="0">
+<p:notes xmlns:a="http://schemas.openxmlformats.org/drawingml/2006/main" xmlns:r="http://schemas.openxmlformats.org/officeDocument/2006/relationships" xmlns:p="http://schemas.openxmlformats.org/presentationml/2006/main" showMasterSp="0" showMasterPhAnim="0">
   <p:cSld>
     <p:spTree>
       <p:nvGrpSpPr>
-        <p:cNvPr id="94" name="Shape 94"/>
+        <p:cNvPr id="1" name="Shape 94"/>
         <p:cNvGrpSpPr/>
         <p:nvPr/>
       </p:nvGrpSpPr>
@@ -1917,20 +1992,26 @@
       <p:sp>
         <p:nvSpPr>
           <p:cNvPr id="95" name="Google Shape;95;g259b084ee28_0_135:notes"/>
-          <p:cNvSpPr/>
+          <p:cNvSpPr>
+            <a:spLocks noGrp="1" noRot="1" noChangeAspect="1"/>
+          </p:cNvSpPr>
           <p:nvPr>
-            <p:ph idx="2" type="sldImg"/>
+            <p:ph type="sldImg" idx="2"/>
           </p:nvPr>
         </p:nvSpPr>
         <p:spPr>
           <a:xfrm>
-            <a:off x="381300" y="685800"/>
+            <a:off x="381000" y="685800"/>
             <a:ext cx="6096000" cy="3429000"/>
           </a:xfrm>
           <a:custGeom>
-            <a:rect b="b" l="l" r="r" t="t"/>
+            <a:avLst/>
+            <a:gdLst/>
+            <a:ahLst/>
+            <a:cxnLst/>
+            <a:rect l="l" t="t" r="r" b="b"/>
             <a:pathLst>
-              <a:path extrusionOk="0" h="120000" w="120000">
+              <a:path w="120000" h="120000" extrusionOk="0">
                 <a:moveTo>
                   <a:pt x="0" y="0"/>
                 </a:moveTo>
@@ -1952,9 +2033,11 @@
       <p:sp>
         <p:nvSpPr>
           <p:cNvPr id="96" name="Google Shape;96;g259b084ee28_0_135:notes"/>
-          <p:cNvSpPr txBox="1"/>
+          <p:cNvSpPr txBox="1">
+            <a:spLocks noGrp="1"/>
+          </p:cNvSpPr>
           <p:nvPr>
-            <p:ph idx="1" type="body"/>
+            <p:ph type="body" idx="1"/>
           </p:nvPr>
         </p:nvSpPr>
         <p:spPr>
@@ -1967,12 +2050,12 @@
           </a:prstGeom>
         </p:spPr>
         <p:txBody>
-          <a:bodyPr anchorCtr="0" anchor="t" bIns="91425" lIns="91425" spcFirstLastPara="1" rIns="91425" wrap="square" tIns="91425">
+          <a:bodyPr spcFirstLastPara="1" wrap="square" lIns="91425" tIns="91425" rIns="91425" bIns="91425" anchor="t" anchorCtr="0">
             <a:noAutofit/>
           </a:bodyPr>
           <a:lstStyle/>
           <a:p>
-            <a:pPr indent="0" lvl="0" marL="0" rtl="0" algn="l">
+            <a:pPr marL="0" lvl="0" indent="0" algn="l" rtl="0">
               <a:spcBef>
                 <a:spcPts val="0"/>
               </a:spcBef>
@@ -1981,9 +2064,6 @@
               </a:spcAft>
               <a:buNone/>
             </a:pPr>
-            <a:r>
-              <a:t/>
-            </a:r>
             <a:endParaRPr/>
           </a:p>
         </p:txBody>
@@ -1997,11 +2077,11 @@
 </file>
 
 <file path=ppt/notesSlides/notesSlide8.xml><?xml version="1.0" encoding="utf-8"?>
-<p:notes xmlns:a="http://schemas.openxmlformats.org/drawingml/2006/main" xmlns:r="http://schemas.openxmlformats.org/officeDocument/2006/relationships" xmlns:mc="http://schemas.openxmlformats.org/markup-compatibility/2006" xmlns:mv="urn:schemas-microsoft-com:mac:vml" xmlns:p="http://schemas.openxmlformats.org/presentationml/2006/main" xmlns:c="http://schemas.openxmlformats.org/drawingml/2006/chart" xmlns:dgm="http://schemas.openxmlformats.org/drawingml/2006/diagram" xmlns:o="urn:schemas-microsoft-com:office:office" xmlns:v="urn:schemas-microsoft-com:vml" xmlns:pvml="urn:schemas-microsoft-com:office:powerpoint" xmlns:com="http://schemas.openxmlformats.org/drawingml/2006/compatibility" xmlns:p14="http://schemas.microsoft.com/office/powerpoint/2010/main" xmlns:p15="http://schemas.microsoft.com/office/powerpoint/2012/main" xmlns:ahyp="http://schemas.microsoft.com/office/drawing/2018/hyperlinkcolor" showMasterPhAnim="0" showMasterSp="0">
+<p:notes xmlns:a="http://schemas.openxmlformats.org/drawingml/2006/main" xmlns:r="http://schemas.openxmlformats.org/officeDocument/2006/relationships" xmlns:p="http://schemas.openxmlformats.org/presentationml/2006/main" showMasterSp="0" showMasterPhAnim="0">
   <p:cSld>
     <p:spTree>
       <p:nvGrpSpPr>
-        <p:cNvPr id="100" name="Shape 100"/>
+        <p:cNvPr id="1" name="Shape 100"/>
         <p:cNvGrpSpPr/>
         <p:nvPr/>
       </p:nvGrpSpPr>
@@ -2016,20 +2096,26 @@
       <p:sp>
         <p:nvSpPr>
           <p:cNvPr id="101" name="Google Shape;101;g259b084ee28_0_140:notes"/>
-          <p:cNvSpPr/>
+          <p:cNvSpPr>
+            <a:spLocks noGrp="1" noRot="1" noChangeAspect="1"/>
+          </p:cNvSpPr>
           <p:nvPr>
-            <p:ph idx="2" type="sldImg"/>
+            <p:ph type="sldImg" idx="2"/>
           </p:nvPr>
         </p:nvSpPr>
         <p:spPr>
           <a:xfrm>
-            <a:off x="381300" y="685800"/>
+            <a:off x="381000" y="685800"/>
             <a:ext cx="6096000" cy="3429000"/>
           </a:xfrm>
           <a:custGeom>
-            <a:rect b="b" l="l" r="r" t="t"/>
+            <a:avLst/>
+            <a:gdLst/>
+            <a:ahLst/>
+            <a:cxnLst/>
+            <a:rect l="l" t="t" r="r" b="b"/>
             <a:pathLst>
-              <a:path extrusionOk="0" h="120000" w="120000">
+              <a:path w="120000" h="120000" extrusionOk="0">
                 <a:moveTo>
                   <a:pt x="0" y="0"/>
                 </a:moveTo>
@@ -2051,9 +2137,11 @@
       <p:sp>
         <p:nvSpPr>
           <p:cNvPr id="102" name="Google Shape;102;g259b084ee28_0_140:notes"/>
-          <p:cNvSpPr txBox="1"/>
+          <p:cNvSpPr txBox="1">
+            <a:spLocks noGrp="1"/>
+          </p:cNvSpPr>
           <p:nvPr>
-            <p:ph idx="1" type="body"/>
+            <p:ph type="body" idx="1"/>
           </p:nvPr>
         </p:nvSpPr>
         <p:spPr>
@@ -2066,12 +2154,12 @@
           </a:prstGeom>
         </p:spPr>
         <p:txBody>
-          <a:bodyPr anchorCtr="0" anchor="t" bIns="91425" lIns="91425" spcFirstLastPara="1" rIns="91425" wrap="square" tIns="91425">
+          <a:bodyPr spcFirstLastPara="1" wrap="square" lIns="91425" tIns="91425" rIns="91425" bIns="91425" anchor="t" anchorCtr="0">
             <a:noAutofit/>
           </a:bodyPr>
           <a:lstStyle/>
           <a:p>
-            <a:pPr indent="0" lvl="0" marL="0" rtl="0" algn="l">
+            <a:pPr marL="0" lvl="0" indent="0" algn="l" rtl="0">
               <a:spcBef>
                 <a:spcPts val="0"/>
               </a:spcBef>
@@ -2080,9 +2168,6 @@
               </a:spcAft>
               <a:buNone/>
             </a:pPr>
-            <a:r>
-              <a:t/>
-            </a:r>
             <a:endParaRPr/>
           </a:p>
         </p:txBody>
@@ -2096,11 +2181,11 @@
 </file>
 
 <file path=ppt/notesSlides/notesSlide9.xml><?xml version="1.0" encoding="utf-8"?>
-<p:notes xmlns:a="http://schemas.openxmlformats.org/drawingml/2006/main" xmlns:r="http://schemas.openxmlformats.org/officeDocument/2006/relationships" xmlns:mc="http://schemas.openxmlformats.org/markup-compatibility/2006" xmlns:mv="urn:schemas-microsoft-com:mac:vml" xmlns:p="http://schemas.openxmlformats.org/presentationml/2006/main" xmlns:c="http://schemas.openxmlformats.org/drawingml/2006/chart" xmlns:dgm="http://schemas.openxmlformats.org/drawingml/2006/diagram" xmlns:o="urn:schemas-microsoft-com:office:office" xmlns:v="urn:schemas-microsoft-com:vml" xmlns:pvml="urn:schemas-microsoft-com:office:powerpoint" xmlns:com="http://schemas.openxmlformats.org/drawingml/2006/compatibility" xmlns:p14="http://schemas.microsoft.com/office/powerpoint/2010/main" xmlns:p15="http://schemas.microsoft.com/office/powerpoint/2012/main" xmlns:ahyp="http://schemas.microsoft.com/office/drawing/2018/hyperlinkcolor" showMasterPhAnim="0" showMasterSp="0">
+<p:notes xmlns:a="http://schemas.openxmlformats.org/drawingml/2006/main" xmlns:r="http://schemas.openxmlformats.org/officeDocument/2006/relationships" xmlns:p="http://schemas.openxmlformats.org/presentationml/2006/main" showMasterSp="0" showMasterPhAnim="0">
   <p:cSld>
     <p:spTree>
       <p:nvGrpSpPr>
-        <p:cNvPr id="106" name="Shape 106"/>
+        <p:cNvPr id="1" name="Shape 106"/>
         <p:cNvGrpSpPr/>
         <p:nvPr/>
       </p:nvGrpSpPr>
@@ -2115,9 +2200,11 @@
       <p:sp>
         <p:nvSpPr>
           <p:cNvPr id="107" name="Google Shape;107;g259b084ee28_0_145:notes"/>
-          <p:cNvSpPr/>
+          <p:cNvSpPr>
+            <a:spLocks noGrp="1" noRot="1" noChangeAspect="1"/>
+          </p:cNvSpPr>
           <p:nvPr>
-            <p:ph idx="2" type="sldImg"/>
+            <p:ph type="sldImg" idx="2"/>
           </p:nvPr>
         </p:nvSpPr>
         <p:spPr>
@@ -2126,9 +2213,13 @@
             <a:ext cx="6096000" cy="3429000"/>
           </a:xfrm>
           <a:custGeom>
-            <a:rect b="b" l="l" r="r" t="t"/>
+            <a:avLst/>
+            <a:gdLst/>
+            <a:ahLst/>
+            <a:cxnLst/>
+            <a:rect l="l" t="t" r="r" b="b"/>
             <a:pathLst>
-              <a:path extrusionOk="0" h="120000" w="120000">
+              <a:path w="120000" h="120000" extrusionOk="0">
                 <a:moveTo>
                   <a:pt x="0" y="0"/>
                 </a:moveTo>
@@ -2150,9 +2241,11 @@
       <p:sp>
         <p:nvSpPr>
           <p:cNvPr id="108" name="Google Shape;108;g259b084ee28_0_145:notes"/>
-          <p:cNvSpPr txBox="1"/>
+          <p:cNvSpPr txBox="1">
+            <a:spLocks noGrp="1"/>
+          </p:cNvSpPr>
           <p:nvPr>
-            <p:ph idx="1" type="body"/>
+            <p:ph type="body" idx="1"/>
           </p:nvPr>
         </p:nvSpPr>
         <p:spPr>
@@ -2165,12 +2258,12 @@
           </a:prstGeom>
         </p:spPr>
         <p:txBody>
-          <a:bodyPr anchorCtr="0" anchor="t" bIns="91425" lIns="91425" spcFirstLastPara="1" rIns="91425" wrap="square" tIns="91425">
+          <a:bodyPr spcFirstLastPara="1" wrap="square" lIns="91425" tIns="91425" rIns="91425" bIns="91425" anchor="t" anchorCtr="0">
             <a:noAutofit/>
           </a:bodyPr>
           <a:lstStyle/>
           <a:p>
-            <a:pPr indent="0" lvl="0" marL="0" rtl="0" algn="l">
+            <a:pPr marL="0" lvl="0" indent="0" algn="l" rtl="0">
               <a:spcBef>
                 <a:spcPts val="0"/>
               </a:spcBef>
@@ -2179,9 +2272,6 @@
               </a:spcAft>
               <a:buNone/>
             </a:pPr>
-            <a:r>
-              <a:t/>
-            </a:r>
             <a:endParaRPr/>
           </a:p>
         </p:txBody>
@@ -2195,18 +2285,19 @@
 </file>
 
 <file path=ppt/slideLayouts/slideLayout1.xml><?xml version="1.0" encoding="utf-8"?>
-<p:sldLayout xmlns:a="http://schemas.openxmlformats.org/drawingml/2006/main" xmlns:r="http://schemas.openxmlformats.org/officeDocument/2006/relationships" xmlns:mc="http://schemas.openxmlformats.org/markup-compatibility/2006" xmlns:mv="urn:schemas-microsoft-com:mac:vml" xmlns:p="http://schemas.openxmlformats.org/presentationml/2006/main" xmlns:c="http://schemas.openxmlformats.org/drawingml/2006/chart" xmlns:dgm="http://schemas.openxmlformats.org/drawingml/2006/diagram" xmlns:o="urn:schemas-microsoft-com:office:office" xmlns:v="urn:schemas-microsoft-com:vml" xmlns:pvml="urn:schemas-microsoft-com:office:powerpoint" xmlns:com="http://schemas.openxmlformats.org/drawingml/2006/compatibility" xmlns:p14="http://schemas.microsoft.com/office/powerpoint/2010/main" xmlns:p15="http://schemas.microsoft.com/office/powerpoint/2012/main" xmlns:ahyp="http://schemas.microsoft.com/office/drawing/2018/hyperlinkcolor" matchingName="Title slide" type="title">
+<p:sldLayout xmlns:a="http://schemas.openxmlformats.org/drawingml/2006/main" xmlns:r="http://schemas.openxmlformats.org/officeDocument/2006/relationships" xmlns:p="http://schemas.openxmlformats.org/presentationml/2006/main" matchingName="Title slide" type="title">
   <p:cSld name="TITLE">
     <p:bg>
       <p:bgPr>
         <a:solidFill>
           <a:schemeClr val="dk1"/>
         </a:solidFill>
+        <a:effectLst/>
       </p:bgPr>
     </p:bg>
     <p:spTree>
       <p:nvGrpSpPr>
-        <p:cNvPr id="9" name="Shape 9"/>
+        <p:cNvPr id="1" name="Shape 9"/>
         <p:cNvGrpSpPr/>
         <p:nvPr/>
       </p:nvGrpSpPr>
@@ -2233,21 +2324,23 @@
             <a:avLst/>
           </a:prstGeom>
           <a:noFill/>
-          <a:ln cap="flat" cmpd="sng" w="19050">
+          <a:ln w="19050" cap="flat" cmpd="sng">
             <a:solidFill>
               <a:schemeClr val="lt2"/>
             </a:solidFill>
             <a:prstDash val="solid"/>
             <a:round/>
-            <a:headEnd len="sm" w="sm" type="none"/>
-            <a:tailEnd len="sm" w="sm" type="none"/>
+            <a:headEnd type="none" w="sm" len="sm"/>
+            <a:tailEnd type="none" w="sm" len="sm"/>
           </a:ln>
         </p:spPr>
       </p:cxnSp>
       <p:sp>
         <p:nvSpPr>
           <p:cNvPr id="11" name="Google Shape;11;p2"/>
-          <p:cNvSpPr txBox="1"/>
+          <p:cNvSpPr txBox="1">
+            <a:spLocks noGrp="1"/>
+          </p:cNvSpPr>
           <p:nvPr>
             <p:ph type="ctrTitle"/>
           </p:nvPr>
@@ -2262,7 +2355,7 @@
           </a:prstGeom>
         </p:spPr>
         <p:txBody>
-          <a:bodyPr anchorCtr="0" anchor="b" bIns="91425" lIns="91425" spcFirstLastPara="1" rIns="91425" wrap="square" tIns="91425">
+          <a:bodyPr spcFirstLastPara="1" wrap="square" lIns="91425" tIns="91425" rIns="91425" bIns="91425" anchor="b" anchorCtr="0">
             <a:normAutofit/>
           </a:bodyPr>
           <a:lstStyle>
@@ -2429,15 +2522,19 @@
               </a:defRPr>
             </a:lvl9pPr>
           </a:lstStyle>
-          <a:p/>
+          <a:p>
+            <a:endParaRPr/>
+          </a:p>
         </p:txBody>
       </p:sp>
       <p:sp>
         <p:nvSpPr>
           <p:cNvPr id="12" name="Google Shape;12;p2"/>
-          <p:cNvSpPr txBox="1"/>
+          <p:cNvSpPr txBox="1">
+            <a:spLocks noGrp="1"/>
+          </p:cNvSpPr>
           <p:nvPr>
-            <p:ph idx="1" type="subTitle"/>
+            <p:ph type="subTitle" idx="1"/>
           </p:nvPr>
         </p:nvSpPr>
         <p:spPr>
@@ -2450,7 +2547,7 @@
           </a:prstGeom>
         </p:spPr>
         <p:txBody>
-          <a:bodyPr anchorCtr="0" anchor="t" bIns="91425" lIns="91425" spcFirstLastPara="1" rIns="91425" wrap="square" tIns="91425">
+          <a:bodyPr spcFirstLastPara="1" wrap="square" lIns="91425" tIns="91425" rIns="91425" bIns="91425" anchor="t" anchorCtr="0">
             <a:normAutofit/>
           </a:bodyPr>
           <a:lstStyle>
@@ -2644,15 +2741,19 @@
               </a:defRPr>
             </a:lvl9pPr>
           </a:lstStyle>
-          <a:p/>
+          <a:p>
+            <a:endParaRPr/>
+          </a:p>
         </p:txBody>
       </p:sp>
       <p:sp>
         <p:nvSpPr>
           <p:cNvPr id="13" name="Google Shape;13;p2"/>
-          <p:cNvSpPr txBox="1"/>
+          <p:cNvSpPr txBox="1">
+            <a:spLocks noGrp="1"/>
+          </p:cNvSpPr>
           <p:nvPr>
-            <p:ph idx="12" type="sldNum"/>
+            <p:ph type="sldNum" idx="12"/>
           </p:nvPr>
         </p:nvSpPr>
         <p:spPr>
@@ -2665,7 +2766,7 @@
           </a:prstGeom>
         </p:spPr>
         <p:txBody>
-          <a:bodyPr anchorCtr="0" anchor="ctr" bIns="91425" lIns="91425" spcFirstLastPara="1" rIns="91425" wrap="square" tIns="91425">
+          <a:bodyPr spcFirstLastPara="1" wrap="square" lIns="91425" tIns="91425" rIns="91425" bIns="91425" anchor="ctr" anchorCtr="0">
             <a:normAutofit/>
           </a:bodyPr>
           <a:lstStyle>
@@ -2743,7 +2844,7 @@
             </a:lvl9pPr>
           </a:lstStyle>
           <a:p>
-            <a:pPr indent="0" lvl="0" marL="0" rtl="0" algn="r">
+            <a:pPr marL="0" lvl="0" indent="0" algn="r" rtl="0">
               <a:spcBef>
                 <a:spcPts val="0"/>
               </a:spcBef>
@@ -2769,11 +2870,11 @@
 </file>
 
 <file path=ppt/slideLayouts/slideLayout10.xml><?xml version="1.0" encoding="utf-8"?>
-<p:sldLayout xmlns:a="http://schemas.openxmlformats.org/drawingml/2006/main" xmlns:r="http://schemas.openxmlformats.org/officeDocument/2006/relationships" xmlns:mc="http://schemas.openxmlformats.org/markup-compatibility/2006" xmlns:mv="urn:schemas-microsoft-com:mac:vml" xmlns:p="http://schemas.openxmlformats.org/presentationml/2006/main" xmlns:c="http://schemas.openxmlformats.org/drawingml/2006/chart" xmlns:dgm="http://schemas.openxmlformats.org/drawingml/2006/diagram" xmlns:o="urn:schemas-microsoft-com:office:office" xmlns:v="urn:schemas-microsoft-com:vml" xmlns:pvml="urn:schemas-microsoft-com:office:powerpoint" xmlns:com="http://schemas.openxmlformats.org/drawingml/2006/compatibility" xmlns:p14="http://schemas.microsoft.com/office/powerpoint/2010/main" xmlns:p15="http://schemas.microsoft.com/office/powerpoint/2012/main" xmlns:ahyp="http://schemas.microsoft.com/office/drawing/2018/hyperlinkcolor" matchingName="Big number">
+<p:sldLayout xmlns:a="http://schemas.openxmlformats.org/drawingml/2006/main" xmlns:r="http://schemas.openxmlformats.org/officeDocument/2006/relationships" xmlns:p="http://schemas.openxmlformats.org/presentationml/2006/main" matchingName="Big number">
   <p:cSld name="BIG_NUMBER">
     <p:spTree>
       <p:nvGrpSpPr>
-        <p:cNvPr id="48" name="Shape 48"/>
+        <p:cNvPr id="1" name="Shape 48"/>
         <p:cNvGrpSpPr/>
         <p:nvPr/>
       </p:nvGrpSpPr>
@@ -2807,12 +2908,12 @@
           </a:ln>
         </p:spPr>
         <p:txBody>
-          <a:bodyPr anchorCtr="0" anchor="ctr" bIns="91425" lIns="91425" spcFirstLastPara="1" rIns="91425" wrap="square" tIns="91425">
+          <a:bodyPr spcFirstLastPara="1" wrap="square" lIns="91425" tIns="91425" rIns="91425" bIns="91425" anchor="ctr" anchorCtr="0">
             <a:noAutofit/>
           </a:bodyPr>
           <a:lstStyle/>
           <a:p>
-            <a:pPr indent="0" lvl="0" marL="0" rtl="0" algn="l">
+            <a:pPr marL="0" lvl="0" indent="0" algn="l" rtl="0">
               <a:spcBef>
                 <a:spcPts val="0"/>
               </a:spcBef>
@@ -2821,9 +2922,6 @@
               </a:spcAft>
               <a:buNone/>
             </a:pPr>
-            <a:r>
-              <a:t/>
-            </a:r>
             <a:endParaRPr/>
           </a:p>
         </p:txBody>
@@ -2831,9 +2929,11 @@
       <p:sp>
         <p:nvSpPr>
           <p:cNvPr id="50" name="Google Shape;50;p11"/>
-          <p:cNvSpPr txBox="1"/>
+          <p:cNvSpPr txBox="1">
+            <a:spLocks noGrp="1"/>
+          </p:cNvSpPr>
           <p:nvPr>
-            <p:ph hasCustomPrompt="1" type="title"/>
+            <p:ph type="title" hasCustomPrompt="1"/>
           </p:nvPr>
         </p:nvSpPr>
         <p:spPr>
@@ -2846,7 +2946,7 @@
           </a:prstGeom>
         </p:spPr>
         <p:txBody>
-          <a:bodyPr anchorCtr="0" anchor="ctr" bIns="91425" lIns="91425" spcFirstLastPara="1" rIns="91425" wrap="square" tIns="91425">
+          <a:bodyPr spcFirstLastPara="1" wrap="square" lIns="91425" tIns="91425" rIns="91425" bIns="91425" anchor="ctr" anchorCtr="0">
             <a:normAutofit/>
           </a:bodyPr>
           <a:lstStyle>
@@ -2859,7 +2959,7 @@
               </a:spcAft>
               <a:buSzPts val="14000"/>
               <a:buNone/>
-              <a:defRPr b="1" sz="14000"/>
+              <a:defRPr sz="14000" b="1"/>
             </a:lvl1pPr>
             <a:lvl2pPr lvl="1" algn="ctr">
               <a:spcBef>
@@ -2870,7 +2970,7 @@
               </a:spcAft>
               <a:buSzPts val="14000"/>
               <a:buNone/>
-              <a:defRPr b="1" sz="14000"/>
+              <a:defRPr sz="14000" b="1"/>
             </a:lvl2pPr>
             <a:lvl3pPr lvl="2" algn="ctr">
               <a:spcBef>
@@ -2881,7 +2981,7 @@
               </a:spcAft>
               <a:buSzPts val="14000"/>
               <a:buNone/>
-              <a:defRPr b="1" sz="14000"/>
+              <a:defRPr sz="14000" b="1"/>
             </a:lvl3pPr>
             <a:lvl4pPr lvl="3" algn="ctr">
               <a:spcBef>
@@ -2892,7 +2992,7 @@
               </a:spcAft>
               <a:buSzPts val="14000"/>
               <a:buNone/>
-              <a:defRPr b="1" sz="14000"/>
+              <a:defRPr sz="14000" b="1"/>
             </a:lvl4pPr>
             <a:lvl5pPr lvl="4" algn="ctr">
               <a:spcBef>
@@ -2903,7 +3003,7 @@
               </a:spcAft>
               <a:buSzPts val="14000"/>
               <a:buNone/>
-              <a:defRPr b="1" sz="14000"/>
+              <a:defRPr sz="14000" b="1"/>
             </a:lvl5pPr>
             <a:lvl6pPr lvl="5" algn="ctr">
               <a:spcBef>
@@ -2914,7 +3014,7 @@
               </a:spcAft>
               <a:buSzPts val="14000"/>
               <a:buNone/>
-              <a:defRPr b="1" sz="14000"/>
+              <a:defRPr sz="14000" b="1"/>
             </a:lvl6pPr>
             <a:lvl7pPr lvl="6" algn="ctr">
               <a:spcBef>
@@ -2925,7 +3025,7 @@
               </a:spcAft>
               <a:buSzPts val="14000"/>
               <a:buNone/>
-              <a:defRPr b="1" sz="14000"/>
+              <a:defRPr sz="14000" b="1"/>
             </a:lvl7pPr>
             <a:lvl8pPr lvl="7" algn="ctr">
               <a:spcBef>
@@ -2936,7 +3036,7 @@
               </a:spcAft>
               <a:buSzPts val="14000"/>
               <a:buNone/>
-              <a:defRPr b="1" sz="14000"/>
+              <a:defRPr sz="14000" b="1"/>
             </a:lvl8pPr>
             <a:lvl9pPr lvl="8" algn="ctr">
               <a:spcBef>
@@ -2947,7 +3047,7 @@
               </a:spcAft>
               <a:buSzPts val="14000"/>
               <a:buNone/>
-              <a:defRPr b="1" sz="14000"/>
+              <a:defRPr sz="14000" b="1"/>
             </a:lvl9pPr>
           </a:lstStyle>
           <a:p>
@@ -2960,9 +3060,11 @@
       <p:sp>
         <p:nvSpPr>
           <p:cNvPr id="51" name="Google Shape;51;p11"/>
-          <p:cNvSpPr txBox="1"/>
+          <p:cNvSpPr txBox="1">
+            <a:spLocks noGrp="1"/>
+          </p:cNvSpPr>
           <p:nvPr>
-            <p:ph idx="1" type="body"/>
+            <p:ph type="body" idx="1"/>
           </p:nvPr>
         </p:nvSpPr>
         <p:spPr>
@@ -2975,11 +3077,11 @@
           </a:prstGeom>
         </p:spPr>
         <p:txBody>
-          <a:bodyPr anchorCtr="0" anchor="t" bIns="91425" lIns="91425" spcFirstLastPara="1" rIns="91425" wrap="square" tIns="91425">
+          <a:bodyPr spcFirstLastPara="1" wrap="square" lIns="91425" tIns="91425" rIns="91425" bIns="91425" anchor="t" anchorCtr="0">
             <a:normAutofit/>
           </a:bodyPr>
           <a:lstStyle>
-            <a:lvl1pPr indent="-342900" lvl="0" marL="457200" algn="ctr">
+            <a:lvl1pPr marL="457200" lvl="0" indent="-342900" algn="ctr">
               <a:spcBef>
                 <a:spcPts val="0"/>
               </a:spcBef>
@@ -2990,7 +3092,7 @@
               <a:buChar char="●"/>
               <a:defRPr/>
             </a:lvl1pPr>
-            <a:lvl2pPr indent="-317500" lvl="1" marL="914400" algn="ctr">
+            <a:lvl2pPr marL="914400" lvl="1" indent="-317500" algn="ctr">
               <a:spcBef>
                 <a:spcPts val="0"/>
               </a:spcBef>
@@ -3001,7 +3103,7 @@
               <a:buChar char="○"/>
               <a:defRPr/>
             </a:lvl2pPr>
-            <a:lvl3pPr indent="-317500" lvl="2" marL="1371600" algn="ctr">
+            <a:lvl3pPr marL="1371600" lvl="2" indent="-317500" algn="ctr">
               <a:spcBef>
                 <a:spcPts val="0"/>
               </a:spcBef>
@@ -3012,7 +3114,7 @@
               <a:buChar char="■"/>
               <a:defRPr/>
             </a:lvl3pPr>
-            <a:lvl4pPr indent="-317500" lvl="3" marL="1828800" algn="ctr">
+            <a:lvl4pPr marL="1828800" lvl="3" indent="-317500" algn="ctr">
               <a:spcBef>
                 <a:spcPts val="0"/>
               </a:spcBef>
@@ -3023,7 +3125,7 @@
               <a:buChar char="●"/>
               <a:defRPr/>
             </a:lvl4pPr>
-            <a:lvl5pPr indent="-317500" lvl="4" marL="2286000" algn="ctr">
+            <a:lvl5pPr marL="2286000" lvl="4" indent="-317500" algn="ctr">
               <a:spcBef>
                 <a:spcPts val="0"/>
               </a:spcBef>
@@ -3034,7 +3136,7 @@
               <a:buChar char="○"/>
               <a:defRPr/>
             </a:lvl5pPr>
-            <a:lvl6pPr indent="-317500" lvl="5" marL="2743200" algn="ctr">
+            <a:lvl6pPr marL="2743200" lvl="5" indent="-317500" algn="ctr">
               <a:spcBef>
                 <a:spcPts val="0"/>
               </a:spcBef>
@@ -3045,7 +3147,7 @@
               <a:buChar char="■"/>
               <a:defRPr/>
             </a:lvl6pPr>
-            <a:lvl7pPr indent="-317500" lvl="6" marL="3200400" algn="ctr">
+            <a:lvl7pPr marL="3200400" lvl="6" indent="-317500" algn="ctr">
               <a:spcBef>
                 <a:spcPts val="0"/>
               </a:spcBef>
@@ -3056,7 +3158,7 @@
               <a:buChar char="●"/>
               <a:defRPr/>
             </a:lvl7pPr>
-            <a:lvl8pPr indent="-317500" lvl="7" marL="3657600" algn="ctr">
+            <a:lvl8pPr marL="3657600" lvl="7" indent="-317500" algn="ctr">
               <a:spcBef>
                 <a:spcPts val="0"/>
               </a:spcBef>
@@ -3067,7 +3169,7 @@
               <a:buChar char="○"/>
               <a:defRPr/>
             </a:lvl8pPr>
-            <a:lvl9pPr indent="-317500" lvl="8" marL="4114800" algn="ctr">
+            <a:lvl9pPr marL="4114800" lvl="8" indent="-317500" algn="ctr">
               <a:spcBef>
                 <a:spcPts val="0"/>
               </a:spcBef>
@@ -3079,15 +3181,19 @@
               <a:defRPr/>
             </a:lvl9pPr>
           </a:lstStyle>
-          <a:p/>
+          <a:p>
+            <a:endParaRPr/>
+          </a:p>
         </p:txBody>
       </p:sp>
       <p:sp>
         <p:nvSpPr>
           <p:cNvPr id="52" name="Google Shape;52;p11"/>
-          <p:cNvSpPr txBox="1"/>
+          <p:cNvSpPr txBox="1">
+            <a:spLocks noGrp="1"/>
+          </p:cNvSpPr>
           <p:nvPr>
-            <p:ph idx="12" type="sldNum"/>
+            <p:ph type="sldNum" idx="12"/>
           </p:nvPr>
         </p:nvSpPr>
         <p:spPr>
@@ -3100,7 +3206,7 @@
           </a:prstGeom>
         </p:spPr>
         <p:txBody>
-          <a:bodyPr anchorCtr="0" anchor="ctr" bIns="91425" lIns="91425" spcFirstLastPara="1" rIns="91425" wrap="square" tIns="91425">
+          <a:bodyPr spcFirstLastPara="1" wrap="square" lIns="91425" tIns="91425" rIns="91425" bIns="91425" anchor="ctr" anchorCtr="0">
             <a:normAutofit/>
           </a:bodyPr>
           <a:lstStyle>
@@ -3142,7 +3248,7 @@
             </a:lvl9pPr>
           </a:lstStyle>
           <a:p>
-            <a:pPr indent="0" lvl="0" marL="0" rtl="0" algn="r">
+            <a:pPr marL="0" lvl="0" indent="0" algn="r" rtl="0">
               <a:spcBef>
                 <a:spcPts val="0"/>
               </a:spcBef>
@@ -3168,11 +3274,11 @@
 </file>
 
 <file path=ppt/slideLayouts/slideLayout11.xml><?xml version="1.0" encoding="utf-8"?>
-<p:sldLayout xmlns:a="http://schemas.openxmlformats.org/drawingml/2006/main" xmlns:r="http://schemas.openxmlformats.org/officeDocument/2006/relationships" xmlns:mc="http://schemas.openxmlformats.org/markup-compatibility/2006" xmlns:mv="urn:schemas-microsoft-com:mac:vml" xmlns:p="http://schemas.openxmlformats.org/presentationml/2006/main" xmlns:c="http://schemas.openxmlformats.org/drawingml/2006/chart" xmlns:dgm="http://schemas.openxmlformats.org/drawingml/2006/diagram" xmlns:o="urn:schemas-microsoft-com:office:office" xmlns:v="urn:schemas-microsoft-com:vml" xmlns:pvml="urn:schemas-microsoft-com:office:powerpoint" xmlns:com="http://schemas.openxmlformats.org/drawingml/2006/compatibility" xmlns:p14="http://schemas.microsoft.com/office/powerpoint/2010/main" xmlns:p15="http://schemas.microsoft.com/office/powerpoint/2012/main" xmlns:ahyp="http://schemas.microsoft.com/office/drawing/2018/hyperlinkcolor" matchingName="Blank" type="blank">
+<p:sldLayout xmlns:a="http://schemas.openxmlformats.org/drawingml/2006/main" xmlns:r="http://schemas.openxmlformats.org/officeDocument/2006/relationships" xmlns:p="http://schemas.openxmlformats.org/presentationml/2006/main" matchingName="Blank" type="blank">
   <p:cSld name="BLANK">
     <p:spTree>
       <p:nvGrpSpPr>
-        <p:cNvPr id="53" name="Shape 53"/>
+        <p:cNvPr id="1" name="Shape 53"/>
         <p:cNvGrpSpPr/>
         <p:nvPr/>
       </p:nvGrpSpPr>
@@ -3187,9 +3293,11 @@
       <p:sp>
         <p:nvSpPr>
           <p:cNvPr id="54" name="Google Shape;54;p12"/>
-          <p:cNvSpPr txBox="1"/>
+          <p:cNvSpPr txBox="1">
+            <a:spLocks noGrp="1"/>
+          </p:cNvSpPr>
           <p:nvPr>
-            <p:ph idx="12" type="sldNum"/>
+            <p:ph type="sldNum" idx="12"/>
           </p:nvPr>
         </p:nvSpPr>
         <p:spPr>
@@ -3202,7 +3310,7 @@
           </a:prstGeom>
         </p:spPr>
         <p:txBody>
-          <a:bodyPr anchorCtr="0" anchor="ctr" bIns="91425" lIns="91425" spcFirstLastPara="1" rIns="91425" wrap="square" tIns="91425">
+          <a:bodyPr spcFirstLastPara="1" wrap="square" lIns="91425" tIns="91425" rIns="91425" bIns="91425" anchor="ctr" anchorCtr="0">
             <a:normAutofit/>
           </a:bodyPr>
           <a:lstStyle>
@@ -3244,7 +3352,7 @@
             </a:lvl9pPr>
           </a:lstStyle>
           <a:p>
-            <a:pPr indent="0" lvl="0" marL="0" rtl="0" algn="r">
+            <a:pPr marL="0" lvl="0" indent="0" algn="r" rtl="0">
               <a:spcBef>
                 <a:spcPts val="0"/>
               </a:spcBef>
@@ -3270,18 +3378,19 @@
 </file>
 
 <file path=ppt/slideLayouts/slideLayout2.xml><?xml version="1.0" encoding="utf-8"?>
-<p:sldLayout xmlns:a="http://schemas.openxmlformats.org/drawingml/2006/main" xmlns:r="http://schemas.openxmlformats.org/officeDocument/2006/relationships" xmlns:mc="http://schemas.openxmlformats.org/markup-compatibility/2006" xmlns:mv="urn:schemas-microsoft-com:mac:vml" xmlns:p="http://schemas.openxmlformats.org/presentationml/2006/main" xmlns:c="http://schemas.openxmlformats.org/drawingml/2006/chart" xmlns:dgm="http://schemas.openxmlformats.org/drawingml/2006/diagram" xmlns:o="urn:schemas-microsoft-com:office:office" xmlns:v="urn:schemas-microsoft-com:vml" xmlns:pvml="urn:schemas-microsoft-com:office:powerpoint" xmlns:com="http://schemas.openxmlformats.org/drawingml/2006/compatibility" xmlns:p14="http://schemas.microsoft.com/office/powerpoint/2010/main" xmlns:p15="http://schemas.microsoft.com/office/powerpoint/2012/main" xmlns:ahyp="http://schemas.microsoft.com/office/drawing/2018/hyperlinkcolor" matchingName="Section header" type="secHead">
+<p:sldLayout xmlns:a="http://schemas.openxmlformats.org/drawingml/2006/main" xmlns:r="http://schemas.openxmlformats.org/officeDocument/2006/relationships" xmlns:p="http://schemas.openxmlformats.org/presentationml/2006/main" matchingName="Section header" type="secHead">
   <p:cSld name="SECTION_HEADER">
     <p:bg>
       <p:bgPr>
         <a:solidFill>
           <a:schemeClr val="dk1"/>
         </a:solidFill>
+        <a:effectLst/>
       </p:bgPr>
     </p:bg>
     <p:spTree>
       <p:nvGrpSpPr>
-        <p:cNvPr id="14" name="Shape 14"/>
+        <p:cNvPr id="1" name="Shape 14"/>
         <p:cNvGrpSpPr/>
         <p:nvPr/>
       </p:nvGrpSpPr>
@@ -3308,21 +3417,23 @@
             <a:avLst/>
           </a:prstGeom>
           <a:noFill/>
-          <a:ln cap="flat" cmpd="sng" w="19050">
+          <a:ln w="19050" cap="flat" cmpd="sng">
             <a:solidFill>
               <a:schemeClr val="lt2"/>
             </a:solidFill>
             <a:prstDash val="solid"/>
             <a:round/>
-            <a:headEnd len="sm" w="sm" type="none"/>
-            <a:tailEnd len="sm" w="sm" type="none"/>
+            <a:headEnd type="none" w="sm" len="sm"/>
+            <a:tailEnd type="none" w="sm" len="sm"/>
           </a:ln>
         </p:spPr>
       </p:cxnSp>
       <p:sp>
         <p:nvSpPr>
           <p:cNvPr id="16" name="Google Shape;16;p3"/>
-          <p:cNvSpPr txBox="1"/>
+          <p:cNvSpPr txBox="1">
+            <a:spLocks noGrp="1"/>
+          </p:cNvSpPr>
           <p:nvPr>
             <p:ph type="title"/>
           </p:nvPr>
@@ -3337,7 +3448,7 @@
           </a:prstGeom>
         </p:spPr>
         <p:txBody>
-          <a:bodyPr anchorCtr="0" anchor="b" bIns="91425" lIns="91425" spcFirstLastPara="1" rIns="91425" wrap="square" tIns="91425">
+          <a:bodyPr spcFirstLastPara="1" wrap="square" lIns="91425" tIns="91425" rIns="91425" bIns="91425" anchor="b" anchorCtr="0">
             <a:normAutofit/>
           </a:bodyPr>
           <a:lstStyle>
@@ -3504,15 +3615,19 @@
               </a:defRPr>
             </a:lvl9pPr>
           </a:lstStyle>
-          <a:p/>
+          <a:p>
+            <a:endParaRPr/>
+          </a:p>
         </p:txBody>
       </p:sp>
       <p:sp>
         <p:nvSpPr>
           <p:cNvPr id="17" name="Google Shape;17;p3"/>
-          <p:cNvSpPr txBox="1"/>
+          <p:cNvSpPr txBox="1">
+            <a:spLocks noGrp="1"/>
+          </p:cNvSpPr>
           <p:nvPr>
-            <p:ph idx="12" type="sldNum"/>
+            <p:ph type="sldNum" idx="12"/>
           </p:nvPr>
         </p:nvSpPr>
         <p:spPr>
@@ -3525,7 +3640,7 @@
           </a:prstGeom>
         </p:spPr>
         <p:txBody>
-          <a:bodyPr anchorCtr="0" anchor="ctr" bIns="91425" lIns="91425" spcFirstLastPara="1" rIns="91425" wrap="square" tIns="91425">
+          <a:bodyPr spcFirstLastPara="1" wrap="square" lIns="91425" tIns="91425" rIns="91425" bIns="91425" anchor="ctr" anchorCtr="0">
             <a:normAutofit/>
           </a:bodyPr>
           <a:lstStyle>
@@ -3603,7 +3718,7 @@
             </a:lvl9pPr>
           </a:lstStyle>
           <a:p>
-            <a:pPr indent="0" lvl="0" marL="0" rtl="0" algn="r">
+            <a:pPr marL="0" lvl="0" indent="0" algn="r" rtl="0">
               <a:spcBef>
                 <a:spcPts val="0"/>
               </a:spcBef>
@@ -3629,11 +3744,11 @@
 </file>
 
 <file path=ppt/slideLayouts/slideLayout3.xml><?xml version="1.0" encoding="utf-8"?>
-<p:sldLayout xmlns:a="http://schemas.openxmlformats.org/drawingml/2006/main" xmlns:r="http://schemas.openxmlformats.org/officeDocument/2006/relationships" xmlns:mc="http://schemas.openxmlformats.org/markup-compatibility/2006" xmlns:mv="urn:schemas-microsoft-com:mac:vml" xmlns:p="http://schemas.openxmlformats.org/presentationml/2006/main" xmlns:c="http://schemas.openxmlformats.org/drawingml/2006/chart" xmlns:dgm="http://schemas.openxmlformats.org/drawingml/2006/diagram" xmlns:o="urn:schemas-microsoft-com:office:office" xmlns:v="urn:schemas-microsoft-com:vml" xmlns:pvml="urn:schemas-microsoft-com:office:powerpoint" xmlns:com="http://schemas.openxmlformats.org/drawingml/2006/compatibility" xmlns:p14="http://schemas.microsoft.com/office/powerpoint/2010/main" xmlns:p15="http://schemas.microsoft.com/office/powerpoint/2012/main" xmlns:ahyp="http://schemas.microsoft.com/office/drawing/2018/hyperlinkcolor" matchingName="Title and body" type="tx">
+<p:sldLayout xmlns:a="http://schemas.openxmlformats.org/drawingml/2006/main" xmlns:r="http://schemas.openxmlformats.org/officeDocument/2006/relationships" xmlns:p="http://schemas.openxmlformats.org/presentationml/2006/main" matchingName="Title and body" type="tx">
   <p:cSld name="TITLE_AND_BODY">
     <p:spTree>
       <p:nvGrpSpPr>
-        <p:cNvPr id="18" name="Shape 18"/>
+        <p:cNvPr id="1" name="Shape 18"/>
         <p:cNvGrpSpPr/>
         <p:nvPr/>
       </p:nvGrpSpPr>
@@ -3667,12 +3782,12 @@
           </a:ln>
         </p:spPr>
         <p:txBody>
-          <a:bodyPr anchorCtr="0" anchor="ctr" bIns="91425" lIns="91425" spcFirstLastPara="1" rIns="91425" wrap="square" tIns="91425">
+          <a:bodyPr spcFirstLastPara="1" wrap="square" lIns="91425" tIns="91425" rIns="91425" bIns="91425" anchor="ctr" anchorCtr="0">
             <a:noAutofit/>
           </a:bodyPr>
           <a:lstStyle/>
           <a:p>
-            <a:pPr indent="0" lvl="0" marL="0" rtl="0" algn="l">
+            <a:pPr marL="0" lvl="0" indent="0" algn="l" rtl="0">
               <a:spcBef>
                 <a:spcPts val="0"/>
               </a:spcBef>
@@ -3681,9 +3796,6 @@
               </a:spcAft>
               <a:buNone/>
             </a:pPr>
-            <a:r>
-              <a:t/>
-            </a:r>
             <a:endParaRPr/>
           </a:p>
         </p:txBody>
@@ -3691,7 +3803,9 @@
       <p:sp>
         <p:nvSpPr>
           <p:cNvPr id="20" name="Google Shape;20;p4"/>
-          <p:cNvSpPr txBox="1"/>
+          <p:cNvSpPr txBox="1">
+            <a:spLocks noGrp="1"/>
+          </p:cNvSpPr>
           <p:nvPr>
             <p:ph type="title"/>
           </p:nvPr>
@@ -3706,7 +3820,7 @@
           </a:prstGeom>
         </p:spPr>
         <p:txBody>
-          <a:bodyPr anchorCtr="0" anchor="t" bIns="91425" lIns="91425" spcFirstLastPara="1" rIns="91425" wrap="square" tIns="91425">
+          <a:bodyPr spcFirstLastPara="1" wrap="square" lIns="91425" tIns="91425" rIns="91425" bIns="91425" anchor="t" anchorCtr="0">
             <a:normAutofit/>
           </a:bodyPr>
           <a:lstStyle>
@@ -3810,15 +3924,19 @@
               <a:defRPr/>
             </a:lvl9pPr>
           </a:lstStyle>
-          <a:p/>
+          <a:p>
+            <a:endParaRPr/>
+          </a:p>
         </p:txBody>
       </p:sp>
       <p:sp>
         <p:nvSpPr>
           <p:cNvPr id="21" name="Google Shape;21;p4"/>
-          <p:cNvSpPr txBox="1"/>
+          <p:cNvSpPr txBox="1">
+            <a:spLocks noGrp="1"/>
+          </p:cNvSpPr>
           <p:nvPr>
-            <p:ph idx="1" type="body"/>
+            <p:ph type="body" idx="1"/>
           </p:nvPr>
         </p:nvSpPr>
         <p:spPr>
@@ -3831,11 +3949,11 @@
           </a:prstGeom>
         </p:spPr>
         <p:txBody>
-          <a:bodyPr anchorCtr="0" anchor="t" bIns="91425" lIns="91425" spcFirstLastPara="1" rIns="91425" wrap="square" tIns="91425">
+          <a:bodyPr spcFirstLastPara="1" wrap="square" lIns="91425" tIns="91425" rIns="91425" bIns="91425" anchor="t" anchorCtr="0">
             <a:normAutofit/>
           </a:bodyPr>
           <a:lstStyle>
-            <a:lvl1pPr indent="-342900" lvl="0" marL="457200">
+            <a:lvl1pPr marL="457200" lvl="0" indent="-342900">
               <a:spcBef>
                 <a:spcPts val="0"/>
               </a:spcBef>
@@ -3846,7 +3964,7 @@
               <a:buChar char="●"/>
               <a:defRPr/>
             </a:lvl1pPr>
-            <a:lvl2pPr indent="-317500" lvl="1" marL="914400">
+            <a:lvl2pPr marL="914400" lvl="1" indent="-317500">
               <a:spcBef>
                 <a:spcPts val="0"/>
               </a:spcBef>
@@ -3857,7 +3975,7 @@
               <a:buChar char="○"/>
               <a:defRPr/>
             </a:lvl2pPr>
-            <a:lvl3pPr indent="-317500" lvl="2" marL="1371600">
+            <a:lvl3pPr marL="1371600" lvl="2" indent="-317500">
               <a:spcBef>
                 <a:spcPts val="0"/>
               </a:spcBef>
@@ -3868,7 +3986,7 @@
               <a:buChar char="■"/>
               <a:defRPr/>
             </a:lvl3pPr>
-            <a:lvl4pPr indent="-317500" lvl="3" marL="1828800">
+            <a:lvl4pPr marL="1828800" lvl="3" indent="-317500">
               <a:spcBef>
                 <a:spcPts val="0"/>
               </a:spcBef>
@@ -3879,7 +3997,7 @@
               <a:buChar char="●"/>
               <a:defRPr/>
             </a:lvl4pPr>
-            <a:lvl5pPr indent="-317500" lvl="4" marL="2286000">
+            <a:lvl5pPr marL="2286000" lvl="4" indent="-317500">
               <a:spcBef>
                 <a:spcPts val="0"/>
               </a:spcBef>
@@ -3890,7 +4008,7 @@
               <a:buChar char="○"/>
               <a:defRPr/>
             </a:lvl5pPr>
-            <a:lvl6pPr indent="-317500" lvl="5" marL="2743200">
+            <a:lvl6pPr marL="2743200" lvl="5" indent="-317500">
               <a:spcBef>
                 <a:spcPts val="0"/>
               </a:spcBef>
@@ -3901,7 +4019,7 @@
               <a:buChar char="■"/>
               <a:defRPr/>
             </a:lvl6pPr>
-            <a:lvl7pPr indent="-317500" lvl="6" marL="3200400">
+            <a:lvl7pPr marL="3200400" lvl="6" indent="-317500">
               <a:spcBef>
                 <a:spcPts val="0"/>
               </a:spcBef>
@@ -3912,7 +4030,7 @@
               <a:buChar char="●"/>
               <a:defRPr/>
             </a:lvl7pPr>
-            <a:lvl8pPr indent="-317500" lvl="7" marL="3657600">
+            <a:lvl8pPr marL="3657600" lvl="7" indent="-317500">
               <a:spcBef>
                 <a:spcPts val="0"/>
               </a:spcBef>
@@ -3923,7 +4041,7 @@
               <a:buChar char="○"/>
               <a:defRPr/>
             </a:lvl8pPr>
-            <a:lvl9pPr indent="-317500" lvl="8" marL="4114800">
+            <a:lvl9pPr marL="4114800" lvl="8" indent="-317500">
               <a:spcBef>
                 <a:spcPts val="0"/>
               </a:spcBef>
@@ -3935,15 +4053,19 @@
               <a:defRPr/>
             </a:lvl9pPr>
           </a:lstStyle>
-          <a:p/>
+          <a:p>
+            <a:endParaRPr/>
+          </a:p>
         </p:txBody>
       </p:sp>
       <p:sp>
         <p:nvSpPr>
           <p:cNvPr id="22" name="Google Shape;22;p4"/>
-          <p:cNvSpPr txBox="1"/>
+          <p:cNvSpPr txBox="1">
+            <a:spLocks noGrp="1"/>
+          </p:cNvSpPr>
           <p:nvPr>
-            <p:ph idx="12" type="sldNum"/>
+            <p:ph type="sldNum" idx="12"/>
           </p:nvPr>
         </p:nvSpPr>
         <p:spPr>
@@ -3956,7 +4078,7 @@
           </a:prstGeom>
         </p:spPr>
         <p:txBody>
-          <a:bodyPr anchorCtr="0" anchor="ctr" bIns="91425" lIns="91425" spcFirstLastPara="1" rIns="91425" wrap="square" tIns="91425">
+          <a:bodyPr spcFirstLastPara="1" wrap="square" lIns="91425" tIns="91425" rIns="91425" bIns="91425" anchor="ctr" anchorCtr="0">
             <a:normAutofit/>
           </a:bodyPr>
           <a:lstStyle>
@@ -3998,7 +4120,7 @@
             </a:lvl9pPr>
           </a:lstStyle>
           <a:p>
-            <a:pPr indent="0" lvl="0" marL="0" rtl="0" algn="r">
+            <a:pPr marL="0" lvl="0" indent="0" algn="r" rtl="0">
               <a:spcBef>
                 <a:spcPts val="0"/>
               </a:spcBef>
@@ -4024,11 +4146,11 @@
 </file>
 
 <file path=ppt/slideLayouts/slideLayout4.xml><?xml version="1.0" encoding="utf-8"?>
-<p:sldLayout xmlns:a="http://schemas.openxmlformats.org/drawingml/2006/main" xmlns:r="http://schemas.openxmlformats.org/officeDocument/2006/relationships" xmlns:mc="http://schemas.openxmlformats.org/markup-compatibility/2006" xmlns:mv="urn:schemas-microsoft-com:mac:vml" xmlns:p="http://schemas.openxmlformats.org/presentationml/2006/main" xmlns:c="http://schemas.openxmlformats.org/drawingml/2006/chart" xmlns:dgm="http://schemas.openxmlformats.org/drawingml/2006/diagram" xmlns:o="urn:schemas-microsoft-com:office:office" xmlns:v="urn:schemas-microsoft-com:vml" xmlns:pvml="urn:schemas-microsoft-com:office:powerpoint" xmlns:com="http://schemas.openxmlformats.org/drawingml/2006/compatibility" xmlns:p14="http://schemas.microsoft.com/office/powerpoint/2010/main" xmlns:p15="http://schemas.microsoft.com/office/powerpoint/2012/main" xmlns:ahyp="http://schemas.microsoft.com/office/drawing/2018/hyperlinkcolor" matchingName="Title and two columns" type="twoColTx">
+<p:sldLayout xmlns:a="http://schemas.openxmlformats.org/drawingml/2006/main" xmlns:r="http://schemas.openxmlformats.org/officeDocument/2006/relationships" xmlns:p="http://schemas.openxmlformats.org/presentationml/2006/main" matchingName="Title and two columns" type="twoColTx">
   <p:cSld name="TITLE_AND_TWO_COLUMNS">
     <p:spTree>
       <p:nvGrpSpPr>
-        <p:cNvPr id="23" name="Shape 23"/>
+        <p:cNvPr id="1" name="Shape 23"/>
         <p:cNvGrpSpPr/>
         <p:nvPr/>
       </p:nvGrpSpPr>
@@ -4043,7 +4165,9 @@
       <p:sp>
         <p:nvSpPr>
           <p:cNvPr id="24" name="Google Shape;24;p5"/>
-          <p:cNvSpPr txBox="1"/>
+          <p:cNvSpPr txBox="1">
+            <a:spLocks noGrp="1"/>
+          </p:cNvSpPr>
           <p:nvPr>
             <p:ph type="title"/>
           </p:nvPr>
@@ -4058,7 +4182,7 @@
           </a:prstGeom>
         </p:spPr>
         <p:txBody>
-          <a:bodyPr anchorCtr="0" anchor="t" bIns="91425" lIns="91425" spcFirstLastPara="1" rIns="91425" wrap="square" tIns="91425">
+          <a:bodyPr spcFirstLastPara="1" wrap="square" lIns="91425" tIns="91425" rIns="91425" bIns="91425" anchor="t" anchorCtr="0">
             <a:normAutofit/>
           </a:bodyPr>
           <a:lstStyle>
@@ -4162,15 +4286,19 @@
               <a:defRPr/>
             </a:lvl9pPr>
           </a:lstStyle>
-          <a:p/>
+          <a:p>
+            <a:endParaRPr/>
+          </a:p>
         </p:txBody>
       </p:sp>
       <p:sp>
         <p:nvSpPr>
           <p:cNvPr id="25" name="Google Shape;25;p5"/>
-          <p:cNvSpPr txBox="1"/>
+          <p:cNvSpPr txBox="1">
+            <a:spLocks noGrp="1"/>
+          </p:cNvSpPr>
           <p:nvPr>
-            <p:ph idx="1" type="body"/>
+            <p:ph type="body" idx="1"/>
           </p:nvPr>
         </p:nvSpPr>
         <p:spPr>
@@ -4183,11 +4311,11 @@
           </a:prstGeom>
         </p:spPr>
         <p:txBody>
-          <a:bodyPr anchorCtr="0" anchor="t" bIns="91425" lIns="91425" spcFirstLastPara="1" rIns="91425" wrap="square" tIns="91425">
+          <a:bodyPr spcFirstLastPara="1" wrap="square" lIns="91425" tIns="91425" rIns="91425" bIns="91425" anchor="t" anchorCtr="0">
             <a:normAutofit/>
           </a:bodyPr>
           <a:lstStyle>
-            <a:lvl1pPr indent="-317500" lvl="0" marL="457200">
+            <a:lvl1pPr marL="457200" lvl="0" indent="-317500">
               <a:spcBef>
                 <a:spcPts val="0"/>
               </a:spcBef>
@@ -4198,7 +4326,7 @@
               <a:buChar char="●"/>
               <a:defRPr sz="1400"/>
             </a:lvl1pPr>
-            <a:lvl2pPr indent="-304800" lvl="1" marL="914400">
+            <a:lvl2pPr marL="914400" lvl="1" indent="-304800">
               <a:spcBef>
                 <a:spcPts val="0"/>
               </a:spcBef>
@@ -4209,7 +4337,7 @@
               <a:buChar char="○"/>
               <a:defRPr sz="1200"/>
             </a:lvl2pPr>
-            <a:lvl3pPr indent="-304800" lvl="2" marL="1371600">
+            <a:lvl3pPr marL="1371600" lvl="2" indent="-304800">
               <a:spcBef>
                 <a:spcPts val="0"/>
               </a:spcBef>
@@ -4220,7 +4348,7 @@
               <a:buChar char="■"/>
               <a:defRPr sz="1200"/>
             </a:lvl3pPr>
-            <a:lvl4pPr indent="-304800" lvl="3" marL="1828800">
+            <a:lvl4pPr marL="1828800" lvl="3" indent="-304800">
               <a:spcBef>
                 <a:spcPts val="0"/>
               </a:spcBef>
@@ -4231,7 +4359,7 @@
               <a:buChar char="●"/>
               <a:defRPr sz="1200"/>
             </a:lvl4pPr>
-            <a:lvl5pPr indent="-304800" lvl="4" marL="2286000">
+            <a:lvl5pPr marL="2286000" lvl="4" indent="-304800">
               <a:spcBef>
                 <a:spcPts val="0"/>
               </a:spcBef>
@@ -4242,7 +4370,7 @@
               <a:buChar char="○"/>
               <a:defRPr sz="1200"/>
             </a:lvl5pPr>
-            <a:lvl6pPr indent="-304800" lvl="5" marL="2743200">
+            <a:lvl6pPr marL="2743200" lvl="5" indent="-304800">
               <a:spcBef>
                 <a:spcPts val="0"/>
               </a:spcBef>
@@ -4253,7 +4381,7 @@
               <a:buChar char="■"/>
               <a:defRPr sz="1200"/>
             </a:lvl6pPr>
-            <a:lvl7pPr indent="-304800" lvl="6" marL="3200400">
+            <a:lvl7pPr marL="3200400" lvl="6" indent="-304800">
               <a:spcBef>
                 <a:spcPts val="0"/>
               </a:spcBef>
@@ -4264,7 +4392,7 @@
               <a:buChar char="●"/>
               <a:defRPr sz="1200"/>
             </a:lvl7pPr>
-            <a:lvl8pPr indent="-304800" lvl="7" marL="3657600">
+            <a:lvl8pPr marL="3657600" lvl="7" indent="-304800">
               <a:spcBef>
                 <a:spcPts val="0"/>
               </a:spcBef>
@@ -4275,7 +4403,7 @@
               <a:buChar char="○"/>
               <a:defRPr sz="1200"/>
             </a:lvl8pPr>
-            <a:lvl9pPr indent="-304800" lvl="8" marL="4114800">
+            <a:lvl9pPr marL="4114800" lvl="8" indent="-304800">
               <a:spcBef>
                 <a:spcPts val="0"/>
               </a:spcBef>
@@ -4287,15 +4415,19 @@
               <a:defRPr sz="1200"/>
             </a:lvl9pPr>
           </a:lstStyle>
-          <a:p/>
+          <a:p>
+            <a:endParaRPr/>
+          </a:p>
         </p:txBody>
       </p:sp>
       <p:sp>
         <p:nvSpPr>
           <p:cNvPr id="26" name="Google Shape;26;p5"/>
-          <p:cNvSpPr txBox="1"/>
+          <p:cNvSpPr txBox="1">
+            <a:spLocks noGrp="1"/>
+          </p:cNvSpPr>
           <p:nvPr>
-            <p:ph idx="2" type="body"/>
+            <p:ph type="body" idx="2"/>
           </p:nvPr>
         </p:nvSpPr>
         <p:spPr>
@@ -4308,11 +4440,11 @@
           </a:prstGeom>
         </p:spPr>
         <p:txBody>
-          <a:bodyPr anchorCtr="0" anchor="t" bIns="91425" lIns="91425" spcFirstLastPara="1" rIns="91425" wrap="square" tIns="91425">
+          <a:bodyPr spcFirstLastPara="1" wrap="square" lIns="91425" tIns="91425" rIns="91425" bIns="91425" anchor="t" anchorCtr="0">
             <a:normAutofit/>
           </a:bodyPr>
           <a:lstStyle>
-            <a:lvl1pPr indent="-317500" lvl="0" marL="457200">
+            <a:lvl1pPr marL="457200" lvl="0" indent="-317500">
               <a:spcBef>
                 <a:spcPts val="0"/>
               </a:spcBef>
@@ -4323,7 +4455,7 @@
               <a:buChar char="●"/>
               <a:defRPr sz="1400"/>
             </a:lvl1pPr>
-            <a:lvl2pPr indent="-304800" lvl="1" marL="914400">
+            <a:lvl2pPr marL="914400" lvl="1" indent="-304800">
               <a:spcBef>
                 <a:spcPts val="0"/>
               </a:spcBef>
@@ -4334,7 +4466,7 @@
               <a:buChar char="○"/>
               <a:defRPr sz="1200"/>
             </a:lvl2pPr>
-            <a:lvl3pPr indent="-304800" lvl="2" marL="1371600">
+            <a:lvl3pPr marL="1371600" lvl="2" indent="-304800">
               <a:spcBef>
                 <a:spcPts val="0"/>
               </a:spcBef>
@@ -4345,7 +4477,7 @@
               <a:buChar char="■"/>
               <a:defRPr sz="1200"/>
             </a:lvl3pPr>
-            <a:lvl4pPr indent="-304800" lvl="3" marL="1828800">
+            <a:lvl4pPr marL="1828800" lvl="3" indent="-304800">
               <a:spcBef>
                 <a:spcPts val="0"/>
               </a:spcBef>
@@ -4356,7 +4488,7 @@
               <a:buChar char="●"/>
               <a:defRPr sz="1200"/>
             </a:lvl4pPr>
-            <a:lvl5pPr indent="-304800" lvl="4" marL="2286000">
+            <a:lvl5pPr marL="2286000" lvl="4" indent="-304800">
               <a:spcBef>
                 <a:spcPts val="0"/>
               </a:spcBef>
@@ -4367,7 +4499,7 @@
               <a:buChar char="○"/>
               <a:defRPr sz="1200"/>
             </a:lvl5pPr>
-            <a:lvl6pPr indent="-304800" lvl="5" marL="2743200">
+            <a:lvl6pPr marL="2743200" lvl="5" indent="-304800">
               <a:spcBef>
                 <a:spcPts val="0"/>
               </a:spcBef>
@@ -4378,7 +4510,7 @@
               <a:buChar char="■"/>
               <a:defRPr sz="1200"/>
             </a:lvl6pPr>
-            <a:lvl7pPr indent="-304800" lvl="6" marL="3200400">
+            <a:lvl7pPr marL="3200400" lvl="6" indent="-304800">
               <a:spcBef>
                 <a:spcPts val="0"/>
               </a:spcBef>
@@ -4389,7 +4521,7 @@
               <a:buChar char="●"/>
               <a:defRPr sz="1200"/>
             </a:lvl7pPr>
-            <a:lvl8pPr indent="-304800" lvl="7" marL="3657600">
+            <a:lvl8pPr marL="3657600" lvl="7" indent="-304800">
               <a:spcBef>
                 <a:spcPts val="0"/>
               </a:spcBef>
@@ -4400,7 +4532,7 @@
               <a:buChar char="○"/>
               <a:defRPr sz="1200"/>
             </a:lvl8pPr>
-            <a:lvl9pPr indent="-304800" lvl="8" marL="4114800">
+            <a:lvl9pPr marL="4114800" lvl="8" indent="-304800">
               <a:spcBef>
                 <a:spcPts val="0"/>
               </a:spcBef>
@@ -4412,15 +4544,19 @@
               <a:defRPr sz="1200"/>
             </a:lvl9pPr>
           </a:lstStyle>
-          <a:p/>
+          <a:p>
+            <a:endParaRPr/>
+          </a:p>
         </p:txBody>
       </p:sp>
       <p:sp>
         <p:nvSpPr>
           <p:cNvPr id="27" name="Google Shape;27;p5"/>
-          <p:cNvSpPr txBox="1"/>
+          <p:cNvSpPr txBox="1">
+            <a:spLocks noGrp="1"/>
+          </p:cNvSpPr>
           <p:nvPr>
-            <p:ph idx="12" type="sldNum"/>
+            <p:ph type="sldNum" idx="12"/>
           </p:nvPr>
         </p:nvSpPr>
         <p:spPr>
@@ -4433,7 +4569,7 @@
           </a:prstGeom>
         </p:spPr>
         <p:txBody>
-          <a:bodyPr anchorCtr="0" anchor="ctr" bIns="91425" lIns="91425" spcFirstLastPara="1" rIns="91425" wrap="square" tIns="91425">
+          <a:bodyPr spcFirstLastPara="1" wrap="square" lIns="91425" tIns="91425" rIns="91425" bIns="91425" anchor="ctr" anchorCtr="0">
             <a:normAutofit/>
           </a:bodyPr>
           <a:lstStyle>
@@ -4475,7 +4611,7 @@
             </a:lvl9pPr>
           </a:lstStyle>
           <a:p>
-            <a:pPr indent="0" lvl="0" marL="0" rtl="0" algn="r">
+            <a:pPr marL="0" lvl="0" indent="0" algn="r" rtl="0">
               <a:spcBef>
                 <a:spcPts val="0"/>
               </a:spcBef>
@@ -4501,11 +4637,11 @@
 </file>
 
 <file path=ppt/slideLayouts/slideLayout5.xml><?xml version="1.0" encoding="utf-8"?>
-<p:sldLayout xmlns:a="http://schemas.openxmlformats.org/drawingml/2006/main" xmlns:r="http://schemas.openxmlformats.org/officeDocument/2006/relationships" xmlns:mc="http://schemas.openxmlformats.org/markup-compatibility/2006" xmlns:mv="urn:schemas-microsoft-com:mac:vml" xmlns:p="http://schemas.openxmlformats.org/presentationml/2006/main" xmlns:c="http://schemas.openxmlformats.org/drawingml/2006/chart" xmlns:dgm="http://schemas.openxmlformats.org/drawingml/2006/diagram" xmlns:o="urn:schemas-microsoft-com:office:office" xmlns:v="urn:schemas-microsoft-com:vml" xmlns:pvml="urn:schemas-microsoft-com:office:powerpoint" xmlns:com="http://schemas.openxmlformats.org/drawingml/2006/compatibility" xmlns:p14="http://schemas.microsoft.com/office/powerpoint/2010/main" xmlns:p15="http://schemas.microsoft.com/office/powerpoint/2012/main" xmlns:ahyp="http://schemas.microsoft.com/office/drawing/2018/hyperlinkcolor" matchingName="Title only" type="titleOnly">
+<p:sldLayout xmlns:a="http://schemas.openxmlformats.org/drawingml/2006/main" xmlns:r="http://schemas.openxmlformats.org/officeDocument/2006/relationships" xmlns:p="http://schemas.openxmlformats.org/presentationml/2006/main" matchingName="Title only" type="titleOnly">
   <p:cSld name="TITLE_ONLY">
     <p:spTree>
       <p:nvGrpSpPr>
-        <p:cNvPr id="28" name="Shape 28"/>
+        <p:cNvPr id="1" name="Shape 28"/>
         <p:cNvGrpSpPr/>
         <p:nvPr/>
       </p:nvGrpSpPr>
@@ -4520,7 +4656,9 @@
       <p:sp>
         <p:nvSpPr>
           <p:cNvPr id="29" name="Google Shape;29;p6"/>
-          <p:cNvSpPr txBox="1"/>
+          <p:cNvSpPr txBox="1">
+            <a:spLocks noGrp="1"/>
+          </p:cNvSpPr>
           <p:nvPr>
             <p:ph type="title"/>
           </p:nvPr>
@@ -4535,7 +4673,7 @@
           </a:prstGeom>
         </p:spPr>
         <p:txBody>
-          <a:bodyPr anchorCtr="0" anchor="t" bIns="91425" lIns="91425" spcFirstLastPara="1" rIns="91425" wrap="square" tIns="91425">
+          <a:bodyPr spcFirstLastPara="1" wrap="square" lIns="91425" tIns="91425" rIns="91425" bIns="91425" anchor="t" anchorCtr="0">
             <a:normAutofit/>
           </a:bodyPr>
           <a:lstStyle>
@@ -4639,15 +4777,19 @@
               <a:defRPr/>
             </a:lvl9pPr>
           </a:lstStyle>
-          <a:p/>
+          <a:p>
+            <a:endParaRPr/>
+          </a:p>
         </p:txBody>
       </p:sp>
       <p:sp>
         <p:nvSpPr>
           <p:cNvPr id="30" name="Google Shape;30;p6"/>
-          <p:cNvSpPr txBox="1"/>
+          <p:cNvSpPr txBox="1">
+            <a:spLocks noGrp="1"/>
+          </p:cNvSpPr>
           <p:nvPr>
-            <p:ph idx="12" type="sldNum"/>
+            <p:ph type="sldNum" idx="12"/>
           </p:nvPr>
         </p:nvSpPr>
         <p:spPr>
@@ -4660,7 +4802,7 @@
           </a:prstGeom>
         </p:spPr>
         <p:txBody>
-          <a:bodyPr anchorCtr="0" anchor="ctr" bIns="91425" lIns="91425" spcFirstLastPara="1" rIns="91425" wrap="square" tIns="91425">
+          <a:bodyPr spcFirstLastPara="1" wrap="square" lIns="91425" tIns="91425" rIns="91425" bIns="91425" anchor="ctr" anchorCtr="0">
             <a:normAutofit/>
           </a:bodyPr>
           <a:lstStyle>
@@ -4702,7 +4844,7 @@
             </a:lvl9pPr>
           </a:lstStyle>
           <a:p>
-            <a:pPr indent="0" lvl="0" marL="0" rtl="0" algn="r">
+            <a:pPr marL="0" lvl="0" indent="0" algn="r" rtl="0">
               <a:spcBef>
                 <a:spcPts val="0"/>
               </a:spcBef>
@@ -4728,11 +4870,11 @@
 </file>
 
 <file path=ppt/slideLayouts/slideLayout6.xml><?xml version="1.0" encoding="utf-8"?>
-<p:sldLayout xmlns:a="http://schemas.openxmlformats.org/drawingml/2006/main" xmlns:r="http://schemas.openxmlformats.org/officeDocument/2006/relationships" xmlns:mc="http://schemas.openxmlformats.org/markup-compatibility/2006" xmlns:mv="urn:schemas-microsoft-com:mac:vml" xmlns:p="http://schemas.openxmlformats.org/presentationml/2006/main" xmlns:c="http://schemas.openxmlformats.org/drawingml/2006/chart" xmlns:dgm="http://schemas.openxmlformats.org/drawingml/2006/diagram" xmlns:o="urn:schemas-microsoft-com:office:office" xmlns:v="urn:schemas-microsoft-com:vml" xmlns:pvml="urn:schemas-microsoft-com:office:powerpoint" xmlns:com="http://schemas.openxmlformats.org/drawingml/2006/compatibility" xmlns:p14="http://schemas.microsoft.com/office/powerpoint/2010/main" xmlns:p15="http://schemas.microsoft.com/office/powerpoint/2012/main" xmlns:ahyp="http://schemas.microsoft.com/office/drawing/2018/hyperlinkcolor" matchingName="One column text">
+<p:sldLayout xmlns:a="http://schemas.openxmlformats.org/drawingml/2006/main" xmlns:r="http://schemas.openxmlformats.org/officeDocument/2006/relationships" xmlns:p="http://schemas.openxmlformats.org/presentationml/2006/main" matchingName="One column text">
   <p:cSld name="ONE_COLUMN_TEXT">
     <p:spTree>
       <p:nvGrpSpPr>
-        <p:cNvPr id="31" name="Shape 31"/>
+        <p:cNvPr id="1" name="Shape 31"/>
         <p:cNvGrpSpPr/>
         <p:nvPr/>
       </p:nvGrpSpPr>
@@ -4747,7 +4889,9 @@
       <p:sp>
         <p:nvSpPr>
           <p:cNvPr id="32" name="Google Shape;32;p7"/>
-          <p:cNvSpPr txBox="1"/>
+          <p:cNvSpPr txBox="1">
+            <a:spLocks noGrp="1"/>
+          </p:cNvSpPr>
           <p:nvPr>
             <p:ph type="title"/>
           </p:nvPr>
@@ -4762,7 +4906,7 @@
           </a:prstGeom>
         </p:spPr>
         <p:txBody>
-          <a:bodyPr anchorCtr="0" anchor="b" bIns="91425" lIns="91425" spcFirstLastPara="1" rIns="91425" wrap="square" tIns="91425">
+          <a:bodyPr spcFirstLastPara="1" wrap="square" lIns="91425" tIns="91425" rIns="91425" bIns="91425" anchor="b" anchorCtr="0">
             <a:normAutofit/>
           </a:bodyPr>
           <a:lstStyle>
@@ -4866,15 +5010,19 @@
               <a:defRPr sz="2400"/>
             </a:lvl9pPr>
           </a:lstStyle>
-          <a:p/>
+          <a:p>
+            <a:endParaRPr/>
+          </a:p>
         </p:txBody>
       </p:sp>
       <p:sp>
         <p:nvSpPr>
           <p:cNvPr id="33" name="Google Shape;33;p7"/>
-          <p:cNvSpPr txBox="1"/>
+          <p:cNvSpPr txBox="1">
+            <a:spLocks noGrp="1"/>
+          </p:cNvSpPr>
           <p:nvPr>
-            <p:ph idx="1" type="body"/>
+            <p:ph type="body" idx="1"/>
           </p:nvPr>
         </p:nvSpPr>
         <p:spPr>
@@ -4887,11 +5035,11 @@
           </a:prstGeom>
         </p:spPr>
         <p:txBody>
-          <a:bodyPr anchorCtr="0" anchor="t" bIns="91425" lIns="91425" spcFirstLastPara="1" rIns="91425" wrap="square" tIns="91425">
+          <a:bodyPr spcFirstLastPara="1" wrap="square" lIns="91425" tIns="91425" rIns="91425" bIns="91425" anchor="t" anchorCtr="0">
             <a:normAutofit/>
           </a:bodyPr>
           <a:lstStyle>
-            <a:lvl1pPr indent="-304800" lvl="0" marL="457200">
+            <a:lvl1pPr marL="457200" lvl="0" indent="-304800">
               <a:spcBef>
                 <a:spcPts val="0"/>
               </a:spcBef>
@@ -4902,7 +5050,7 @@
               <a:buChar char="●"/>
               <a:defRPr sz="1200"/>
             </a:lvl1pPr>
-            <a:lvl2pPr indent="-304800" lvl="1" marL="914400">
+            <a:lvl2pPr marL="914400" lvl="1" indent="-304800">
               <a:spcBef>
                 <a:spcPts val="0"/>
               </a:spcBef>
@@ -4913,7 +5061,7 @@
               <a:buChar char="○"/>
               <a:defRPr sz="1200"/>
             </a:lvl2pPr>
-            <a:lvl3pPr indent="-304800" lvl="2" marL="1371600">
+            <a:lvl3pPr marL="1371600" lvl="2" indent="-304800">
               <a:spcBef>
                 <a:spcPts val="0"/>
               </a:spcBef>
@@ -4924,7 +5072,7 @@
               <a:buChar char="■"/>
               <a:defRPr sz="1200"/>
             </a:lvl3pPr>
-            <a:lvl4pPr indent="-304800" lvl="3" marL="1828800">
+            <a:lvl4pPr marL="1828800" lvl="3" indent="-304800">
               <a:spcBef>
                 <a:spcPts val="0"/>
               </a:spcBef>
@@ -4935,7 +5083,7 @@
               <a:buChar char="●"/>
               <a:defRPr sz="1200"/>
             </a:lvl4pPr>
-            <a:lvl5pPr indent="-304800" lvl="4" marL="2286000">
+            <a:lvl5pPr marL="2286000" lvl="4" indent="-304800">
               <a:spcBef>
                 <a:spcPts val="0"/>
               </a:spcBef>
@@ -4946,7 +5094,7 @@
               <a:buChar char="○"/>
               <a:defRPr sz="1200"/>
             </a:lvl5pPr>
-            <a:lvl6pPr indent="-304800" lvl="5" marL="2743200">
+            <a:lvl6pPr marL="2743200" lvl="5" indent="-304800">
               <a:spcBef>
                 <a:spcPts val="0"/>
               </a:spcBef>
@@ -4957,7 +5105,7 @@
               <a:buChar char="■"/>
               <a:defRPr sz="1200"/>
             </a:lvl6pPr>
-            <a:lvl7pPr indent="-304800" lvl="6" marL="3200400">
+            <a:lvl7pPr marL="3200400" lvl="6" indent="-304800">
               <a:spcBef>
                 <a:spcPts val="0"/>
               </a:spcBef>
@@ -4968,7 +5116,7 @@
               <a:buChar char="●"/>
               <a:defRPr sz="1200"/>
             </a:lvl7pPr>
-            <a:lvl8pPr indent="-304800" lvl="7" marL="3657600">
+            <a:lvl8pPr marL="3657600" lvl="7" indent="-304800">
               <a:spcBef>
                 <a:spcPts val="0"/>
               </a:spcBef>
@@ -4979,7 +5127,7 @@
               <a:buChar char="○"/>
               <a:defRPr sz="1200"/>
             </a:lvl8pPr>
-            <a:lvl9pPr indent="-304800" lvl="8" marL="4114800">
+            <a:lvl9pPr marL="4114800" lvl="8" indent="-304800">
               <a:spcBef>
                 <a:spcPts val="0"/>
               </a:spcBef>
@@ -4991,15 +5139,19 @@
               <a:defRPr sz="1200"/>
             </a:lvl9pPr>
           </a:lstStyle>
-          <a:p/>
+          <a:p>
+            <a:endParaRPr/>
+          </a:p>
         </p:txBody>
       </p:sp>
       <p:sp>
         <p:nvSpPr>
           <p:cNvPr id="34" name="Google Shape;34;p7"/>
-          <p:cNvSpPr txBox="1"/>
+          <p:cNvSpPr txBox="1">
+            <a:spLocks noGrp="1"/>
+          </p:cNvSpPr>
           <p:nvPr>
-            <p:ph idx="12" type="sldNum"/>
+            <p:ph type="sldNum" idx="12"/>
           </p:nvPr>
         </p:nvSpPr>
         <p:spPr>
@@ -5012,7 +5164,7 @@
           </a:prstGeom>
         </p:spPr>
         <p:txBody>
-          <a:bodyPr anchorCtr="0" anchor="ctr" bIns="91425" lIns="91425" spcFirstLastPara="1" rIns="91425" wrap="square" tIns="91425">
+          <a:bodyPr spcFirstLastPara="1" wrap="square" lIns="91425" tIns="91425" rIns="91425" bIns="91425" anchor="ctr" anchorCtr="0">
             <a:normAutofit/>
           </a:bodyPr>
           <a:lstStyle>
@@ -5054,7 +5206,7 @@
             </a:lvl9pPr>
           </a:lstStyle>
           <a:p>
-            <a:pPr indent="0" lvl="0" marL="0" rtl="0" algn="r">
+            <a:pPr marL="0" lvl="0" indent="0" algn="r" rtl="0">
               <a:spcBef>
                 <a:spcPts val="0"/>
               </a:spcBef>
@@ -5080,18 +5232,19 @@
 </file>
 
 <file path=ppt/slideLayouts/slideLayout7.xml><?xml version="1.0" encoding="utf-8"?>
-<p:sldLayout xmlns:a="http://schemas.openxmlformats.org/drawingml/2006/main" xmlns:r="http://schemas.openxmlformats.org/officeDocument/2006/relationships" xmlns:mc="http://schemas.openxmlformats.org/markup-compatibility/2006" xmlns:mv="urn:schemas-microsoft-com:mac:vml" xmlns:p="http://schemas.openxmlformats.org/presentationml/2006/main" xmlns:c="http://schemas.openxmlformats.org/drawingml/2006/chart" xmlns:dgm="http://schemas.openxmlformats.org/drawingml/2006/diagram" xmlns:o="urn:schemas-microsoft-com:office:office" xmlns:v="urn:schemas-microsoft-com:vml" xmlns:pvml="urn:schemas-microsoft-com:office:powerpoint" xmlns:com="http://schemas.openxmlformats.org/drawingml/2006/compatibility" xmlns:p14="http://schemas.microsoft.com/office/powerpoint/2010/main" xmlns:p15="http://schemas.microsoft.com/office/powerpoint/2012/main" xmlns:ahyp="http://schemas.microsoft.com/office/drawing/2018/hyperlinkcolor" matchingName="Main point">
+<p:sldLayout xmlns:a="http://schemas.openxmlformats.org/drawingml/2006/main" xmlns:r="http://schemas.openxmlformats.org/officeDocument/2006/relationships" xmlns:p="http://schemas.openxmlformats.org/presentationml/2006/main" matchingName="Main point">
   <p:cSld name="MAIN_POINT">
     <p:bg>
       <p:bgPr>
         <a:solidFill>
           <a:schemeClr val="lt2"/>
         </a:solidFill>
+        <a:effectLst/>
       </p:bgPr>
     </p:bg>
     <p:spTree>
       <p:nvGrpSpPr>
-        <p:cNvPr id="35" name="Shape 35"/>
+        <p:cNvPr id="1" name="Shape 35"/>
         <p:cNvGrpSpPr/>
         <p:nvPr/>
       </p:nvGrpSpPr>
@@ -5106,7 +5259,9 @@
       <p:sp>
         <p:nvSpPr>
           <p:cNvPr id="36" name="Google Shape;36;p8"/>
-          <p:cNvSpPr txBox="1"/>
+          <p:cNvSpPr txBox="1">
+            <a:spLocks noGrp="1"/>
+          </p:cNvSpPr>
           <p:nvPr>
             <p:ph type="title"/>
           </p:nvPr>
@@ -5121,7 +5276,7 @@
           </a:prstGeom>
         </p:spPr>
         <p:txBody>
-          <a:bodyPr anchorCtr="0" anchor="ctr" bIns="91425" lIns="91425" spcFirstLastPara="1" rIns="91425" wrap="square" tIns="91425">
+          <a:bodyPr spcFirstLastPara="1" wrap="square" lIns="91425" tIns="91425" rIns="91425" bIns="91425" anchor="ctr" anchorCtr="0">
             <a:normAutofit/>
           </a:bodyPr>
           <a:lstStyle>
@@ -5225,15 +5380,19 @@
               <a:defRPr sz="4800"/>
             </a:lvl9pPr>
           </a:lstStyle>
-          <a:p/>
+          <a:p>
+            <a:endParaRPr/>
+          </a:p>
         </p:txBody>
       </p:sp>
       <p:sp>
         <p:nvSpPr>
           <p:cNvPr id="37" name="Google Shape;37;p8"/>
-          <p:cNvSpPr txBox="1"/>
+          <p:cNvSpPr txBox="1">
+            <a:spLocks noGrp="1"/>
+          </p:cNvSpPr>
           <p:nvPr>
-            <p:ph idx="12" type="sldNum"/>
+            <p:ph type="sldNum" idx="12"/>
           </p:nvPr>
         </p:nvSpPr>
         <p:spPr>
@@ -5246,7 +5405,7 @@
           </a:prstGeom>
         </p:spPr>
         <p:txBody>
-          <a:bodyPr anchorCtr="0" anchor="ctr" bIns="91425" lIns="91425" spcFirstLastPara="1" rIns="91425" wrap="square" tIns="91425">
+          <a:bodyPr spcFirstLastPara="1" wrap="square" lIns="91425" tIns="91425" rIns="91425" bIns="91425" anchor="ctr" anchorCtr="0">
             <a:normAutofit/>
           </a:bodyPr>
           <a:lstStyle>
@@ -5288,7 +5447,7 @@
             </a:lvl9pPr>
           </a:lstStyle>
           <a:p>
-            <a:pPr indent="0" lvl="0" marL="0" rtl="0" algn="r">
+            <a:pPr marL="0" lvl="0" indent="0" algn="r" rtl="0">
               <a:spcBef>
                 <a:spcPts val="0"/>
               </a:spcBef>
@@ -5314,11 +5473,11 @@
 </file>
 
 <file path=ppt/slideLayouts/slideLayout8.xml><?xml version="1.0" encoding="utf-8"?>
-<p:sldLayout xmlns:a="http://schemas.openxmlformats.org/drawingml/2006/main" xmlns:r="http://schemas.openxmlformats.org/officeDocument/2006/relationships" xmlns:mc="http://schemas.openxmlformats.org/markup-compatibility/2006" xmlns:mv="urn:schemas-microsoft-com:mac:vml" xmlns:p="http://schemas.openxmlformats.org/presentationml/2006/main" xmlns:c="http://schemas.openxmlformats.org/drawingml/2006/chart" xmlns:dgm="http://schemas.openxmlformats.org/drawingml/2006/diagram" xmlns:o="urn:schemas-microsoft-com:office:office" xmlns:v="urn:schemas-microsoft-com:vml" xmlns:pvml="urn:schemas-microsoft-com:office:powerpoint" xmlns:com="http://schemas.openxmlformats.org/drawingml/2006/compatibility" xmlns:p14="http://schemas.microsoft.com/office/powerpoint/2010/main" xmlns:p15="http://schemas.microsoft.com/office/powerpoint/2012/main" xmlns:ahyp="http://schemas.microsoft.com/office/drawing/2018/hyperlinkcolor" matchingName="Section title and description">
+<p:sldLayout xmlns:a="http://schemas.openxmlformats.org/drawingml/2006/main" xmlns:r="http://schemas.openxmlformats.org/officeDocument/2006/relationships" xmlns:p="http://schemas.openxmlformats.org/presentationml/2006/main" matchingName="Section title and description">
   <p:cSld name="SECTION_TITLE_AND_DESCRIPTION">
     <p:spTree>
       <p:nvGrpSpPr>
-        <p:cNvPr id="38" name="Shape 38"/>
+        <p:cNvPr id="1" name="Shape 38"/>
         <p:cNvGrpSpPr/>
         <p:nvPr/>
       </p:nvGrpSpPr>
@@ -5352,12 +5511,12 @@
           </a:ln>
         </p:spPr>
         <p:txBody>
-          <a:bodyPr anchorCtr="0" anchor="ctr" bIns="91425" lIns="91425" spcFirstLastPara="1" rIns="91425" wrap="square" tIns="91425">
+          <a:bodyPr spcFirstLastPara="1" wrap="square" lIns="91425" tIns="91425" rIns="91425" bIns="91425" anchor="ctr" anchorCtr="0">
             <a:noAutofit/>
           </a:bodyPr>
           <a:lstStyle/>
           <a:p>
-            <a:pPr indent="0" lvl="0" marL="0" rtl="0" algn="l">
+            <a:pPr marL="0" lvl="0" indent="0" algn="l" rtl="0">
               <a:spcBef>
                 <a:spcPts val="0"/>
               </a:spcBef>
@@ -5366,9 +5525,6 @@
               </a:spcAft>
               <a:buNone/>
             </a:pPr>
-            <a:r>
-              <a:t/>
-            </a:r>
             <a:endParaRPr/>
           </a:p>
         </p:txBody>
@@ -5388,21 +5544,23 @@
             <a:avLst/>
           </a:prstGeom>
           <a:noFill/>
-          <a:ln cap="flat" cmpd="sng" w="19050">
+          <a:ln w="19050" cap="flat" cmpd="sng">
             <a:solidFill>
               <a:schemeClr val="lt2"/>
             </a:solidFill>
             <a:prstDash val="solid"/>
             <a:round/>
-            <a:headEnd len="sm" w="sm" type="none"/>
-            <a:tailEnd len="sm" w="sm" type="none"/>
+            <a:headEnd type="none" w="sm" len="sm"/>
+            <a:tailEnd type="none" w="sm" len="sm"/>
           </a:ln>
         </p:spPr>
       </p:cxnSp>
       <p:sp>
         <p:nvSpPr>
           <p:cNvPr id="41" name="Google Shape;41;p9"/>
-          <p:cNvSpPr txBox="1"/>
+          <p:cNvSpPr txBox="1">
+            <a:spLocks noGrp="1"/>
+          </p:cNvSpPr>
           <p:nvPr>
             <p:ph type="title"/>
           </p:nvPr>
@@ -5417,7 +5575,7 @@
           </a:prstGeom>
         </p:spPr>
         <p:txBody>
-          <a:bodyPr anchorCtr="0" anchor="b" bIns="91425" lIns="91425" spcFirstLastPara="1" rIns="91425" wrap="square" tIns="91425">
+          <a:bodyPr spcFirstLastPara="1" wrap="square" lIns="91425" tIns="91425" rIns="91425" bIns="91425" anchor="b" anchorCtr="0">
             <a:normAutofit/>
           </a:bodyPr>
           <a:lstStyle>
@@ -5521,15 +5679,19 @@
               <a:defRPr sz="4200"/>
             </a:lvl9pPr>
           </a:lstStyle>
-          <a:p/>
+          <a:p>
+            <a:endParaRPr/>
+          </a:p>
         </p:txBody>
       </p:sp>
       <p:sp>
         <p:nvSpPr>
           <p:cNvPr id="42" name="Google Shape;42;p9"/>
-          <p:cNvSpPr txBox="1"/>
+          <p:cNvSpPr txBox="1">
+            <a:spLocks noGrp="1"/>
+          </p:cNvSpPr>
           <p:nvPr>
-            <p:ph idx="1" type="subTitle"/>
+            <p:ph type="subTitle" idx="1"/>
           </p:nvPr>
         </p:nvSpPr>
         <p:spPr>
@@ -5542,7 +5704,7 @@
           </a:prstGeom>
         </p:spPr>
         <p:txBody>
-          <a:bodyPr anchorCtr="0" anchor="t" bIns="91425" lIns="91425" spcFirstLastPara="1" rIns="91425" wrap="square" tIns="91425">
+          <a:bodyPr spcFirstLastPara="1" wrap="square" lIns="91425" tIns="91425" rIns="91425" bIns="91425" anchor="t" anchorCtr="0">
             <a:normAutofit/>
           </a:bodyPr>
           <a:lstStyle>
@@ -5673,15 +5835,19 @@
               <a:defRPr sz="2100"/>
             </a:lvl9pPr>
           </a:lstStyle>
-          <a:p/>
+          <a:p>
+            <a:endParaRPr/>
+          </a:p>
         </p:txBody>
       </p:sp>
       <p:sp>
         <p:nvSpPr>
           <p:cNvPr id="43" name="Google Shape;43;p9"/>
-          <p:cNvSpPr txBox="1"/>
+          <p:cNvSpPr txBox="1">
+            <a:spLocks noGrp="1"/>
+          </p:cNvSpPr>
           <p:nvPr>
-            <p:ph idx="2" type="body"/>
+            <p:ph type="body" idx="2"/>
           </p:nvPr>
         </p:nvSpPr>
         <p:spPr>
@@ -5694,11 +5860,11 @@
           </a:prstGeom>
         </p:spPr>
         <p:txBody>
-          <a:bodyPr anchorCtr="0" anchor="ctr" bIns="91425" lIns="91425" spcFirstLastPara="1" rIns="91425" wrap="square" tIns="91425">
+          <a:bodyPr spcFirstLastPara="1" wrap="square" lIns="91425" tIns="91425" rIns="91425" bIns="91425" anchor="ctr" anchorCtr="0">
             <a:normAutofit/>
           </a:bodyPr>
           <a:lstStyle>
-            <a:lvl1pPr indent="-342900" lvl="0" marL="457200">
+            <a:lvl1pPr marL="457200" lvl="0" indent="-342900">
               <a:spcBef>
                 <a:spcPts val="0"/>
               </a:spcBef>
@@ -5716,7 +5882,7 @@
                 </a:solidFill>
               </a:defRPr>
             </a:lvl1pPr>
-            <a:lvl2pPr indent="-317500" lvl="1" marL="914400">
+            <a:lvl2pPr marL="914400" lvl="1" indent="-317500">
               <a:spcBef>
                 <a:spcPts val="0"/>
               </a:spcBef>
@@ -5734,7 +5900,7 @@
                 </a:solidFill>
               </a:defRPr>
             </a:lvl2pPr>
-            <a:lvl3pPr indent="-317500" lvl="2" marL="1371600">
+            <a:lvl3pPr marL="1371600" lvl="2" indent="-317500">
               <a:spcBef>
                 <a:spcPts val="0"/>
               </a:spcBef>
@@ -5752,7 +5918,7 @@
                 </a:solidFill>
               </a:defRPr>
             </a:lvl3pPr>
-            <a:lvl4pPr indent="-317500" lvl="3" marL="1828800">
+            <a:lvl4pPr marL="1828800" lvl="3" indent="-317500">
               <a:spcBef>
                 <a:spcPts val="0"/>
               </a:spcBef>
@@ -5770,7 +5936,7 @@
                 </a:solidFill>
               </a:defRPr>
             </a:lvl4pPr>
-            <a:lvl5pPr indent="-317500" lvl="4" marL="2286000">
+            <a:lvl5pPr marL="2286000" lvl="4" indent="-317500">
               <a:spcBef>
                 <a:spcPts val="0"/>
               </a:spcBef>
@@ -5788,7 +5954,7 @@
                 </a:solidFill>
               </a:defRPr>
             </a:lvl5pPr>
-            <a:lvl6pPr indent="-317500" lvl="5" marL="2743200">
+            <a:lvl6pPr marL="2743200" lvl="5" indent="-317500">
               <a:spcBef>
                 <a:spcPts val="0"/>
               </a:spcBef>
@@ -5806,7 +5972,7 @@
                 </a:solidFill>
               </a:defRPr>
             </a:lvl6pPr>
-            <a:lvl7pPr indent="-317500" lvl="6" marL="3200400">
+            <a:lvl7pPr marL="3200400" lvl="6" indent="-317500">
               <a:spcBef>
                 <a:spcPts val="0"/>
               </a:spcBef>
@@ -5824,7 +5990,7 @@
                 </a:solidFill>
               </a:defRPr>
             </a:lvl7pPr>
-            <a:lvl8pPr indent="-317500" lvl="7" marL="3657600">
+            <a:lvl8pPr marL="3657600" lvl="7" indent="-317500">
               <a:spcBef>
                 <a:spcPts val="0"/>
               </a:spcBef>
@@ -5842,7 +6008,7 @@
                 </a:solidFill>
               </a:defRPr>
             </a:lvl8pPr>
-            <a:lvl9pPr indent="-317500" lvl="8" marL="4114800">
+            <a:lvl9pPr marL="4114800" lvl="8" indent="-317500">
               <a:spcBef>
                 <a:spcPts val="0"/>
               </a:spcBef>
@@ -5861,15 +6027,19 @@
               </a:defRPr>
             </a:lvl9pPr>
           </a:lstStyle>
-          <a:p/>
+          <a:p>
+            <a:endParaRPr/>
+          </a:p>
         </p:txBody>
       </p:sp>
       <p:sp>
         <p:nvSpPr>
           <p:cNvPr id="44" name="Google Shape;44;p9"/>
-          <p:cNvSpPr txBox="1"/>
+          <p:cNvSpPr txBox="1">
+            <a:spLocks noGrp="1"/>
+          </p:cNvSpPr>
           <p:nvPr>
-            <p:ph idx="12" type="sldNum"/>
+            <p:ph type="sldNum" idx="12"/>
           </p:nvPr>
         </p:nvSpPr>
         <p:spPr>
@@ -5882,7 +6052,7 @@
           </a:prstGeom>
         </p:spPr>
         <p:txBody>
-          <a:bodyPr anchorCtr="0" anchor="ctr" bIns="91425" lIns="91425" spcFirstLastPara="1" rIns="91425" wrap="square" tIns="91425">
+          <a:bodyPr spcFirstLastPara="1" wrap="square" lIns="91425" tIns="91425" rIns="91425" bIns="91425" anchor="ctr" anchorCtr="0">
             <a:normAutofit/>
           </a:bodyPr>
           <a:lstStyle>
@@ -5960,7 +6130,7 @@
             </a:lvl9pPr>
           </a:lstStyle>
           <a:p>
-            <a:pPr indent="0" lvl="0" marL="0" rtl="0" algn="r">
+            <a:pPr marL="0" lvl="0" indent="0" algn="r" rtl="0">
               <a:spcBef>
                 <a:spcPts val="0"/>
               </a:spcBef>
@@ -5986,11 +6156,11 @@
 </file>
 
 <file path=ppt/slideLayouts/slideLayout9.xml><?xml version="1.0" encoding="utf-8"?>
-<p:sldLayout xmlns:a="http://schemas.openxmlformats.org/drawingml/2006/main" xmlns:r="http://schemas.openxmlformats.org/officeDocument/2006/relationships" xmlns:mc="http://schemas.openxmlformats.org/markup-compatibility/2006" xmlns:mv="urn:schemas-microsoft-com:mac:vml" xmlns:p="http://schemas.openxmlformats.org/presentationml/2006/main" xmlns:c="http://schemas.openxmlformats.org/drawingml/2006/chart" xmlns:dgm="http://schemas.openxmlformats.org/drawingml/2006/diagram" xmlns:o="urn:schemas-microsoft-com:office:office" xmlns:v="urn:schemas-microsoft-com:vml" xmlns:pvml="urn:schemas-microsoft-com:office:powerpoint" xmlns:com="http://schemas.openxmlformats.org/drawingml/2006/compatibility" xmlns:p14="http://schemas.microsoft.com/office/powerpoint/2010/main" xmlns:p15="http://schemas.microsoft.com/office/powerpoint/2012/main" xmlns:ahyp="http://schemas.microsoft.com/office/drawing/2018/hyperlinkcolor" matchingName="Caption">
+<p:sldLayout xmlns:a="http://schemas.openxmlformats.org/drawingml/2006/main" xmlns:r="http://schemas.openxmlformats.org/officeDocument/2006/relationships" xmlns:p="http://schemas.openxmlformats.org/presentationml/2006/main" matchingName="Caption">
   <p:cSld name="CAPTION_ONLY">
     <p:spTree>
       <p:nvGrpSpPr>
-        <p:cNvPr id="45" name="Shape 45"/>
+        <p:cNvPr id="1" name="Shape 45"/>
         <p:cNvGrpSpPr/>
         <p:nvPr/>
       </p:nvGrpSpPr>
@@ -6005,9 +6175,11 @@
       <p:sp>
         <p:nvSpPr>
           <p:cNvPr id="46" name="Google Shape;46;p10"/>
-          <p:cNvSpPr txBox="1"/>
+          <p:cNvSpPr txBox="1">
+            <a:spLocks noGrp="1"/>
+          </p:cNvSpPr>
           <p:nvPr>
-            <p:ph idx="1" type="body"/>
+            <p:ph type="body" idx="1"/>
           </p:nvPr>
         </p:nvSpPr>
         <p:spPr>
@@ -6020,11 +6192,11 @@
           </a:prstGeom>
         </p:spPr>
         <p:txBody>
-          <a:bodyPr anchorCtr="0" anchor="ctr" bIns="91425" lIns="91425" spcFirstLastPara="1" rIns="91425" wrap="square" tIns="91425">
+          <a:bodyPr spcFirstLastPara="1" wrap="square" lIns="91425" tIns="91425" rIns="91425" bIns="91425" anchor="ctr" anchorCtr="0">
             <a:normAutofit/>
           </a:bodyPr>
           <a:lstStyle>
-            <a:lvl1pPr indent="-228600" lvl="0" marL="457200">
+            <a:lvl1pPr marL="457200" lvl="0" indent="-228600">
               <a:lnSpc>
                 <a:spcPct val="100000"/>
               </a:lnSpc>
@@ -6039,15 +6211,19 @@
               <a:defRPr sz="2100"/>
             </a:lvl1pPr>
           </a:lstStyle>
-          <a:p/>
+          <a:p>
+            <a:endParaRPr/>
+          </a:p>
         </p:txBody>
       </p:sp>
       <p:sp>
         <p:nvSpPr>
           <p:cNvPr id="47" name="Google Shape;47;p10"/>
-          <p:cNvSpPr txBox="1"/>
+          <p:cNvSpPr txBox="1">
+            <a:spLocks noGrp="1"/>
+          </p:cNvSpPr>
           <p:nvPr>
-            <p:ph idx="12" type="sldNum"/>
+            <p:ph type="sldNum" idx="12"/>
           </p:nvPr>
         </p:nvSpPr>
         <p:spPr>
@@ -6060,7 +6236,7 @@
           </a:prstGeom>
         </p:spPr>
         <p:txBody>
-          <a:bodyPr anchorCtr="0" anchor="ctr" bIns="91425" lIns="91425" spcFirstLastPara="1" rIns="91425" wrap="square" tIns="91425">
+          <a:bodyPr spcFirstLastPara="1" wrap="square" lIns="91425" tIns="91425" rIns="91425" bIns="91425" anchor="ctr" anchorCtr="0">
             <a:normAutofit/>
           </a:bodyPr>
           <a:lstStyle>
@@ -6102,7 +6278,7 @@
             </a:lvl9pPr>
           </a:lstStyle>
           <a:p>
-            <a:pPr indent="0" lvl="0" marL="0" rtl="0" algn="r">
+            <a:pPr marL="0" lvl="0" indent="0" algn="r" rtl="0">
               <a:spcBef>
                 <a:spcPts val="0"/>
               </a:spcBef>
@@ -6128,18 +6304,19 @@
 </file>
 
 <file path=ppt/slideMasters/slideMaster1.xml><?xml version="1.0" encoding="utf-8"?>
-<p:sldMaster xmlns:a="http://schemas.openxmlformats.org/drawingml/2006/main" xmlns:r="http://schemas.openxmlformats.org/officeDocument/2006/relationships" xmlns:mc="http://schemas.openxmlformats.org/markup-compatibility/2006" xmlns:mv="urn:schemas-microsoft-com:mac:vml" xmlns:p="http://schemas.openxmlformats.org/presentationml/2006/main" xmlns:c="http://schemas.openxmlformats.org/drawingml/2006/chart" xmlns:dgm="http://schemas.openxmlformats.org/drawingml/2006/diagram" xmlns:o="urn:schemas-microsoft-com:office:office" xmlns:v="urn:schemas-microsoft-com:vml" xmlns:pvml="urn:schemas-microsoft-com:office:powerpoint" xmlns:com="http://schemas.openxmlformats.org/drawingml/2006/compatibility" xmlns:p14="http://schemas.microsoft.com/office/powerpoint/2010/main" xmlns:p15="http://schemas.microsoft.com/office/powerpoint/2012/main" xmlns:ahyp="http://schemas.microsoft.com/office/drawing/2018/hyperlinkcolor">
+<p:sldMaster xmlns:a="http://schemas.openxmlformats.org/drawingml/2006/main" xmlns:r="http://schemas.openxmlformats.org/officeDocument/2006/relationships" xmlns:p="http://schemas.openxmlformats.org/presentationml/2006/main">
   <p:cSld name="spearmint">
     <p:bg>
       <p:bgPr>
         <a:solidFill>
           <a:schemeClr val="lt1"/>
         </a:solidFill>
+        <a:effectLst/>
       </p:bgPr>
     </p:bg>
     <p:spTree>
       <p:nvGrpSpPr>
-        <p:cNvPr id="5" name="Shape 5"/>
+        <p:cNvPr id="1" name="Shape 5"/>
         <p:cNvGrpSpPr/>
         <p:nvPr/>
       </p:nvGrpSpPr>
@@ -6154,7 +6331,9 @@
       <p:sp>
         <p:nvSpPr>
           <p:cNvPr id="6" name="Google Shape;6;p1"/>
-          <p:cNvSpPr txBox="1"/>
+          <p:cNvSpPr txBox="1">
+            <a:spLocks noGrp="1"/>
+          </p:cNvSpPr>
           <p:nvPr>
             <p:ph type="title"/>
           </p:nvPr>
@@ -6173,7 +6352,7 @@
           </a:ln>
         </p:spPr>
         <p:txBody>
-          <a:bodyPr anchorCtr="0" anchor="t" bIns="91425" lIns="91425" spcFirstLastPara="1" rIns="91425" wrap="square" tIns="91425">
+          <a:bodyPr spcFirstLastPara="1" wrap="square" lIns="91425" tIns="91425" rIns="91425" bIns="91425" anchor="t" anchorCtr="0">
             <a:normAutofit/>
           </a:bodyPr>
           <a:lstStyle>
@@ -6385,15 +6564,19 @@
               </a:defRPr>
             </a:lvl9pPr>
           </a:lstStyle>
-          <a:p/>
+          <a:p>
+            <a:endParaRPr/>
+          </a:p>
         </p:txBody>
       </p:sp>
       <p:sp>
         <p:nvSpPr>
           <p:cNvPr id="7" name="Google Shape;7;p1"/>
-          <p:cNvSpPr txBox="1"/>
+          <p:cNvSpPr txBox="1">
+            <a:spLocks noGrp="1"/>
+          </p:cNvSpPr>
           <p:nvPr>
-            <p:ph idx="1" type="body"/>
+            <p:ph type="body" idx="1"/>
           </p:nvPr>
         </p:nvSpPr>
         <p:spPr>
@@ -6410,11 +6593,11 @@
           </a:ln>
         </p:spPr>
         <p:txBody>
-          <a:bodyPr anchorCtr="0" anchor="t" bIns="91425" lIns="91425" spcFirstLastPara="1" rIns="91425" wrap="square" tIns="91425">
+          <a:bodyPr spcFirstLastPara="1" wrap="square" lIns="91425" tIns="91425" rIns="91425" bIns="91425" anchor="t" anchorCtr="0">
             <a:normAutofit/>
           </a:bodyPr>
           <a:lstStyle>
-            <a:lvl1pPr indent="-342900" lvl="0" marL="457200">
+            <a:lvl1pPr marL="457200" lvl="0" indent="-342900">
               <a:lnSpc>
                 <a:spcPct val="115000"/>
               </a:lnSpc>
@@ -6440,7 +6623,7 @@
                 <a:sym typeface="Proxima Nova"/>
               </a:defRPr>
             </a:lvl1pPr>
-            <a:lvl2pPr indent="-317500" lvl="1" marL="914400">
+            <a:lvl2pPr marL="914400" lvl="1" indent="-317500">
               <a:lnSpc>
                 <a:spcPct val="115000"/>
               </a:lnSpc>
@@ -6466,7 +6649,7 @@
                 <a:sym typeface="Proxima Nova"/>
               </a:defRPr>
             </a:lvl2pPr>
-            <a:lvl3pPr indent="-317500" lvl="2" marL="1371600">
+            <a:lvl3pPr marL="1371600" lvl="2" indent="-317500">
               <a:lnSpc>
                 <a:spcPct val="115000"/>
               </a:lnSpc>
@@ -6492,7 +6675,7 @@
                 <a:sym typeface="Proxima Nova"/>
               </a:defRPr>
             </a:lvl3pPr>
-            <a:lvl4pPr indent="-317500" lvl="3" marL="1828800">
+            <a:lvl4pPr marL="1828800" lvl="3" indent="-317500">
               <a:lnSpc>
                 <a:spcPct val="115000"/>
               </a:lnSpc>
@@ -6518,7 +6701,7 @@
                 <a:sym typeface="Proxima Nova"/>
               </a:defRPr>
             </a:lvl4pPr>
-            <a:lvl5pPr indent="-317500" lvl="4" marL="2286000">
+            <a:lvl5pPr marL="2286000" lvl="4" indent="-317500">
               <a:lnSpc>
                 <a:spcPct val="115000"/>
               </a:lnSpc>
@@ -6544,7 +6727,7 @@
                 <a:sym typeface="Proxima Nova"/>
               </a:defRPr>
             </a:lvl5pPr>
-            <a:lvl6pPr indent="-317500" lvl="5" marL="2743200">
+            <a:lvl6pPr marL="2743200" lvl="5" indent="-317500">
               <a:lnSpc>
                 <a:spcPct val="115000"/>
               </a:lnSpc>
@@ -6570,7 +6753,7 @@
                 <a:sym typeface="Proxima Nova"/>
               </a:defRPr>
             </a:lvl6pPr>
-            <a:lvl7pPr indent="-317500" lvl="6" marL="3200400">
+            <a:lvl7pPr marL="3200400" lvl="6" indent="-317500">
               <a:lnSpc>
                 <a:spcPct val="115000"/>
               </a:lnSpc>
@@ -6596,7 +6779,7 @@
                 <a:sym typeface="Proxima Nova"/>
               </a:defRPr>
             </a:lvl7pPr>
-            <a:lvl8pPr indent="-317500" lvl="7" marL="3657600">
+            <a:lvl8pPr marL="3657600" lvl="7" indent="-317500">
               <a:lnSpc>
                 <a:spcPct val="115000"/>
               </a:lnSpc>
@@ -6622,7 +6805,7 @@
                 <a:sym typeface="Proxima Nova"/>
               </a:defRPr>
             </a:lvl8pPr>
-            <a:lvl9pPr indent="-317500" lvl="8" marL="4114800">
+            <a:lvl9pPr marL="4114800" lvl="8" indent="-317500">
               <a:lnSpc>
                 <a:spcPct val="115000"/>
               </a:lnSpc>
@@ -6649,15 +6832,19 @@
               </a:defRPr>
             </a:lvl9pPr>
           </a:lstStyle>
-          <a:p/>
+          <a:p>
+            <a:endParaRPr/>
+          </a:p>
         </p:txBody>
       </p:sp>
       <p:sp>
         <p:nvSpPr>
           <p:cNvPr id="8" name="Google Shape;8;p1"/>
-          <p:cNvSpPr txBox="1"/>
+          <p:cNvSpPr txBox="1">
+            <a:spLocks noGrp="1"/>
+          </p:cNvSpPr>
           <p:nvPr>
-            <p:ph idx="12" type="sldNum"/>
+            <p:ph type="sldNum" idx="12"/>
           </p:nvPr>
         </p:nvSpPr>
         <p:spPr>
@@ -6674,7 +6861,7 @@
           </a:ln>
         </p:spPr>
         <p:txBody>
-          <a:bodyPr anchorCtr="0" anchor="ctr" bIns="91425" lIns="91425" spcFirstLastPara="1" rIns="91425" wrap="square" tIns="91425">
+          <a:bodyPr spcFirstLastPara="1" wrap="square" lIns="91425" tIns="91425" rIns="91425" bIns="91425" anchor="ctr" anchorCtr="0">
             <a:normAutofit/>
           </a:bodyPr>
           <a:lstStyle>
@@ -6788,7 +6975,7 @@
             </a:lvl9pPr>
           </a:lstStyle>
           <a:p>
-            <a:pPr indent="0" lvl="0" marL="0" rtl="0" algn="r">
+            <a:pPr marL="0" lvl="0" indent="0" algn="r" rtl="0">
               <a:spcBef>
                 <a:spcPts val="0"/>
               </a:spcBef>
@@ -6807,7 +6994,7 @@
       </p:sp>
     </p:spTree>
   </p:cSld>
-  <p:clrMap accent1="accent1" accent2="accent2" accent3="accent3" accent4="accent4" accent5="accent5" accent6="accent6" bg1="lt1" bg2="dk2" tx1="dk1" tx2="lt2" folHlink="folHlink" hlink="hlink"/>
+  <p:clrMap bg1="lt1" tx1="dk1" bg2="dk2" tx2="lt2" accent1="accent1" accent2="accent2" accent3="accent3" accent4="accent4" accent5="accent5" accent6="accent6" hlink="hlink" folHlink="folHlink"/>
   <p:sldLayoutIdLst>
     <p:sldLayoutId id="2147483648" r:id="rId1"/>
     <p:sldLayoutId id="2147483649" r:id="rId2"/>
@@ -6821,10 +7008,10 @@
     <p:sldLayoutId id="2147483657" r:id="rId10"/>
     <p:sldLayoutId id="2147483658" r:id="rId11"/>
   </p:sldLayoutIdLst>
-  <p:hf dt="0" ftr="0" hdr="0" sldNum="0"/>
+  <p:hf sldNum="0" hdr="0" ftr="0" dt="0"/>
   <p:txStyles>
     <p:titleStyle>
-      <a:defPPr lvl="0" marR="0" rtl="0" algn="l">
+      <a:defPPr marR="0" lvl="0" algn="l" rtl="0">
         <a:lnSpc>
           <a:spcPct val="100000"/>
         </a:lnSpc>
@@ -6835,7 +7022,7 @@
           <a:spcPts val="0"/>
         </a:spcAft>
       </a:defPPr>
-      <a:lvl1pPr lvl="0" marR="0" rtl="0" algn="l">
+      <a:lvl1pPr marR="0" lvl="0" algn="l" rtl="0">
         <a:lnSpc>
           <a:spcPct val="100000"/>
         </a:lnSpc>
@@ -6849,7 +7036,7 @@
           <a:srgbClr val="000000"/>
         </a:buClr>
         <a:buFont typeface="Arial"/>
-        <a:defRPr b="0" i="0" sz="1400" u="none" cap="none" strike="noStrike">
+        <a:defRPr sz="1400" b="0" i="0" u="none" strike="noStrike" cap="none">
           <a:solidFill>
             <a:srgbClr val="000000"/>
           </a:solidFill>
@@ -6859,7 +7046,7 @@
           <a:sym typeface="Arial"/>
         </a:defRPr>
       </a:lvl1pPr>
-      <a:lvl2pPr lvl="1" marR="0" rtl="0" algn="l">
+      <a:lvl2pPr marR="0" lvl="1" algn="l" rtl="0">
         <a:lnSpc>
           <a:spcPct val="100000"/>
         </a:lnSpc>
@@ -6873,7 +7060,7 @@
           <a:srgbClr val="000000"/>
         </a:buClr>
         <a:buFont typeface="Arial"/>
-        <a:defRPr b="0" i="0" sz="1400" u="none" cap="none" strike="noStrike">
+        <a:defRPr sz="1400" b="0" i="0" u="none" strike="noStrike" cap="none">
           <a:solidFill>
             <a:srgbClr val="000000"/>
           </a:solidFill>
@@ -6883,7 +7070,7 @@
           <a:sym typeface="Arial"/>
         </a:defRPr>
       </a:lvl2pPr>
-      <a:lvl3pPr lvl="2" marR="0" rtl="0" algn="l">
+      <a:lvl3pPr marR="0" lvl="2" algn="l" rtl="0">
         <a:lnSpc>
           <a:spcPct val="100000"/>
         </a:lnSpc>
@@ -6897,7 +7084,7 @@
           <a:srgbClr val="000000"/>
         </a:buClr>
         <a:buFont typeface="Arial"/>
-        <a:defRPr b="0" i="0" sz="1400" u="none" cap="none" strike="noStrike">
+        <a:defRPr sz="1400" b="0" i="0" u="none" strike="noStrike" cap="none">
           <a:solidFill>
             <a:srgbClr val="000000"/>
           </a:solidFill>
@@ -6907,7 +7094,7 @@
           <a:sym typeface="Arial"/>
         </a:defRPr>
       </a:lvl3pPr>
-      <a:lvl4pPr lvl="3" marR="0" rtl="0" algn="l">
+      <a:lvl4pPr marR="0" lvl="3" algn="l" rtl="0">
         <a:lnSpc>
           <a:spcPct val="100000"/>
         </a:lnSpc>
@@ -6921,7 +7108,7 @@
           <a:srgbClr val="000000"/>
         </a:buClr>
         <a:buFont typeface="Arial"/>
-        <a:defRPr b="0" i="0" sz="1400" u="none" cap="none" strike="noStrike">
+        <a:defRPr sz="1400" b="0" i="0" u="none" strike="noStrike" cap="none">
           <a:solidFill>
             <a:srgbClr val="000000"/>
           </a:solidFill>
@@ -6931,7 +7118,7 @@
           <a:sym typeface="Arial"/>
         </a:defRPr>
       </a:lvl4pPr>
-      <a:lvl5pPr lvl="4" marR="0" rtl="0" algn="l">
+      <a:lvl5pPr marR="0" lvl="4" algn="l" rtl="0">
         <a:lnSpc>
           <a:spcPct val="100000"/>
         </a:lnSpc>
@@ -6945,7 +7132,7 @@
           <a:srgbClr val="000000"/>
         </a:buClr>
         <a:buFont typeface="Arial"/>
-        <a:defRPr b="0" i="0" sz="1400" u="none" cap="none" strike="noStrike">
+        <a:defRPr sz="1400" b="0" i="0" u="none" strike="noStrike" cap="none">
           <a:solidFill>
             <a:srgbClr val="000000"/>
           </a:solidFill>
@@ -6955,7 +7142,7 @@
           <a:sym typeface="Arial"/>
         </a:defRPr>
       </a:lvl5pPr>
-      <a:lvl6pPr lvl="5" marR="0" rtl="0" algn="l">
+      <a:lvl6pPr marR="0" lvl="5" algn="l" rtl="0">
         <a:lnSpc>
           <a:spcPct val="100000"/>
         </a:lnSpc>
@@ -6969,7 +7156,7 @@
           <a:srgbClr val="000000"/>
         </a:buClr>
         <a:buFont typeface="Arial"/>
-        <a:defRPr b="0" i="0" sz="1400" u="none" cap="none" strike="noStrike">
+        <a:defRPr sz="1400" b="0" i="0" u="none" strike="noStrike" cap="none">
           <a:solidFill>
             <a:srgbClr val="000000"/>
           </a:solidFill>
@@ -6979,7 +7166,7 @@
           <a:sym typeface="Arial"/>
         </a:defRPr>
       </a:lvl6pPr>
-      <a:lvl7pPr lvl="6" marR="0" rtl="0" algn="l">
+      <a:lvl7pPr marR="0" lvl="6" algn="l" rtl="0">
         <a:lnSpc>
           <a:spcPct val="100000"/>
         </a:lnSpc>
@@ -6993,7 +7180,7 @@
           <a:srgbClr val="000000"/>
         </a:buClr>
         <a:buFont typeface="Arial"/>
-        <a:defRPr b="0" i="0" sz="1400" u="none" cap="none" strike="noStrike">
+        <a:defRPr sz="1400" b="0" i="0" u="none" strike="noStrike" cap="none">
           <a:solidFill>
             <a:srgbClr val="000000"/>
           </a:solidFill>
@@ -7003,7 +7190,7 @@
           <a:sym typeface="Arial"/>
         </a:defRPr>
       </a:lvl7pPr>
-      <a:lvl8pPr lvl="7" marR="0" rtl="0" algn="l">
+      <a:lvl8pPr marR="0" lvl="7" algn="l" rtl="0">
         <a:lnSpc>
           <a:spcPct val="100000"/>
         </a:lnSpc>
@@ -7017,7 +7204,7 @@
           <a:srgbClr val="000000"/>
         </a:buClr>
         <a:buFont typeface="Arial"/>
-        <a:defRPr b="0" i="0" sz="1400" u="none" cap="none" strike="noStrike">
+        <a:defRPr sz="1400" b="0" i="0" u="none" strike="noStrike" cap="none">
           <a:solidFill>
             <a:srgbClr val="000000"/>
           </a:solidFill>
@@ -7027,7 +7214,7 @@
           <a:sym typeface="Arial"/>
         </a:defRPr>
       </a:lvl8pPr>
-      <a:lvl9pPr lvl="8" marR="0" rtl="0" algn="l">
+      <a:lvl9pPr marR="0" lvl="8" algn="l" rtl="0">
         <a:lnSpc>
           <a:spcPct val="100000"/>
         </a:lnSpc>
@@ -7041,7 +7228,7 @@
           <a:srgbClr val="000000"/>
         </a:buClr>
         <a:buFont typeface="Arial"/>
-        <a:defRPr b="0" i="0" sz="1400" u="none" cap="none" strike="noStrike">
+        <a:defRPr sz="1400" b="0" i="0" u="none" strike="noStrike" cap="none">
           <a:solidFill>
             <a:srgbClr val="000000"/>
           </a:solidFill>
@@ -7053,7 +7240,7 @@
       </a:lvl9pPr>
     </p:titleStyle>
     <p:bodyStyle>
-      <a:defPPr lvl="0" marR="0" rtl="0" algn="l">
+      <a:defPPr marR="0" lvl="0" algn="l" rtl="0">
         <a:lnSpc>
           <a:spcPct val="100000"/>
         </a:lnSpc>
@@ -7064,7 +7251,7 @@
           <a:spcPts val="0"/>
         </a:spcAft>
       </a:defPPr>
-      <a:lvl1pPr lvl="0" marR="0" rtl="0" algn="l">
+      <a:lvl1pPr marR="0" lvl="0" algn="l" rtl="0">
         <a:lnSpc>
           <a:spcPct val="100000"/>
         </a:lnSpc>
@@ -7078,7 +7265,7 @@
           <a:srgbClr val="000000"/>
         </a:buClr>
         <a:buFont typeface="Arial"/>
-        <a:defRPr b="0" i="0" sz="1400" u="none" cap="none" strike="noStrike">
+        <a:defRPr sz="1400" b="0" i="0" u="none" strike="noStrike" cap="none">
           <a:solidFill>
             <a:srgbClr val="000000"/>
           </a:solidFill>
@@ -7088,7 +7275,7 @@
           <a:sym typeface="Arial"/>
         </a:defRPr>
       </a:lvl1pPr>
-      <a:lvl2pPr lvl="1" marR="0" rtl="0" algn="l">
+      <a:lvl2pPr marR="0" lvl="1" algn="l" rtl="0">
         <a:lnSpc>
           <a:spcPct val="100000"/>
         </a:lnSpc>
@@ -7102,7 +7289,7 @@
           <a:srgbClr val="000000"/>
         </a:buClr>
         <a:buFont typeface="Arial"/>
-        <a:defRPr b="0" i="0" sz="1400" u="none" cap="none" strike="noStrike">
+        <a:defRPr sz="1400" b="0" i="0" u="none" strike="noStrike" cap="none">
           <a:solidFill>
             <a:srgbClr val="000000"/>
           </a:solidFill>
@@ -7112,7 +7299,7 @@
           <a:sym typeface="Arial"/>
         </a:defRPr>
       </a:lvl2pPr>
-      <a:lvl3pPr lvl="2" marR="0" rtl="0" algn="l">
+      <a:lvl3pPr marR="0" lvl="2" algn="l" rtl="0">
         <a:lnSpc>
           <a:spcPct val="100000"/>
         </a:lnSpc>
@@ -7126,7 +7313,7 @@
           <a:srgbClr val="000000"/>
         </a:buClr>
         <a:buFont typeface="Arial"/>
-        <a:defRPr b="0" i="0" sz="1400" u="none" cap="none" strike="noStrike">
+        <a:defRPr sz="1400" b="0" i="0" u="none" strike="noStrike" cap="none">
           <a:solidFill>
             <a:srgbClr val="000000"/>
           </a:solidFill>
@@ -7136,7 +7323,7 @@
           <a:sym typeface="Arial"/>
         </a:defRPr>
       </a:lvl3pPr>
-      <a:lvl4pPr lvl="3" marR="0" rtl="0" algn="l">
+      <a:lvl4pPr marR="0" lvl="3" algn="l" rtl="0">
         <a:lnSpc>
           <a:spcPct val="100000"/>
         </a:lnSpc>
@@ -7150,7 +7337,7 @@
           <a:srgbClr val="000000"/>
         </a:buClr>
         <a:buFont typeface="Arial"/>
-        <a:defRPr b="0" i="0" sz="1400" u="none" cap="none" strike="noStrike">
+        <a:defRPr sz="1400" b="0" i="0" u="none" strike="noStrike" cap="none">
           <a:solidFill>
             <a:srgbClr val="000000"/>
           </a:solidFill>
@@ -7160,7 +7347,7 @@
           <a:sym typeface="Arial"/>
         </a:defRPr>
       </a:lvl4pPr>
-      <a:lvl5pPr lvl="4" marR="0" rtl="0" algn="l">
+      <a:lvl5pPr marR="0" lvl="4" algn="l" rtl="0">
         <a:lnSpc>
           <a:spcPct val="100000"/>
         </a:lnSpc>
@@ -7174,7 +7361,7 @@
           <a:srgbClr val="000000"/>
         </a:buClr>
         <a:buFont typeface="Arial"/>
-        <a:defRPr b="0" i="0" sz="1400" u="none" cap="none" strike="noStrike">
+        <a:defRPr sz="1400" b="0" i="0" u="none" strike="noStrike" cap="none">
           <a:solidFill>
             <a:srgbClr val="000000"/>
           </a:solidFill>
@@ -7184,7 +7371,7 @@
           <a:sym typeface="Arial"/>
         </a:defRPr>
       </a:lvl5pPr>
-      <a:lvl6pPr lvl="5" marR="0" rtl="0" algn="l">
+      <a:lvl6pPr marR="0" lvl="5" algn="l" rtl="0">
         <a:lnSpc>
           <a:spcPct val="100000"/>
         </a:lnSpc>
@@ -7198,7 +7385,7 @@
           <a:srgbClr val="000000"/>
         </a:buClr>
         <a:buFont typeface="Arial"/>
-        <a:defRPr b="0" i="0" sz="1400" u="none" cap="none" strike="noStrike">
+        <a:defRPr sz="1400" b="0" i="0" u="none" strike="noStrike" cap="none">
           <a:solidFill>
             <a:srgbClr val="000000"/>
           </a:solidFill>
@@ -7208,7 +7395,7 @@
           <a:sym typeface="Arial"/>
         </a:defRPr>
       </a:lvl6pPr>
-      <a:lvl7pPr lvl="6" marR="0" rtl="0" algn="l">
+      <a:lvl7pPr marR="0" lvl="6" algn="l" rtl="0">
         <a:lnSpc>
           <a:spcPct val="100000"/>
         </a:lnSpc>
@@ -7222,7 +7409,7 @@
           <a:srgbClr val="000000"/>
         </a:buClr>
         <a:buFont typeface="Arial"/>
-        <a:defRPr b="0" i="0" sz="1400" u="none" cap="none" strike="noStrike">
+        <a:defRPr sz="1400" b="0" i="0" u="none" strike="noStrike" cap="none">
           <a:solidFill>
             <a:srgbClr val="000000"/>
           </a:solidFill>
@@ -7232,7 +7419,7 @@
           <a:sym typeface="Arial"/>
         </a:defRPr>
       </a:lvl7pPr>
-      <a:lvl8pPr lvl="7" marR="0" rtl="0" algn="l">
+      <a:lvl8pPr marR="0" lvl="7" algn="l" rtl="0">
         <a:lnSpc>
           <a:spcPct val="100000"/>
         </a:lnSpc>
@@ -7246,7 +7433,7 @@
           <a:srgbClr val="000000"/>
         </a:buClr>
         <a:buFont typeface="Arial"/>
-        <a:defRPr b="0" i="0" sz="1400" u="none" cap="none" strike="noStrike">
+        <a:defRPr sz="1400" b="0" i="0" u="none" strike="noStrike" cap="none">
           <a:solidFill>
             <a:srgbClr val="000000"/>
           </a:solidFill>
@@ -7256,7 +7443,7 @@
           <a:sym typeface="Arial"/>
         </a:defRPr>
       </a:lvl8pPr>
-      <a:lvl9pPr lvl="8" marR="0" rtl="0" algn="l">
+      <a:lvl9pPr marR="0" lvl="8" algn="l" rtl="0">
         <a:lnSpc>
           <a:spcPct val="100000"/>
         </a:lnSpc>
@@ -7270,7 +7457,7 @@
           <a:srgbClr val="000000"/>
         </a:buClr>
         <a:buFont typeface="Arial"/>
-        <a:defRPr b="0" i="0" sz="1400" u="none" cap="none" strike="noStrike">
+        <a:defRPr sz="1400" b="0" i="0" u="none" strike="noStrike" cap="none">
           <a:solidFill>
             <a:srgbClr val="000000"/>
           </a:solidFill>
@@ -7282,7 +7469,7 @@
       </a:lvl9pPr>
     </p:bodyStyle>
     <p:otherStyle>
-      <a:defPPr lvl="0" marR="0" rtl="0" algn="l">
+      <a:defPPr marR="0" lvl="0" algn="l" rtl="0">
         <a:lnSpc>
           <a:spcPct val="100000"/>
         </a:lnSpc>
@@ -7293,7 +7480,7 @@
           <a:spcPts val="0"/>
         </a:spcAft>
       </a:defPPr>
-      <a:lvl1pPr lvl="0" marR="0" rtl="0" algn="l">
+      <a:lvl1pPr marR="0" lvl="0" algn="l" rtl="0">
         <a:lnSpc>
           <a:spcPct val="100000"/>
         </a:lnSpc>
@@ -7307,7 +7494,7 @@
           <a:srgbClr val="000000"/>
         </a:buClr>
         <a:buFont typeface="Arial"/>
-        <a:defRPr b="0" i="0" sz="1400" u="none" cap="none" strike="noStrike">
+        <a:defRPr sz="1400" b="0" i="0" u="none" strike="noStrike" cap="none">
           <a:solidFill>
             <a:srgbClr val="000000"/>
           </a:solidFill>
@@ -7317,7 +7504,7 @@
           <a:sym typeface="Arial"/>
         </a:defRPr>
       </a:lvl1pPr>
-      <a:lvl2pPr lvl="1" marR="0" rtl="0" algn="l">
+      <a:lvl2pPr marR="0" lvl="1" algn="l" rtl="0">
         <a:lnSpc>
           <a:spcPct val="100000"/>
         </a:lnSpc>
@@ -7331,7 +7518,7 @@
           <a:srgbClr val="000000"/>
         </a:buClr>
         <a:buFont typeface="Arial"/>
-        <a:defRPr b="0" i="0" sz="1400" u="none" cap="none" strike="noStrike">
+        <a:defRPr sz="1400" b="0" i="0" u="none" strike="noStrike" cap="none">
           <a:solidFill>
             <a:srgbClr val="000000"/>
           </a:solidFill>
@@ -7341,7 +7528,7 @@
           <a:sym typeface="Arial"/>
         </a:defRPr>
       </a:lvl2pPr>
-      <a:lvl3pPr lvl="2" marR="0" rtl="0" algn="l">
+      <a:lvl3pPr marR="0" lvl="2" algn="l" rtl="0">
         <a:lnSpc>
           <a:spcPct val="100000"/>
         </a:lnSpc>
@@ -7355,7 +7542,7 @@
           <a:srgbClr val="000000"/>
         </a:buClr>
         <a:buFont typeface="Arial"/>
-        <a:defRPr b="0" i="0" sz="1400" u="none" cap="none" strike="noStrike">
+        <a:defRPr sz="1400" b="0" i="0" u="none" strike="noStrike" cap="none">
           <a:solidFill>
             <a:srgbClr val="000000"/>
           </a:solidFill>
@@ -7365,7 +7552,7 @@
           <a:sym typeface="Arial"/>
         </a:defRPr>
       </a:lvl3pPr>
-      <a:lvl4pPr lvl="3" marR="0" rtl="0" algn="l">
+      <a:lvl4pPr marR="0" lvl="3" algn="l" rtl="0">
         <a:lnSpc>
           <a:spcPct val="100000"/>
         </a:lnSpc>
@@ -7379,7 +7566,7 @@
           <a:srgbClr val="000000"/>
         </a:buClr>
         <a:buFont typeface="Arial"/>
-        <a:defRPr b="0" i="0" sz="1400" u="none" cap="none" strike="noStrike">
+        <a:defRPr sz="1400" b="0" i="0" u="none" strike="noStrike" cap="none">
           <a:solidFill>
             <a:srgbClr val="000000"/>
           </a:solidFill>
@@ -7389,7 +7576,7 @@
           <a:sym typeface="Arial"/>
         </a:defRPr>
       </a:lvl4pPr>
-      <a:lvl5pPr lvl="4" marR="0" rtl="0" algn="l">
+      <a:lvl5pPr marR="0" lvl="4" algn="l" rtl="0">
         <a:lnSpc>
           <a:spcPct val="100000"/>
         </a:lnSpc>
@@ -7403,7 +7590,7 @@
           <a:srgbClr val="000000"/>
         </a:buClr>
         <a:buFont typeface="Arial"/>
-        <a:defRPr b="0" i="0" sz="1400" u="none" cap="none" strike="noStrike">
+        <a:defRPr sz="1400" b="0" i="0" u="none" strike="noStrike" cap="none">
           <a:solidFill>
             <a:srgbClr val="000000"/>
           </a:solidFill>
@@ -7413,7 +7600,7 @@
           <a:sym typeface="Arial"/>
         </a:defRPr>
       </a:lvl5pPr>
-      <a:lvl6pPr lvl="5" marR="0" rtl="0" algn="l">
+      <a:lvl6pPr marR="0" lvl="5" algn="l" rtl="0">
         <a:lnSpc>
           <a:spcPct val="100000"/>
         </a:lnSpc>
@@ -7427,7 +7614,7 @@
           <a:srgbClr val="000000"/>
         </a:buClr>
         <a:buFont typeface="Arial"/>
-        <a:defRPr b="0" i="0" sz="1400" u="none" cap="none" strike="noStrike">
+        <a:defRPr sz="1400" b="0" i="0" u="none" strike="noStrike" cap="none">
           <a:solidFill>
             <a:srgbClr val="000000"/>
           </a:solidFill>
@@ -7437,7 +7624,7 @@
           <a:sym typeface="Arial"/>
         </a:defRPr>
       </a:lvl6pPr>
-      <a:lvl7pPr lvl="6" marR="0" rtl="0" algn="l">
+      <a:lvl7pPr marR="0" lvl="6" algn="l" rtl="0">
         <a:lnSpc>
           <a:spcPct val="100000"/>
         </a:lnSpc>
@@ -7451,7 +7638,7 @@
           <a:srgbClr val="000000"/>
         </a:buClr>
         <a:buFont typeface="Arial"/>
-        <a:defRPr b="0" i="0" sz="1400" u="none" cap="none" strike="noStrike">
+        <a:defRPr sz="1400" b="0" i="0" u="none" strike="noStrike" cap="none">
           <a:solidFill>
             <a:srgbClr val="000000"/>
           </a:solidFill>
@@ -7461,7 +7648,7 @@
           <a:sym typeface="Arial"/>
         </a:defRPr>
       </a:lvl7pPr>
-      <a:lvl8pPr lvl="7" marR="0" rtl="0" algn="l">
+      <a:lvl8pPr marR="0" lvl="7" algn="l" rtl="0">
         <a:lnSpc>
           <a:spcPct val="100000"/>
         </a:lnSpc>
@@ -7475,7 +7662,7 @@
           <a:srgbClr val="000000"/>
         </a:buClr>
         <a:buFont typeface="Arial"/>
-        <a:defRPr b="0" i="0" sz="1400" u="none" cap="none" strike="noStrike">
+        <a:defRPr sz="1400" b="0" i="0" u="none" strike="noStrike" cap="none">
           <a:solidFill>
             <a:srgbClr val="000000"/>
           </a:solidFill>
@@ -7485,7 +7672,7 @@
           <a:sym typeface="Arial"/>
         </a:defRPr>
       </a:lvl8pPr>
-      <a:lvl9pPr lvl="8" marR="0" rtl="0" algn="l">
+      <a:lvl9pPr marR="0" lvl="8" algn="l" rtl="0">
         <a:lnSpc>
           <a:spcPct val="100000"/>
         </a:lnSpc>
@@ -7499,7 +7686,7 @@
           <a:srgbClr val="000000"/>
         </a:buClr>
         <a:buFont typeface="Arial"/>
-        <a:defRPr b="0" i="0" sz="1400" u="none" cap="none" strike="noStrike">
+        <a:defRPr sz="1400" b="0" i="0" u="none" strike="noStrike" cap="none">
           <a:solidFill>
             <a:srgbClr val="000000"/>
           </a:solidFill>
@@ -7515,11 +7702,11 @@
 </file>
 
 <file path=ppt/slides/slide1.xml><?xml version="1.0" encoding="utf-8"?>
-<p:sld xmlns:a="http://schemas.openxmlformats.org/drawingml/2006/main" xmlns:r="http://schemas.openxmlformats.org/officeDocument/2006/relationships" xmlns:mc="http://schemas.openxmlformats.org/markup-compatibility/2006" xmlns:mv="urn:schemas-microsoft-com:mac:vml" xmlns:p="http://schemas.openxmlformats.org/presentationml/2006/main" xmlns:c="http://schemas.openxmlformats.org/drawingml/2006/chart" xmlns:dgm="http://schemas.openxmlformats.org/drawingml/2006/diagram" xmlns:o="urn:schemas-microsoft-com:office:office" xmlns:v="urn:schemas-microsoft-com:vml" xmlns:pvml="urn:schemas-microsoft-com:office:powerpoint" xmlns:com="http://schemas.openxmlformats.org/drawingml/2006/compatibility" xmlns:p14="http://schemas.microsoft.com/office/powerpoint/2010/main" xmlns:p15="http://schemas.microsoft.com/office/powerpoint/2012/main" xmlns:ahyp="http://schemas.microsoft.com/office/drawing/2018/hyperlinkcolor">
+<p:sld xmlns:a="http://schemas.openxmlformats.org/drawingml/2006/main" xmlns:r="http://schemas.openxmlformats.org/officeDocument/2006/relationships" xmlns:p="http://schemas.openxmlformats.org/presentationml/2006/main">
   <p:cSld>
     <p:spTree>
       <p:nvGrpSpPr>
-        <p:cNvPr id="58" name="Shape 58"/>
+        <p:cNvPr id="1" name="Shape 58"/>
         <p:cNvGrpSpPr/>
         <p:nvPr/>
       </p:nvGrpSpPr>
@@ -7534,7 +7721,9 @@
       <p:sp>
         <p:nvSpPr>
           <p:cNvPr id="59" name="Google Shape;59;p13"/>
-          <p:cNvSpPr txBox="1"/>
+          <p:cNvSpPr txBox="1">
+            <a:spLocks noGrp="1"/>
+          </p:cNvSpPr>
           <p:nvPr>
             <p:ph type="ctrTitle"/>
           </p:nvPr>
@@ -7549,12 +7738,12 @@
           </a:prstGeom>
         </p:spPr>
         <p:txBody>
-          <a:bodyPr anchorCtr="0" anchor="b" bIns="91425" lIns="91425" spcFirstLastPara="1" rIns="91425" wrap="square" tIns="91425">
+          <a:bodyPr spcFirstLastPara="1" wrap="square" lIns="91425" tIns="91425" rIns="91425" bIns="91425" anchor="b" anchorCtr="0">
             <a:normAutofit/>
           </a:bodyPr>
           <a:lstStyle/>
           <a:p>
-            <a:pPr indent="0" lvl="0" marL="0" rtl="0" algn="l">
+            <a:pPr marL="0" lvl="0" indent="0" algn="l" rtl="0">
               <a:spcBef>
                 <a:spcPts val="0"/>
               </a:spcBef>
@@ -7574,9 +7763,11 @@
       <p:sp>
         <p:nvSpPr>
           <p:cNvPr id="60" name="Google Shape;60;p13"/>
-          <p:cNvSpPr txBox="1"/>
+          <p:cNvSpPr txBox="1">
+            <a:spLocks noGrp="1"/>
+          </p:cNvSpPr>
           <p:nvPr>
-            <p:ph idx="1" type="subTitle"/>
+            <p:ph type="subTitle" idx="1"/>
           </p:nvPr>
         </p:nvSpPr>
         <p:spPr>
@@ -7589,12 +7780,12 @@
           </a:prstGeom>
         </p:spPr>
         <p:txBody>
-          <a:bodyPr anchorCtr="0" anchor="t" bIns="91425" lIns="91425" spcFirstLastPara="1" rIns="91425" wrap="square" tIns="91425">
+          <a:bodyPr spcFirstLastPara="1" wrap="square" lIns="91425" tIns="91425" rIns="91425" bIns="91425" anchor="t" anchorCtr="0">
             <a:normAutofit fontScale="70000" lnSpcReduction="20000"/>
           </a:bodyPr>
           <a:lstStyle/>
           <a:p>
-            <a:pPr indent="0" lvl="0" marL="0" rtl="0" algn="l">
+            <a:pPr marL="0" lvl="0" indent="0" algn="l" rtl="0">
               <a:spcBef>
                 <a:spcPts val="0"/>
               </a:spcBef>
@@ -7610,7 +7801,7 @@
             <a:endParaRPr/>
           </a:p>
           <a:p>
-            <a:pPr indent="0" lvl="0" marL="0" rtl="0" algn="l">
+            <a:pPr marL="0" lvl="0" indent="0" algn="l" rtl="0">
               <a:spcBef>
                 <a:spcPts val="0"/>
               </a:spcBef>
@@ -7636,11 +7827,11 @@
 </file>
 
 <file path=ppt/slides/slide10.xml><?xml version="1.0" encoding="utf-8"?>
-<p:sld xmlns:a="http://schemas.openxmlformats.org/drawingml/2006/main" xmlns:r="http://schemas.openxmlformats.org/officeDocument/2006/relationships" xmlns:mc="http://schemas.openxmlformats.org/markup-compatibility/2006" xmlns:mv="urn:schemas-microsoft-com:mac:vml" xmlns:p="http://schemas.openxmlformats.org/presentationml/2006/main" xmlns:c="http://schemas.openxmlformats.org/drawingml/2006/chart" xmlns:dgm="http://schemas.openxmlformats.org/drawingml/2006/diagram" xmlns:o="urn:schemas-microsoft-com:office:office" xmlns:v="urn:schemas-microsoft-com:vml" xmlns:pvml="urn:schemas-microsoft-com:office:powerpoint" xmlns:com="http://schemas.openxmlformats.org/drawingml/2006/compatibility" xmlns:p14="http://schemas.microsoft.com/office/powerpoint/2010/main" xmlns:p15="http://schemas.microsoft.com/office/powerpoint/2012/main" xmlns:ahyp="http://schemas.microsoft.com/office/drawing/2018/hyperlinkcolor">
+<p:sld xmlns:a="http://schemas.openxmlformats.org/drawingml/2006/main" xmlns:r="http://schemas.openxmlformats.org/officeDocument/2006/relationships" xmlns:p="http://schemas.openxmlformats.org/presentationml/2006/main">
   <p:cSld>
     <p:spTree>
       <p:nvGrpSpPr>
-        <p:cNvPr id="115" name="Shape 115"/>
+        <p:cNvPr id="1" name="Shape 115"/>
         <p:cNvGrpSpPr/>
         <p:nvPr/>
       </p:nvGrpSpPr>
@@ -7655,7 +7846,9 @@
       <p:sp>
         <p:nvSpPr>
           <p:cNvPr id="116" name="Google Shape;116;p22"/>
-          <p:cNvSpPr txBox="1"/>
+          <p:cNvSpPr txBox="1">
+            <a:spLocks noGrp="1"/>
+          </p:cNvSpPr>
           <p:nvPr>
             <p:ph type="title"/>
           </p:nvPr>
@@ -7670,12 +7863,12 @@
           </a:prstGeom>
         </p:spPr>
         <p:txBody>
-          <a:bodyPr anchorCtr="0" anchor="t" bIns="91425" lIns="91425" spcFirstLastPara="1" rIns="91425" wrap="square" tIns="91425">
+          <a:bodyPr spcFirstLastPara="1" wrap="square" lIns="91425" tIns="91425" rIns="91425" bIns="91425" anchor="t" anchorCtr="0">
             <a:normAutofit fontScale="90000"/>
           </a:bodyPr>
           <a:lstStyle/>
           <a:p>
-            <a:pPr indent="0" lvl="0" marL="0" rtl="0" algn="l">
+            <a:pPr marL="0" lvl="0" indent="0" algn="l" rtl="0">
               <a:spcBef>
                 <a:spcPts val="0"/>
               </a:spcBef>
@@ -7875,23 +8068,23 @@
             <a:avLst/>
           </a:prstGeom>
           <a:noFill/>
-          <a:ln cap="flat" cmpd="sng" w="76200">
+          <a:ln w="76200" cap="flat" cmpd="sng">
             <a:solidFill>
               <a:schemeClr val="accent5"/>
             </a:solidFill>
             <a:prstDash val="solid"/>
             <a:round/>
-            <a:headEnd len="sm" w="sm" type="none"/>
-            <a:tailEnd len="sm" w="sm" type="none"/>
+            <a:headEnd type="none" w="sm" len="sm"/>
+            <a:tailEnd type="none" w="sm" len="sm"/>
           </a:ln>
         </p:spPr>
         <p:txBody>
-          <a:bodyPr anchorCtr="0" anchor="ctr" bIns="91425" lIns="91425" spcFirstLastPara="1" rIns="91425" wrap="square" tIns="91425">
+          <a:bodyPr spcFirstLastPara="1" wrap="square" lIns="91425" tIns="91425" rIns="91425" bIns="91425" anchor="ctr" anchorCtr="0">
             <a:noAutofit/>
           </a:bodyPr>
           <a:lstStyle/>
           <a:p>
-            <a:pPr indent="0" lvl="0" marL="0" rtl="0" algn="l">
+            <a:pPr marL="0" lvl="0" indent="0" algn="l" rtl="0">
               <a:spcBef>
                 <a:spcPts val="0"/>
               </a:spcBef>
@@ -7900,9 +8093,6 @@
               </a:spcAft>
               <a:buNone/>
             </a:pPr>
-            <a:r>
-              <a:t/>
-            </a:r>
             <a:endParaRPr/>
           </a:p>
         </p:txBody>
@@ -7920,30 +8110,30 @@
           </a:xfrm>
           <a:prstGeom prst="star10">
             <a:avLst>
-              <a:gd fmla="val 42533" name="adj"/>
-              <a:gd fmla="val 105146" name="hf"/>
+              <a:gd name="adj" fmla="val 42533"/>
+              <a:gd name="hf" fmla="val 105146"/>
             </a:avLst>
           </a:prstGeom>
           <a:solidFill>
             <a:srgbClr val="FF9900"/>
           </a:solidFill>
-          <a:ln cap="flat" cmpd="sng" w="9525">
+          <a:ln w="9525" cap="flat" cmpd="sng">
             <a:solidFill>
               <a:schemeClr val="dk2"/>
             </a:solidFill>
             <a:prstDash val="solid"/>
             <a:round/>
-            <a:headEnd len="sm" w="sm" type="none"/>
-            <a:tailEnd len="sm" w="sm" type="none"/>
+            <a:headEnd type="none" w="sm" len="sm"/>
+            <a:tailEnd type="none" w="sm" len="sm"/>
           </a:ln>
         </p:spPr>
         <p:txBody>
-          <a:bodyPr anchorCtr="0" anchor="ctr" bIns="91425" lIns="91425" spcFirstLastPara="1" rIns="91425" wrap="square" tIns="91425">
+          <a:bodyPr spcFirstLastPara="1" wrap="square" lIns="91425" tIns="91425" rIns="91425" bIns="91425" anchor="ctr" anchorCtr="0">
             <a:noAutofit/>
           </a:bodyPr>
           <a:lstStyle/>
           <a:p>
-            <a:pPr indent="0" lvl="0" marL="0" rtl="0" algn="l">
+            <a:pPr marL="0" lvl="0" indent="0" algn="l" rtl="0">
               <a:spcBef>
                 <a:spcPts val="0"/>
               </a:spcBef>
@@ -7973,30 +8163,30 @@
           </a:xfrm>
           <a:prstGeom prst="star10">
             <a:avLst>
-              <a:gd fmla="val 42533" name="adj"/>
-              <a:gd fmla="val 105146" name="hf"/>
+              <a:gd name="adj" fmla="val 42533"/>
+              <a:gd name="hf" fmla="val 105146"/>
             </a:avLst>
           </a:prstGeom>
           <a:solidFill>
             <a:srgbClr val="FF9900"/>
           </a:solidFill>
-          <a:ln cap="flat" cmpd="sng" w="9525">
+          <a:ln w="9525" cap="flat" cmpd="sng">
             <a:solidFill>
               <a:schemeClr val="dk2"/>
             </a:solidFill>
             <a:prstDash val="solid"/>
             <a:round/>
-            <a:headEnd len="sm" w="sm" type="none"/>
-            <a:tailEnd len="sm" w="sm" type="none"/>
+            <a:headEnd type="none" w="sm" len="sm"/>
+            <a:tailEnd type="none" w="sm" len="sm"/>
           </a:ln>
         </p:spPr>
         <p:txBody>
-          <a:bodyPr anchorCtr="0" anchor="ctr" bIns="91425" lIns="91425" spcFirstLastPara="1" rIns="91425" wrap="square" tIns="91425">
+          <a:bodyPr spcFirstLastPara="1" wrap="square" lIns="91425" tIns="91425" rIns="91425" bIns="91425" anchor="ctr" anchorCtr="0">
             <a:noAutofit/>
           </a:bodyPr>
           <a:lstStyle/>
           <a:p>
-            <a:pPr indent="0" lvl="0" marL="0" rtl="0" algn="l">
+            <a:pPr marL="0" lvl="0" indent="0" algn="l" rtl="0">
               <a:spcBef>
                 <a:spcPts val="0"/>
               </a:spcBef>
@@ -8026,30 +8216,30 @@
           </a:xfrm>
           <a:prstGeom prst="star10">
             <a:avLst>
-              <a:gd fmla="val 42533" name="adj"/>
-              <a:gd fmla="val 105146" name="hf"/>
+              <a:gd name="adj" fmla="val 42533"/>
+              <a:gd name="hf" fmla="val 105146"/>
             </a:avLst>
           </a:prstGeom>
           <a:solidFill>
             <a:srgbClr val="FF9900"/>
           </a:solidFill>
-          <a:ln cap="flat" cmpd="sng" w="9525">
+          <a:ln w="9525" cap="flat" cmpd="sng">
             <a:solidFill>
               <a:schemeClr val="dk2"/>
             </a:solidFill>
             <a:prstDash val="solid"/>
             <a:round/>
-            <a:headEnd len="sm" w="sm" type="none"/>
-            <a:tailEnd len="sm" w="sm" type="none"/>
+            <a:headEnd type="none" w="sm" len="sm"/>
+            <a:tailEnd type="none" w="sm" len="sm"/>
           </a:ln>
         </p:spPr>
         <p:txBody>
-          <a:bodyPr anchorCtr="0" anchor="ctr" bIns="91425" lIns="91425" spcFirstLastPara="1" rIns="91425" wrap="square" tIns="91425">
+          <a:bodyPr spcFirstLastPara="1" wrap="square" lIns="91425" tIns="91425" rIns="91425" bIns="91425" anchor="ctr" anchorCtr="0">
             <a:noAutofit/>
           </a:bodyPr>
           <a:lstStyle/>
           <a:p>
-            <a:pPr indent="0" lvl="0" marL="0" rtl="0" algn="l">
+            <a:pPr marL="0" lvl="0" indent="0" algn="l" rtl="0">
               <a:spcBef>
                 <a:spcPts val="0"/>
               </a:spcBef>
@@ -8074,32 +8264,32 @@
   <p:timing>
     <p:tnLst>
       <p:par>
-        <p:cTn dur="indefinite" nodeType="tmRoot" restart="never">
+        <p:cTn id="1" dur="indefinite" restart="never" nodeType="tmRoot">
           <p:childTnLst>
             <p:seq concurrent="1" nextAc="seek">
-              <p:cTn dur="indefinite" id="2" nodeType="mainSeq">
+              <p:cTn id="2" dur="indefinite" nodeType="mainSeq">
                 <p:childTnLst>
                   <p:par>
-                    <p:cTn fill="hold">
+                    <p:cTn id="3" fill="hold">
                       <p:stCondLst>
                         <p:cond delay="indefinite"/>
                       </p:stCondLst>
                       <p:childTnLst>
                         <p:par>
-                          <p:cTn fill="hold">
+                          <p:cTn id="4" fill="hold">
                             <p:stCondLst>
                               <p:cond delay="0"/>
                             </p:stCondLst>
                             <p:childTnLst>
                               <p:par>
-                                <p:cTn fill="hold" nodeType="clickEffect" presetClass="entr" presetID="10" presetSubtype="0">
+                                <p:cTn id="5" presetID="10" presetClass="entr" presetSubtype="0" fill="hold" nodeType="clickEffect">
                                   <p:stCondLst>
                                     <p:cond delay="0"/>
                                   </p:stCondLst>
                                   <p:childTnLst>
                                     <p:set>
                                       <p:cBhvr>
-                                        <p:cTn dur="1" fill="hold">
+                                        <p:cTn id="6" dur="1" fill="hold">
                                           <p:stCondLst>
                                             <p:cond delay="0"/>
                                           </p:stCondLst>
@@ -8115,9 +8305,9 @@
                                         <p:strVal val="visible"/>
                                       </p:to>
                                     </p:set>
-                                    <p:animEffect filter="fade" transition="in">
+                                    <p:animEffect transition="in" filter="fade">
                                       <p:cBhvr>
-                                        <p:cTn dur="1000"/>
+                                        <p:cTn id="7" dur="1000"/>
                                         <p:tgtEl>
                                           <p:spTgt spid="124"/>
                                         </p:tgtEl>
@@ -8127,14 +8317,14 @@
                                 </p:cTn>
                               </p:par>
                               <p:par>
-                                <p:cTn fill="hold" nodeType="withEffect" presetClass="entr" presetID="10" presetSubtype="0">
+                                <p:cTn id="8" presetID="10" presetClass="entr" presetSubtype="0" fill="hold" nodeType="withEffect">
                                   <p:stCondLst>
                                     <p:cond delay="0"/>
                                   </p:stCondLst>
                                   <p:childTnLst>
                                     <p:set>
                                       <p:cBhvr>
-                                        <p:cTn dur="1" fill="hold">
+                                        <p:cTn id="9" dur="1" fill="hold">
                                           <p:stCondLst>
                                             <p:cond delay="0"/>
                                           </p:stCondLst>
@@ -8150,9 +8340,9 @@
                                         <p:strVal val="visible"/>
                                       </p:to>
                                     </p:set>
-                                    <p:animEffect filter="fade" transition="in">
+                                    <p:animEffect transition="in" filter="fade">
                                       <p:cBhvr>
-                                        <p:cTn dur="1000"/>
+                                        <p:cTn id="10" dur="1000"/>
                                         <p:tgtEl>
                                           <p:spTgt spid="125"/>
                                         </p:tgtEl>
@@ -8162,14 +8352,14 @@
                                 </p:cTn>
                               </p:par>
                               <p:par>
-                                <p:cTn fill="hold" nodeType="withEffect" presetClass="entr" presetID="10" presetSubtype="0">
+                                <p:cTn id="11" presetID="10" presetClass="entr" presetSubtype="0" fill="hold" nodeType="withEffect">
                                   <p:stCondLst>
                                     <p:cond delay="0"/>
                                   </p:stCondLst>
                                   <p:childTnLst>
                                     <p:set>
                                       <p:cBhvr>
-                                        <p:cTn dur="1" fill="hold">
+                                        <p:cTn id="12" dur="1" fill="hold">
                                           <p:stCondLst>
                                             <p:cond delay="0"/>
                                           </p:stCondLst>
@@ -8185,9 +8375,9 @@
                                         <p:strVal val="visible"/>
                                       </p:to>
                                     </p:set>
-                                    <p:animEffect filter="fade" transition="in">
+                                    <p:animEffect transition="in" filter="fade">
                                       <p:cBhvr>
-                                        <p:cTn dur="1000"/>
+                                        <p:cTn id="13" dur="1000"/>
                                         <p:tgtEl>
                                           <p:spTgt spid="126"/>
                                         </p:tgtEl>
@@ -8197,14 +8387,14 @@
                                 </p:cTn>
                               </p:par>
                               <p:par>
-                                <p:cTn fill="hold" nodeType="withEffect" presetClass="entr" presetID="10" presetSubtype="0">
+                                <p:cTn id="14" presetID="10" presetClass="entr" presetSubtype="0" fill="hold" nodeType="withEffect">
                                   <p:stCondLst>
                                     <p:cond delay="0"/>
                                   </p:stCondLst>
                                   <p:childTnLst>
                                     <p:set>
                                       <p:cBhvr>
-                                        <p:cTn dur="1" fill="hold">
+                                        <p:cTn id="15" dur="1" fill="hold">
                                           <p:stCondLst>
                                             <p:cond delay="0"/>
                                           </p:stCondLst>
@@ -8220,9 +8410,9 @@
                                         <p:strVal val="visible"/>
                                       </p:to>
                                     </p:set>
-                                    <p:animEffect filter="fade" transition="in">
+                                    <p:animEffect transition="in" filter="fade">
                                       <p:cBhvr>
-                                        <p:cTn dur="1000"/>
+                                        <p:cTn id="16" dur="1000"/>
                                         <p:tgtEl>
                                           <p:spTgt spid="118"/>
                                         </p:tgtEl>
@@ -8232,14 +8422,14 @@
                                 </p:cTn>
                               </p:par>
                               <p:par>
-                                <p:cTn fill="hold" nodeType="withEffect" presetClass="entr" presetID="10" presetSubtype="0">
+                                <p:cTn id="17" presetID="10" presetClass="entr" presetSubtype="0" fill="hold" nodeType="withEffect">
                                   <p:stCondLst>
                                     <p:cond delay="0"/>
                                   </p:stCondLst>
                                   <p:childTnLst>
                                     <p:set>
                                       <p:cBhvr>
-                                        <p:cTn dur="1" fill="hold">
+                                        <p:cTn id="18" dur="1" fill="hold">
                                           <p:stCondLst>
                                             <p:cond delay="0"/>
                                           </p:stCondLst>
@@ -8255,9 +8445,9 @@
                                         <p:strVal val="visible"/>
                                       </p:to>
                                     </p:set>
-                                    <p:animEffect filter="fade" transition="in">
+                                    <p:animEffect transition="in" filter="fade">
                                       <p:cBhvr>
-                                        <p:cTn dur="1000"/>
+                                        <p:cTn id="19" dur="1000"/>
                                         <p:tgtEl>
                                           <p:spTgt spid="120"/>
                                         </p:tgtEl>
@@ -8267,14 +8457,14 @@
                                 </p:cTn>
                               </p:par>
                               <p:par>
-                                <p:cTn fill="hold" nodeType="withEffect" presetClass="entr" presetID="10" presetSubtype="0">
+                                <p:cTn id="20" presetID="10" presetClass="entr" presetSubtype="0" fill="hold" nodeType="withEffect">
                                   <p:stCondLst>
                                     <p:cond delay="0"/>
                                   </p:stCondLst>
                                   <p:childTnLst>
                                     <p:set>
                                       <p:cBhvr>
-                                        <p:cTn dur="1" fill="hold">
+                                        <p:cTn id="21" dur="1" fill="hold">
                                           <p:stCondLst>
                                             <p:cond delay="0"/>
                                           </p:stCondLst>
@@ -8290,9 +8480,9 @@
                                         <p:strVal val="visible"/>
                                       </p:to>
                                     </p:set>
-                                    <p:animEffect filter="fade" transition="in">
+                                    <p:animEffect transition="in" filter="fade">
                                       <p:cBhvr>
-                                        <p:cTn dur="1000"/>
+                                        <p:cTn id="22" dur="1000"/>
                                         <p:tgtEl>
                                           <p:spTgt spid="122"/>
                                         </p:tgtEl>
@@ -8308,26 +8498,26 @@
                     </p:cTn>
                   </p:par>
                   <p:par>
-                    <p:cTn fill="hold">
+                    <p:cTn id="23" fill="hold">
                       <p:stCondLst>
                         <p:cond delay="indefinite"/>
                       </p:stCondLst>
                       <p:childTnLst>
                         <p:par>
-                          <p:cTn fill="hold">
+                          <p:cTn id="24" fill="hold">
                             <p:stCondLst>
                               <p:cond delay="0"/>
                             </p:stCondLst>
                             <p:childTnLst>
                               <p:par>
-                                <p:cTn fill="hold" nodeType="clickEffect" presetClass="entr" presetID="10" presetSubtype="0">
+                                <p:cTn id="25" presetID="10" presetClass="entr" presetSubtype="0" fill="hold" nodeType="clickEffect">
                                   <p:stCondLst>
                                     <p:cond delay="0"/>
                                   </p:stCondLst>
                                   <p:childTnLst>
                                     <p:set>
                                       <p:cBhvr>
-                                        <p:cTn dur="1" fill="hold">
+                                        <p:cTn id="26" dur="1" fill="hold">
                                           <p:stCondLst>
                                             <p:cond delay="0"/>
                                           </p:stCondLst>
@@ -8343,9 +8533,9 @@
                                         <p:strVal val="visible"/>
                                       </p:to>
                                     </p:set>
-                                    <p:animEffect filter="fade" transition="in">
+                                    <p:animEffect transition="in" filter="fade">
                                       <p:cBhvr>
-                                        <p:cTn dur="1000"/>
+                                        <p:cTn id="27" dur="1000"/>
                                         <p:tgtEl>
                                           <p:spTgt spid="117"/>
                                         </p:tgtEl>
@@ -8355,14 +8545,14 @@
                                 </p:cTn>
                               </p:par>
                               <p:par>
-                                <p:cTn fill="hold" nodeType="withEffect" presetClass="entr" presetID="10" presetSubtype="0">
+                                <p:cTn id="28" presetID="10" presetClass="entr" presetSubtype="0" fill="hold" nodeType="withEffect">
                                   <p:stCondLst>
                                     <p:cond delay="0"/>
                                   </p:stCondLst>
                                   <p:childTnLst>
                                     <p:set>
                                       <p:cBhvr>
-                                        <p:cTn dur="1" fill="hold">
+                                        <p:cTn id="29" dur="1" fill="hold">
                                           <p:stCondLst>
                                             <p:cond delay="0"/>
                                           </p:stCondLst>
@@ -8378,9 +8568,9 @@
                                         <p:strVal val="visible"/>
                                       </p:to>
                                     </p:set>
-                                    <p:animEffect filter="fade" transition="in">
+                                    <p:animEffect transition="in" filter="fade">
                                       <p:cBhvr>
-                                        <p:cTn dur="1000"/>
+                                        <p:cTn id="30" dur="1000"/>
                                         <p:tgtEl>
                                           <p:spTgt spid="119"/>
                                         </p:tgtEl>
@@ -8390,14 +8580,14 @@
                                 </p:cTn>
                               </p:par>
                               <p:par>
-                                <p:cTn fill="hold" nodeType="withEffect" presetClass="entr" presetID="10" presetSubtype="0">
+                                <p:cTn id="31" presetID="10" presetClass="entr" presetSubtype="0" fill="hold" nodeType="withEffect">
                                   <p:stCondLst>
                                     <p:cond delay="0"/>
                                   </p:stCondLst>
                                   <p:childTnLst>
                                     <p:set>
                                       <p:cBhvr>
-                                        <p:cTn dur="1" fill="hold">
+                                        <p:cTn id="32" dur="1" fill="hold">
                                           <p:stCondLst>
                                             <p:cond delay="0"/>
                                           </p:stCondLst>
@@ -8413,9 +8603,9 @@
                                         <p:strVal val="visible"/>
                                       </p:to>
                                     </p:set>
-                                    <p:animEffect filter="fade" transition="in">
+                                    <p:animEffect transition="in" filter="fade">
                                       <p:cBhvr>
-                                        <p:cTn dur="1000"/>
+                                        <p:cTn id="33" dur="1000"/>
                                         <p:tgtEl>
                                           <p:spTgt spid="121"/>
                                         </p:tgtEl>
@@ -8431,26 +8621,26 @@
                     </p:cTn>
                   </p:par>
                   <p:par>
-                    <p:cTn fill="hold">
+                    <p:cTn id="34" fill="hold">
                       <p:stCondLst>
                         <p:cond delay="indefinite"/>
                       </p:stCondLst>
                       <p:childTnLst>
                         <p:par>
-                          <p:cTn fill="hold">
+                          <p:cTn id="35" fill="hold">
                             <p:stCondLst>
                               <p:cond delay="0"/>
                             </p:stCondLst>
                             <p:childTnLst>
                               <p:par>
-                                <p:cTn fill="hold" nodeType="clickEffect" presetClass="entr" presetID="10" presetSubtype="0">
+                                <p:cTn id="36" presetID="10" presetClass="entr" presetSubtype="0" fill="hold" nodeType="clickEffect">
                                   <p:stCondLst>
                                     <p:cond delay="0"/>
                                   </p:stCondLst>
                                   <p:childTnLst>
                                     <p:set>
                                       <p:cBhvr>
-                                        <p:cTn dur="1" fill="hold">
+                                        <p:cTn id="37" dur="1" fill="hold">
                                           <p:stCondLst>
                                             <p:cond delay="0"/>
                                           </p:stCondLst>
@@ -8466,9 +8656,9 @@
                                         <p:strVal val="visible"/>
                                       </p:to>
                                     </p:set>
-                                    <p:animEffect filter="fade" transition="in">
+                                    <p:animEffect transition="in" filter="fade">
                                       <p:cBhvr>
-                                        <p:cTn dur="1600"/>
+                                        <p:cTn id="38" dur="1600"/>
                                         <p:tgtEl>
                                           <p:spTgt spid="123"/>
                                         </p:tgtEl>
@@ -8486,14 +8676,14 @@
                 </p:childTnLst>
               </p:cTn>
               <p:prevCondLst>
-                <p:cond evt="onPrev">
+                <p:cond evt="onPrev" delay="0">
                   <p:tgtEl>
                     <p:sldTgt/>
                   </p:tgtEl>
                 </p:cond>
               </p:prevCondLst>
               <p:nextCondLst>
-                <p:cond evt="onNext">
+                <p:cond evt="onNext" delay="0">
                   <p:tgtEl>
                     <p:sldTgt/>
                   </p:tgtEl>
@@ -8509,11 +8699,11 @@
 </file>
 
 <file path=ppt/slides/slide11.xml><?xml version="1.0" encoding="utf-8"?>
-<p:sld xmlns:a="http://schemas.openxmlformats.org/drawingml/2006/main" xmlns:r="http://schemas.openxmlformats.org/officeDocument/2006/relationships" xmlns:mc="http://schemas.openxmlformats.org/markup-compatibility/2006" xmlns:mv="urn:schemas-microsoft-com:mac:vml" xmlns:p="http://schemas.openxmlformats.org/presentationml/2006/main" xmlns:c="http://schemas.openxmlformats.org/drawingml/2006/chart" xmlns:dgm="http://schemas.openxmlformats.org/drawingml/2006/diagram" xmlns:o="urn:schemas-microsoft-com:office:office" xmlns:v="urn:schemas-microsoft-com:vml" xmlns:pvml="urn:schemas-microsoft-com:office:powerpoint" xmlns:com="http://schemas.openxmlformats.org/drawingml/2006/compatibility" xmlns:p14="http://schemas.microsoft.com/office/powerpoint/2010/main" xmlns:p15="http://schemas.microsoft.com/office/powerpoint/2012/main" xmlns:ahyp="http://schemas.microsoft.com/office/drawing/2018/hyperlinkcolor">
+<p:sld xmlns:a="http://schemas.openxmlformats.org/drawingml/2006/main" xmlns:r="http://schemas.openxmlformats.org/officeDocument/2006/relationships" xmlns:p="http://schemas.openxmlformats.org/presentationml/2006/main">
   <p:cSld>
     <p:spTree>
       <p:nvGrpSpPr>
-        <p:cNvPr id="130" name="Shape 130"/>
+        <p:cNvPr id="1" name="Shape 130"/>
         <p:cNvGrpSpPr/>
         <p:nvPr/>
       </p:nvGrpSpPr>
@@ -8528,7 +8718,9 @@
       <p:sp>
         <p:nvSpPr>
           <p:cNvPr id="131" name="Google Shape;131;p23"/>
-          <p:cNvSpPr txBox="1"/>
+          <p:cNvSpPr txBox="1">
+            <a:spLocks noGrp="1"/>
+          </p:cNvSpPr>
           <p:nvPr>
             <p:ph type="title"/>
           </p:nvPr>
@@ -8543,12 +8735,12 @@
           </a:prstGeom>
         </p:spPr>
         <p:txBody>
-          <a:bodyPr anchorCtr="0" anchor="t" bIns="91425" lIns="91425" spcFirstLastPara="1" rIns="91425" wrap="square" tIns="91425">
+          <a:bodyPr spcFirstLastPara="1" wrap="square" lIns="91425" tIns="91425" rIns="91425" bIns="91425" anchor="t" anchorCtr="0">
             <a:normAutofit fontScale="90000"/>
           </a:bodyPr>
           <a:lstStyle/>
           <a:p>
-            <a:pPr indent="0" lvl="0" marL="0" rtl="0" algn="l">
+            <a:pPr marL="0" lvl="0" indent="0" algn="l" rtl="0">
               <a:spcBef>
                 <a:spcPts val="0"/>
               </a:spcBef>
@@ -8690,30 +8882,30 @@
           </a:xfrm>
           <a:prstGeom prst="star10">
             <a:avLst>
-              <a:gd fmla="val 42533" name="adj"/>
-              <a:gd fmla="val 105146" name="hf"/>
+              <a:gd name="adj" fmla="val 42533"/>
+              <a:gd name="hf" fmla="val 105146"/>
             </a:avLst>
           </a:prstGeom>
           <a:solidFill>
             <a:srgbClr val="FF9900"/>
           </a:solidFill>
-          <a:ln cap="flat" cmpd="sng" w="9525">
+          <a:ln w="9525" cap="flat" cmpd="sng">
             <a:solidFill>
               <a:schemeClr val="dk2"/>
             </a:solidFill>
             <a:prstDash val="solid"/>
             <a:round/>
-            <a:headEnd len="sm" w="sm" type="none"/>
-            <a:tailEnd len="sm" w="sm" type="none"/>
+            <a:headEnd type="none" w="sm" len="sm"/>
+            <a:tailEnd type="none" w="sm" len="sm"/>
           </a:ln>
         </p:spPr>
         <p:txBody>
-          <a:bodyPr anchorCtr="0" anchor="ctr" bIns="91425" lIns="91425" spcFirstLastPara="1" rIns="91425" wrap="square" tIns="91425">
+          <a:bodyPr spcFirstLastPara="1" wrap="square" lIns="91425" tIns="91425" rIns="91425" bIns="91425" anchor="ctr" anchorCtr="0">
             <a:noAutofit/>
           </a:bodyPr>
           <a:lstStyle/>
           <a:p>
-            <a:pPr indent="0" lvl="0" marL="0" rtl="0" algn="l">
+            <a:pPr marL="0" lvl="0" indent="0" algn="l" rtl="0">
               <a:spcBef>
                 <a:spcPts val="0"/>
               </a:spcBef>
@@ -8743,30 +8935,30 @@
           </a:xfrm>
           <a:prstGeom prst="star10">
             <a:avLst>
-              <a:gd fmla="val 42533" name="adj"/>
-              <a:gd fmla="val 105146" name="hf"/>
+              <a:gd name="adj" fmla="val 42533"/>
+              <a:gd name="hf" fmla="val 105146"/>
             </a:avLst>
           </a:prstGeom>
           <a:solidFill>
             <a:srgbClr val="FF9900"/>
           </a:solidFill>
-          <a:ln cap="flat" cmpd="sng" w="9525">
+          <a:ln w="9525" cap="flat" cmpd="sng">
             <a:solidFill>
               <a:schemeClr val="dk2"/>
             </a:solidFill>
             <a:prstDash val="solid"/>
             <a:round/>
-            <a:headEnd len="sm" w="sm" type="none"/>
-            <a:tailEnd len="sm" w="sm" type="none"/>
+            <a:headEnd type="none" w="sm" len="sm"/>
+            <a:tailEnd type="none" w="sm" len="sm"/>
           </a:ln>
         </p:spPr>
         <p:txBody>
-          <a:bodyPr anchorCtr="0" anchor="ctr" bIns="91425" lIns="91425" spcFirstLastPara="1" rIns="91425" wrap="square" tIns="91425">
+          <a:bodyPr spcFirstLastPara="1" wrap="square" lIns="91425" tIns="91425" rIns="91425" bIns="91425" anchor="ctr" anchorCtr="0">
             <a:noAutofit/>
           </a:bodyPr>
           <a:lstStyle/>
           <a:p>
-            <a:pPr indent="0" lvl="0" marL="0" rtl="0" algn="l">
+            <a:pPr marL="0" lvl="0" indent="0" algn="l" rtl="0">
               <a:spcBef>
                 <a:spcPts val="0"/>
               </a:spcBef>
@@ -8791,30 +8983,30 @@
         </p:nvSpPr>
         <p:spPr>
           <a:xfrm>
-            <a:off x="2389025" y="4570250"/>
+            <a:off x="2389025" y="4653961"/>
             <a:ext cx="6243300" cy="423300"/>
           </a:xfrm>
           <a:prstGeom prst="rect">
             <a:avLst/>
           </a:prstGeom>
           <a:noFill/>
-          <a:ln cap="flat" cmpd="sng" w="76200">
+          <a:ln w="76200" cap="flat" cmpd="sng">
             <a:solidFill>
               <a:schemeClr val="accent5"/>
             </a:solidFill>
             <a:prstDash val="solid"/>
             <a:round/>
-            <a:headEnd len="sm" w="sm" type="none"/>
-            <a:tailEnd len="sm" w="sm" type="none"/>
+            <a:headEnd type="none" w="sm" len="sm"/>
+            <a:tailEnd type="none" w="sm" len="sm"/>
           </a:ln>
         </p:spPr>
         <p:txBody>
-          <a:bodyPr anchorCtr="0" anchor="ctr" bIns="91425" lIns="91425" spcFirstLastPara="1" rIns="91425" wrap="square" tIns="91425">
+          <a:bodyPr spcFirstLastPara="1" wrap="square" lIns="91425" tIns="91425" rIns="91425" bIns="91425" anchor="ctr" anchorCtr="0">
             <a:noAutofit/>
           </a:bodyPr>
           <a:lstStyle/>
           <a:p>
-            <a:pPr indent="0" lvl="0" marL="0" rtl="0" algn="l">
+            <a:pPr marL="0" lvl="0" indent="0" algn="l" rtl="0">
               <a:spcBef>
                 <a:spcPts val="0"/>
               </a:spcBef>
@@ -8823,9 +9015,6 @@
               </a:spcAft>
               <a:buNone/>
             </a:pPr>
-            <a:r>
-              <a:t/>
-            </a:r>
             <a:endParaRPr/>
           </a:p>
         </p:txBody>
@@ -8838,32 +9027,32 @@
   <p:timing>
     <p:tnLst>
       <p:par>
-        <p:cTn dur="indefinite" nodeType="tmRoot" restart="never">
+        <p:cTn id="1" dur="indefinite" restart="never" nodeType="tmRoot">
           <p:childTnLst>
             <p:seq concurrent="1" nextAc="seek">
-              <p:cTn dur="indefinite" id="2" nodeType="mainSeq">
+              <p:cTn id="2" dur="indefinite" nodeType="mainSeq">
                 <p:childTnLst>
                   <p:par>
-                    <p:cTn fill="hold">
+                    <p:cTn id="3" fill="hold">
                       <p:stCondLst>
                         <p:cond delay="indefinite"/>
                       </p:stCondLst>
                       <p:childTnLst>
                         <p:par>
-                          <p:cTn fill="hold">
+                          <p:cTn id="4" fill="hold">
                             <p:stCondLst>
                               <p:cond delay="0"/>
                             </p:stCondLst>
                             <p:childTnLst>
                               <p:par>
-                                <p:cTn fill="hold" nodeType="clickEffect" presetClass="entr" presetID="10" presetSubtype="0">
+                                <p:cTn id="5" presetID="10" presetClass="entr" presetSubtype="0" fill="hold" nodeType="clickEffect">
                                   <p:stCondLst>
                                     <p:cond delay="0"/>
                                   </p:stCondLst>
                                   <p:childTnLst>
                                     <p:set>
                                       <p:cBhvr>
-                                        <p:cTn dur="1" fill="hold">
+                                        <p:cTn id="6" dur="1" fill="hold">
                                           <p:stCondLst>
                                             <p:cond delay="0"/>
                                           </p:stCondLst>
@@ -8879,9 +9068,9 @@
                                         <p:strVal val="visible"/>
                                       </p:to>
                                     </p:set>
-                                    <p:animEffect filter="fade" transition="in">
+                                    <p:animEffect transition="in" filter="fade">
                                       <p:cBhvr>
-                                        <p:cTn dur="1000"/>
+                                        <p:cTn id="7" dur="1000"/>
                                         <p:tgtEl>
                                           <p:spTgt spid="133"/>
                                         </p:tgtEl>
@@ -8891,14 +9080,14 @@
                                 </p:cTn>
                               </p:par>
                               <p:par>
-                                <p:cTn fill="hold" nodeType="withEffect" presetClass="entr" presetID="10" presetSubtype="0">
+                                <p:cTn id="8" presetID="10" presetClass="entr" presetSubtype="0" fill="hold" nodeType="withEffect">
                                   <p:stCondLst>
                                     <p:cond delay="0"/>
                                   </p:stCondLst>
                                   <p:childTnLst>
                                     <p:set>
                                       <p:cBhvr>
-                                        <p:cTn dur="1" fill="hold">
+                                        <p:cTn id="9" dur="1" fill="hold">
                                           <p:stCondLst>
                                             <p:cond delay="0"/>
                                           </p:stCondLst>
@@ -8914,9 +9103,9 @@
                                         <p:strVal val="visible"/>
                                       </p:to>
                                     </p:set>
-                                    <p:animEffect filter="fade" transition="in">
+                                    <p:animEffect transition="in" filter="fade">
                                       <p:cBhvr>
-                                        <p:cTn dur="1000"/>
+                                        <p:cTn id="10" dur="1000"/>
                                         <p:tgtEl>
                                           <p:spTgt spid="134"/>
                                         </p:tgtEl>
@@ -8926,14 +9115,14 @@
                                 </p:cTn>
                               </p:par>
                               <p:par>
-                                <p:cTn fill="hold" nodeType="withEffect" presetClass="entr" presetID="10" presetSubtype="0">
+                                <p:cTn id="11" presetID="10" presetClass="entr" presetSubtype="0" fill="hold" nodeType="withEffect">
                                   <p:stCondLst>
                                     <p:cond delay="0"/>
                                   </p:stCondLst>
                                   <p:childTnLst>
                                     <p:set>
                                       <p:cBhvr>
-                                        <p:cTn dur="1" fill="hold">
+                                        <p:cTn id="12" dur="1" fill="hold">
                                           <p:stCondLst>
                                             <p:cond delay="0"/>
                                           </p:stCondLst>
@@ -8949,9 +9138,9 @@
                                         <p:strVal val="visible"/>
                                       </p:to>
                                     </p:set>
-                                    <p:animEffect filter="fade" transition="in">
+                                    <p:animEffect transition="in" filter="fade">
                                       <p:cBhvr>
-                                        <p:cTn dur="1000"/>
+                                        <p:cTn id="13" dur="1000"/>
                                         <p:tgtEl>
                                           <p:spTgt spid="136"/>
                                         </p:tgtEl>
@@ -8961,14 +9150,14 @@
                                 </p:cTn>
                               </p:par>
                               <p:par>
-                                <p:cTn fill="hold" nodeType="withEffect" presetClass="entr" presetID="10" presetSubtype="0">
+                                <p:cTn id="14" presetID="10" presetClass="entr" presetSubtype="0" fill="hold" nodeType="withEffect">
                                   <p:stCondLst>
                                     <p:cond delay="0"/>
                                   </p:stCondLst>
                                   <p:childTnLst>
                                     <p:set>
                                       <p:cBhvr>
-                                        <p:cTn dur="1" fill="hold">
+                                        <p:cTn id="15" dur="1" fill="hold">
                                           <p:stCondLst>
                                             <p:cond delay="0"/>
                                           </p:stCondLst>
@@ -8984,9 +9173,9 @@
                                         <p:strVal val="visible"/>
                                       </p:to>
                                     </p:set>
-                                    <p:animEffect filter="fade" transition="in">
+                                    <p:animEffect transition="in" filter="fade">
                                       <p:cBhvr>
-                                        <p:cTn dur="1000"/>
+                                        <p:cTn id="16" dur="1000"/>
                                         <p:tgtEl>
                                           <p:spTgt spid="137"/>
                                         </p:tgtEl>
@@ -9002,26 +9191,26 @@
                     </p:cTn>
                   </p:par>
                   <p:par>
-                    <p:cTn fill="hold">
+                    <p:cTn id="17" fill="hold">
                       <p:stCondLst>
                         <p:cond delay="indefinite"/>
                       </p:stCondLst>
                       <p:childTnLst>
                         <p:par>
-                          <p:cTn fill="hold">
+                          <p:cTn id="18" fill="hold">
                             <p:stCondLst>
                               <p:cond delay="0"/>
                             </p:stCondLst>
                             <p:childTnLst>
                               <p:par>
-                                <p:cTn fill="hold" nodeType="clickEffect" presetClass="entr" presetID="10" presetSubtype="0">
+                                <p:cTn id="19" presetID="10" presetClass="entr" presetSubtype="0" fill="hold" nodeType="clickEffect">
                                   <p:stCondLst>
                                     <p:cond delay="0"/>
                                   </p:stCondLst>
                                   <p:childTnLst>
                                     <p:set>
                                       <p:cBhvr>
-                                        <p:cTn dur="1" fill="hold">
+                                        <p:cTn id="20" dur="1" fill="hold">
                                           <p:stCondLst>
                                             <p:cond delay="0"/>
                                           </p:stCondLst>
@@ -9037,9 +9226,9 @@
                                         <p:strVal val="visible"/>
                                       </p:to>
                                     </p:set>
-                                    <p:animEffect filter="fade" transition="in">
+                                    <p:animEffect transition="in" filter="fade">
                                       <p:cBhvr>
-                                        <p:cTn dur="1000"/>
+                                        <p:cTn id="21" dur="1000"/>
                                         <p:tgtEl>
                                           <p:spTgt spid="132"/>
                                         </p:tgtEl>
@@ -9049,14 +9238,14 @@
                                 </p:cTn>
                               </p:par>
                               <p:par>
-                                <p:cTn fill="hold" nodeType="withEffect" presetClass="entr" presetID="10" presetSubtype="0">
+                                <p:cTn id="22" presetID="10" presetClass="entr" presetSubtype="0" fill="hold" nodeType="withEffect">
                                   <p:stCondLst>
                                     <p:cond delay="0"/>
                                   </p:stCondLst>
                                   <p:childTnLst>
                                     <p:set>
                                       <p:cBhvr>
-                                        <p:cTn dur="1" fill="hold">
+                                        <p:cTn id="23" dur="1" fill="hold">
                                           <p:stCondLst>
                                             <p:cond delay="0"/>
                                           </p:stCondLst>
@@ -9072,9 +9261,9 @@
                                         <p:strVal val="visible"/>
                                       </p:to>
                                     </p:set>
-                                    <p:animEffect filter="fade" transition="in">
+                                    <p:animEffect transition="in" filter="fade">
                                       <p:cBhvr>
-                                        <p:cTn dur="1000"/>
+                                        <p:cTn id="24" dur="1000"/>
                                         <p:tgtEl>
                                           <p:spTgt spid="135"/>
                                         </p:tgtEl>
@@ -9090,26 +9279,26 @@
                     </p:cTn>
                   </p:par>
                   <p:par>
-                    <p:cTn fill="hold">
+                    <p:cTn id="25" fill="hold">
                       <p:stCondLst>
                         <p:cond delay="indefinite"/>
                       </p:stCondLst>
                       <p:childTnLst>
                         <p:par>
-                          <p:cTn fill="hold">
+                          <p:cTn id="26" fill="hold">
                             <p:stCondLst>
                               <p:cond delay="0"/>
                             </p:stCondLst>
                             <p:childTnLst>
                               <p:par>
-                                <p:cTn fill="hold" nodeType="clickEffect" presetClass="entr" presetID="10" presetSubtype="0">
+                                <p:cTn id="27" presetID="10" presetClass="entr" presetSubtype="0" fill="hold" nodeType="clickEffect">
                                   <p:stCondLst>
                                     <p:cond delay="0"/>
                                   </p:stCondLst>
                                   <p:childTnLst>
                                     <p:set>
                                       <p:cBhvr>
-                                        <p:cTn dur="1" fill="hold">
+                                        <p:cTn id="28" dur="1" fill="hold">
                                           <p:stCondLst>
                                             <p:cond delay="0"/>
                                           </p:stCondLst>
@@ -9125,9 +9314,9 @@
                                         <p:strVal val="visible"/>
                                       </p:to>
                                     </p:set>
-                                    <p:animEffect filter="fade" transition="in">
+                                    <p:animEffect transition="in" filter="fade">
                                       <p:cBhvr>
-                                        <p:cTn dur="1000"/>
+                                        <p:cTn id="29" dur="1000"/>
                                         <p:tgtEl>
                                           <p:spTgt spid="138"/>
                                         </p:tgtEl>
@@ -9145,14 +9334,14 @@
                 </p:childTnLst>
               </p:cTn>
               <p:prevCondLst>
-                <p:cond evt="onPrev">
+                <p:cond evt="onPrev" delay="0">
                   <p:tgtEl>
                     <p:sldTgt/>
                   </p:tgtEl>
                 </p:cond>
               </p:prevCondLst>
               <p:nextCondLst>
-                <p:cond evt="onNext">
+                <p:cond evt="onNext" delay="0">
                   <p:tgtEl>
                     <p:sldTgt/>
                   </p:tgtEl>
@@ -9168,11 +9357,11 @@
 </file>
 
 <file path=ppt/slides/slide12.xml><?xml version="1.0" encoding="utf-8"?>
-<p:sld xmlns:a="http://schemas.openxmlformats.org/drawingml/2006/main" xmlns:r="http://schemas.openxmlformats.org/officeDocument/2006/relationships" xmlns:mc="http://schemas.openxmlformats.org/markup-compatibility/2006" xmlns:mv="urn:schemas-microsoft-com:mac:vml" xmlns:p="http://schemas.openxmlformats.org/presentationml/2006/main" xmlns:c="http://schemas.openxmlformats.org/drawingml/2006/chart" xmlns:dgm="http://schemas.openxmlformats.org/drawingml/2006/diagram" xmlns:o="urn:schemas-microsoft-com:office:office" xmlns:v="urn:schemas-microsoft-com:vml" xmlns:pvml="urn:schemas-microsoft-com:office:powerpoint" xmlns:com="http://schemas.openxmlformats.org/drawingml/2006/compatibility" xmlns:p14="http://schemas.microsoft.com/office/powerpoint/2010/main" xmlns:p15="http://schemas.microsoft.com/office/powerpoint/2012/main" xmlns:ahyp="http://schemas.microsoft.com/office/drawing/2018/hyperlinkcolor">
+<p:sld xmlns:a="http://schemas.openxmlformats.org/drawingml/2006/main" xmlns:r="http://schemas.openxmlformats.org/officeDocument/2006/relationships" xmlns:p="http://schemas.openxmlformats.org/presentationml/2006/main">
   <p:cSld>
     <p:spTree>
       <p:nvGrpSpPr>
-        <p:cNvPr id="142" name="Shape 142"/>
+        <p:cNvPr id="1" name="Shape 142"/>
         <p:cNvGrpSpPr/>
         <p:nvPr/>
       </p:nvGrpSpPr>
@@ -9215,7 +9404,9 @@
       <p:sp>
         <p:nvSpPr>
           <p:cNvPr id="144" name="Google Shape;144;p24"/>
-          <p:cNvSpPr txBox="1"/>
+          <p:cNvSpPr txBox="1">
+            <a:spLocks noGrp="1"/>
+          </p:cNvSpPr>
           <p:nvPr>
             <p:ph type="title"/>
           </p:nvPr>
@@ -9230,12 +9421,12 @@
           </a:prstGeom>
         </p:spPr>
         <p:txBody>
-          <a:bodyPr anchorCtr="0" anchor="t" bIns="91425" lIns="91425" spcFirstLastPara="1" rIns="91425" wrap="square" tIns="91425">
+          <a:bodyPr spcFirstLastPara="1" wrap="square" lIns="91425" tIns="91425" rIns="91425" bIns="91425" anchor="t" anchorCtr="0">
             <a:normAutofit fontScale="90000"/>
           </a:bodyPr>
           <a:lstStyle/>
           <a:p>
-            <a:pPr indent="0" lvl="0" marL="0" rtl="0" algn="l">
+            <a:pPr marL="0" lvl="0" indent="0" algn="l" rtl="0">
               <a:spcBef>
                 <a:spcPts val="0"/>
               </a:spcBef>
@@ -9265,30 +9456,30 @@
           </a:xfrm>
           <a:prstGeom prst="star10">
             <a:avLst>
-              <a:gd fmla="val 42533" name="adj"/>
-              <a:gd fmla="val 105146" name="hf"/>
+              <a:gd name="adj" fmla="val 42533"/>
+              <a:gd name="hf" fmla="val 105146"/>
             </a:avLst>
           </a:prstGeom>
           <a:solidFill>
             <a:srgbClr val="FF9900"/>
           </a:solidFill>
-          <a:ln cap="flat" cmpd="sng" w="9525">
+          <a:ln w="9525" cap="flat" cmpd="sng">
             <a:solidFill>
               <a:schemeClr val="dk2"/>
             </a:solidFill>
             <a:prstDash val="solid"/>
             <a:round/>
-            <a:headEnd len="sm" w="sm" type="none"/>
-            <a:tailEnd len="sm" w="sm" type="none"/>
+            <a:headEnd type="none" w="sm" len="sm"/>
+            <a:tailEnd type="none" w="sm" len="sm"/>
           </a:ln>
         </p:spPr>
         <p:txBody>
-          <a:bodyPr anchorCtr="0" anchor="ctr" bIns="91425" lIns="91425" spcFirstLastPara="1" rIns="91425" wrap="square" tIns="91425">
+          <a:bodyPr spcFirstLastPara="1" wrap="square" lIns="91425" tIns="91425" rIns="91425" bIns="91425" anchor="ctr" anchorCtr="0">
             <a:noAutofit/>
           </a:bodyPr>
           <a:lstStyle/>
           <a:p>
-            <a:pPr indent="0" lvl="0" marL="0" rtl="0" algn="l">
+            <a:pPr marL="0" lvl="0" indent="0" algn="l" rtl="0">
               <a:spcBef>
                 <a:spcPts val="0"/>
               </a:spcBef>
@@ -9374,30 +9565,30 @@
           </a:xfrm>
           <a:prstGeom prst="star10">
             <a:avLst>
-              <a:gd fmla="val 42533" name="adj"/>
-              <a:gd fmla="val 105146" name="hf"/>
+              <a:gd name="adj" fmla="val 42533"/>
+              <a:gd name="hf" fmla="val 105146"/>
             </a:avLst>
           </a:prstGeom>
           <a:solidFill>
             <a:srgbClr val="FF9900"/>
           </a:solidFill>
-          <a:ln cap="flat" cmpd="sng" w="9525">
+          <a:ln w="9525" cap="flat" cmpd="sng">
             <a:solidFill>
               <a:schemeClr val="dk2"/>
             </a:solidFill>
             <a:prstDash val="solid"/>
             <a:round/>
-            <a:headEnd len="sm" w="sm" type="none"/>
-            <a:tailEnd len="sm" w="sm" type="none"/>
+            <a:headEnd type="none" w="sm" len="sm"/>
+            <a:tailEnd type="none" w="sm" len="sm"/>
           </a:ln>
         </p:spPr>
         <p:txBody>
-          <a:bodyPr anchorCtr="0" anchor="ctr" bIns="91425" lIns="91425" spcFirstLastPara="1" rIns="91425" wrap="square" tIns="91425">
+          <a:bodyPr spcFirstLastPara="1" wrap="square" lIns="91425" tIns="91425" rIns="91425" bIns="91425" anchor="ctr" anchorCtr="0">
             <a:noAutofit/>
           </a:bodyPr>
           <a:lstStyle/>
           <a:p>
-            <a:pPr indent="0" lvl="0" marL="0" rtl="0" algn="l">
+            <a:pPr marL="0" lvl="0" indent="0" algn="l" rtl="0">
               <a:spcBef>
                 <a:spcPts val="0"/>
               </a:spcBef>
@@ -9511,30 +9702,30 @@
           </a:xfrm>
           <a:prstGeom prst="star10">
             <a:avLst>
-              <a:gd fmla="val 42533" name="adj"/>
-              <a:gd fmla="val 105146" name="hf"/>
+              <a:gd name="adj" fmla="val 42533"/>
+              <a:gd name="hf" fmla="val 105146"/>
             </a:avLst>
           </a:prstGeom>
           <a:solidFill>
             <a:srgbClr val="FF9900"/>
           </a:solidFill>
-          <a:ln cap="flat" cmpd="sng" w="9525">
+          <a:ln w="9525" cap="flat" cmpd="sng">
             <a:solidFill>
               <a:schemeClr val="dk2"/>
             </a:solidFill>
             <a:prstDash val="solid"/>
             <a:round/>
-            <a:headEnd len="sm" w="sm" type="none"/>
-            <a:tailEnd len="sm" w="sm" type="none"/>
+            <a:headEnd type="none" w="sm" len="sm"/>
+            <a:tailEnd type="none" w="sm" len="sm"/>
           </a:ln>
         </p:spPr>
         <p:txBody>
-          <a:bodyPr anchorCtr="0" anchor="ctr" bIns="91425" lIns="91425" spcFirstLastPara="1" rIns="91425" wrap="square" tIns="91425">
+          <a:bodyPr spcFirstLastPara="1" wrap="square" lIns="91425" tIns="91425" rIns="91425" bIns="91425" anchor="ctr" anchorCtr="0">
             <a:noAutofit/>
           </a:bodyPr>
           <a:lstStyle/>
           <a:p>
-            <a:pPr indent="0" lvl="0" marL="0" rtl="0" algn="l">
+            <a:pPr marL="0" lvl="0" indent="0" algn="l" rtl="0">
               <a:spcBef>
                 <a:spcPts val="0"/>
               </a:spcBef>
@@ -9566,23 +9757,23 @@
             <a:avLst/>
           </a:prstGeom>
           <a:noFill/>
-          <a:ln cap="flat" cmpd="sng" w="76200">
+          <a:ln w="76200" cap="flat" cmpd="sng">
             <a:solidFill>
               <a:schemeClr val="accent5"/>
             </a:solidFill>
             <a:prstDash val="solid"/>
             <a:round/>
-            <a:headEnd len="sm" w="sm" type="none"/>
-            <a:tailEnd len="sm" w="sm" type="none"/>
+            <a:headEnd type="none" w="sm" len="sm"/>
+            <a:tailEnd type="none" w="sm" len="sm"/>
           </a:ln>
         </p:spPr>
         <p:txBody>
-          <a:bodyPr anchorCtr="0" anchor="ctr" bIns="91425" lIns="91425" spcFirstLastPara="1" rIns="91425" wrap="square" tIns="91425">
+          <a:bodyPr spcFirstLastPara="1" wrap="square" lIns="91425" tIns="91425" rIns="91425" bIns="91425" anchor="ctr" anchorCtr="0">
             <a:noAutofit/>
           </a:bodyPr>
           <a:lstStyle/>
           <a:p>
-            <a:pPr indent="0" lvl="0" marL="0" rtl="0" algn="l">
+            <a:pPr marL="0" lvl="0" indent="0" algn="l" rtl="0">
               <a:spcBef>
                 <a:spcPts val="0"/>
               </a:spcBef>
@@ -9591,9 +9782,6 @@
               </a:spcAft>
               <a:buNone/>
             </a:pPr>
-            <a:r>
-              <a:t/>
-            </a:r>
             <a:endParaRPr/>
           </a:p>
         </p:txBody>
@@ -9606,32 +9794,32 @@
   <p:timing>
     <p:tnLst>
       <p:par>
-        <p:cTn dur="indefinite" nodeType="tmRoot" restart="never">
+        <p:cTn id="1" dur="indefinite" restart="never" nodeType="tmRoot">
           <p:childTnLst>
             <p:seq concurrent="1" nextAc="seek">
-              <p:cTn dur="indefinite" id="2" nodeType="mainSeq">
+              <p:cTn id="2" dur="indefinite" nodeType="mainSeq">
                 <p:childTnLst>
                   <p:par>
-                    <p:cTn fill="hold">
+                    <p:cTn id="3" fill="hold">
                       <p:stCondLst>
                         <p:cond delay="indefinite"/>
                       </p:stCondLst>
                       <p:childTnLst>
                         <p:par>
-                          <p:cTn fill="hold">
+                          <p:cTn id="4" fill="hold">
                             <p:stCondLst>
                               <p:cond delay="0"/>
                             </p:stCondLst>
                             <p:childTnLst>
                               <p:par>
-                                <p:cTn fill="hold" nodeType="clickEffect" presetClass="entr" presetID="10" presetSubtype="0">
+                                <p:cTn id="5" presetID="10" presetClass="entr" presetSubtype="0" fill="hold" nodeType="clickEffect">
                                   <p:stCondLst>
                                     <p:cond delay="0"/>
                                   </p:stCondLst>
                                   <p:childTnLst>
                                     <p:set>
                                       <p:cBhvr>
-                                        <p:cTn dur="1" fill="hold">
+                                        <p:cTn id="6" dur="1" fill="hold">
                                           <p:stCondLst>
                                             <p:cond delay="0"/>
                                           </p:stCondLst>
@@ -9647,9 +9835,9 @@
                                         <p:strVal val="visible"/>
                                       </p:to>
                                     </p:set>
-                                    <p:animEffect filter="fade" transition="in">
+                                    <p:animEffect transition="in" filter="fade">
                                       <p:cBhvr>
-                                        <p:cTn dur="1000"/>
+                                        <p:cTn id="7" dur="1000"/>
                                         <p:tgtEl>
                                           <p:spTgt spid="143"/>
                                         </p:tgtEl>
@@ -9659,14 +9847,14 @@
                                 </p:cTn>
                               </p:par>
                               <p:par>
-                                <p:cTn fill="hold" nodeType="withEffect" presetClass="entr" presetID="10" presetSubtype="0">
+                                <p:cTn id="8" presetID="10" presetClass="entr" presetSubtype="0" fill="hold" nodeType="withEffect">
                                   <p:stCondLst>
                                     <p:cond delay="0"/>
                                   </p:stCondLst>
                                   <p:childTnLst>
                                     <p:set>
                                       <p:cBhvr>
-                                        <p:cTn dur="1" fill="hold">
+                                        <p:cTn id="9" dur="1" fill="hold">
                                           <p:stCondLst>
                                             <p:cond delay="0"/>
                                           </p:stCondLst>
@@ -9682,9 +9870,9 @@
                                         <p:strVal val="visible"/>
                                       </p:to>
                                     </p:set>
-                                    <p:animEffect filter="fade" transition="in">
+                                    <p:animEffect transition="in" filter="fade">
                                       <p:cBhvr>
-                                        <p:cTn dur="1000"/>
+                                        <p:cTn id="10" dur="1000"/>
                                         <p:tgtEl>
                                           <p:spTgt spid="147"/>
                                         </p:tgtEl>
@@ -9694,14 +9882,14 @@
                                 </p:cTn>
                               </p:par>
                               <p:par>
-                                <p:cTn fill="hold" nodeType="withEffect" presetClass="entr" presetID="10" presetSubtype="0">
+                                <p:cTn id="11" presetID="10" presetClass="entr" presetSubtype="0" fill="hold" nodeType="withEffect">
                                   <p:stCondLst>
                                     <p:cond delay="0"/>
                                   </p:stCondLst>
                                   <p:childTnLst>
                                     <p:set>
                                       <p:cBhvr>
-                                        <p:cTn dur="1" fill="hold">
+                                        <p:cTn id="12" dur="1" fill="hold">
                                           <p:stCondLst>
                                             <p:cond delay="0"/>
                                           </p:stCondLst>
@@ -9717,9 +9905,9 @@
                                         <p:strVal val="visible"/>
                                       </p:to>
                                     </p:set>
-                                    <p:animEffect filter="fade" transition="in">
+                                    <p:animEffect transition="in" filter="fade">
                                       <p:cBhvr>
-                                        <p:cTn dur="1000"/>
+                                        <p:cTn id="13" dur="1000"/>
                                         <p:tgtEl>
                                           <p:spTgt spid="151"/>
                                         </p:tgtEl>
@@ -9729,14 +9917,14 @@
                                 </p:cTn>
                               </p:par>
                               <p:par>
-                                <p:cTn fill="hold" nodeType="withEffect" presetClass="entr" presetID="10" presetSubtype="0">
+                                <p:cTn id="14" presetID="10" presetClass="entr" presetSubtype="0" fill="hold" nodeType="withEffect">
                                   <p:stCondLst>
                                     <p:cond delay="0"/>
                                   </p:stCondLst>
                                   <p:childTnLst>
                                     <p:set>
                                       <p:cBhvr>
-                                        <p:cTn dur="1" fill="hold">
+                                        <p:cTn id="15" dur="1" fill="hold">
                                           <p:stCondLst>
                                             <p:cond delay="0"/>
                                           </p:stCondLst>
@@ -9752,9 +9940,9 @@
                                         <p:strVal val="visible"/>
                                       </p:to>
                                     </p:set>
-                                    <p:animEffect filter="fade" transition="in">
+                                    <p:animEffect transition="in" filter="fade">
                                       <p:cBhvr>
-                                        <p:cTn dur="1000"/>
+                                        <p:cTn id="16" dur="1000"/>
                                         <p:tgtEl>
                                           <p:spTgt spid="148"/>
                                         </p:tgtEl>
@@ -9764,14 +9952,14 @@
                                 </p:cTn>
                               </p:par>
                               <p:par>
-                                <p:cTn fill="hold" nodeType="withEffect" presetClass="entr" presetID="10" presetSubtype="0">
+                                <p:cTn id="17" presetID="10" presetClass="entr" presetSubtype="0" fill="hold" nodeType="withEffect">
                                   <p:stCondLst>
                                     <p:cond delay="0"/>
                                   </p:stCondLst>
                                   <p:childTnLst>
                                     <p:set>
                                       <p:cBhvr>
-                                        <p:cTn dur="1" fill="hold">
+                                        <p:cTn id="18" dur="1" fill="hold">
                                           <p:stCondLst>
                                             <p:cond delay="0"/>
                                           </p:stCondLst>
@@ -9787,9 +9975,9 @@
                                         <p:strVal val="visible"/>
                                       </p:to>
                                     </p:set>
-                                    <p:animEffect filter="fade" transition="in">
+                                    <p:animEffect transition="in" filter="fade">
                                       <p:cBhvr>
-                                        <p:cTn dur="1000"/>
+                                        <p:cTn id="19" dur="1000"/>
                                         <p:tgtEl>
                                           <p:spTgt spid="145"/>
                                         </p:tgtEl>
@@ -9799,14 +9987,14 @@
                                 </p:cTn>
                               </p:par>
                               <p:par>
-                                <p:cTn fill="hold" nodeType="withEffect" presetClass="entr" presetID="10" presetSubtype="0">
+                                <p:cTn id="20" presetID="10" presetClass="entr" presetSubtype="0" fill="hold" nodeType="withEffect">
                                   <p:stCondLst>
                                     <p:cond delay="0"/>
                                   </p:stCondLst>
                                   <p:childTnLst>
                                     <p:set>
                                       <p:cBhvr>
-                                        <p:cTn dur="1" fill="hold">
+                                        <p:cTn id="21" dur="1" fill="hold">
                                           <p:stCondLst>
                                             <p:cond delay="0"/>
                                           </p:stCondLst>
@@ -9822,9 +10010,9 @@
                                         <p:strVal val="visible"/>
                                       </p:to>
                                     </p:set>
-                                    <p:animEffect filter="fade" transition="in">
+                                    <p:animEffect transition="in" filter="fade">
                                       <p:cBhvr>
-                                        <p:cTn dur="1000"/>
+                                        <p:cTn id="22" dur="1000"/>
                                         <p:tgtEl>
                                           <p:spTgt spid="152"/>
                                         </p:tgtEl>
@@ -9840,26 +10028,26 @@
                     </p:cTn>
                   </p:par>
                   <p:par>
-                    <p:cTn fill="hold">
+                    <p:cTn id="23" fill="hold">
                       <p:stCondLst>
                         <p:cond delay="indefinite"/>
                       </p:stCondLst>
                       <p:childTnLst>
                         <p:par>
-                          <p:cTn fill="hold">
+                          <p:cTn id="24" fill="hold">
                             <p:stCondLst>
                               <p:cond delay="0"/>
                             </p:stCondLst>
                             <p:childTnLst>
                               <p:par>
-                                <p:cTn fill="hold" nodeType="clickEffect" presetClass="entr" presetID="10" presetSubtype="0">
+                                <p:cTn id="25" presetID="10" presetClass="entr" presetSubtype="0" fill="hold" nodeType="clickEffect">
                                   <p:stCondLst>
                                     <p:cond delay="0"/>
                                   </p:stCondLst>
                                   <p:childTnLst>
                                     <p:set>
                                       <p:cBhvr>
-                                        <p:cTn dur="1" fill="hold">
+                                        <p:cTn id="26" dur="1" fill="hold">
                                           <p:stCondLst>
                                             <p:cond delay="0"/>
                                           </p:stCondLst>
@@ -9875,9 +10063,9 @@
                                         <p:strVal val="visible"/>
                                       </p:to>
                                     </p:set>
-                                    <p:animEffect filter="fade" transition="in">
+                                    <p:animEffect transition="in" filter="fade">
                                       <p:cBhvr>
-                                        <p:cTn dur="1000"/>
+                                        <p:cTn id="27" dur="1000"/>
                                         <p:tgtEl>
                                           <p:spTgt spid="153"/>
                                         </p:tgtEl>
@@ -9895,14 +10083,14 @@
                 </p:childTnLst>
               </p:cTn>
               <p:prevCondLst>
-                <p:cond evt="onPrev">
+                <p:cond evt="onPrev" delay="0">
                   <p:tgtEl>
                     <p:sldTgt/>
                   </p:tgtEl>
                 </p:cond>
               </p:prevCondLst>
               <p:nextCondLst>
-                <p:cond evt="onNext">
+                <p:cond evt="onNext" delay="0">
                   <p:tgtEl>
                     <p:sldTgt/>
                   </p:tgtEl>
@@ -9918,11 +10106,11 @@
 </file>
 
 <file path=ppt/slides/slide13.xml><?xml version="1.0" encoding="utf-8"?>
-<p:sld xmlns:a="http://schemas.openxmlformats.org/drawingml/2006/main" xmlns:r="http://schemas.openxmlformats.org/officeDocument/2006/relationships" xmlns:mc="http://schemas.openxmlformats.org/markup-compatibility/2006" xmlns:mv="urn:schemas-microsoft-com:mac:vml" xmlns:p="http://schemas.openxmlformats.org/presentationml/2006/main" xmlns:c="http://schemas.openxmlformats.org/drawingml/2006/chart" xmlns:dgm="http://schemas.openxmlformats.org/drawingml/2006/diagram" xmlns:o="urn:schemas-microsoft-com:office:office" xmlns:v="urn:schemas-microsoft-com:vml" xmlns:pvml="urn:schemas-microsoft-com:office:powerpoint" xmlns:com="http://schemas.openxmlformats.org/drawingml/2006/compatibility" xmlns:p14="http://schemas.microsoft.com/office/powerpoint/2010/main" xmlns:p15="http://schemas.microsoft.com/office/powerpoint/2012/main" xmlns:ahyp="http://schemas.microsoft.com/office/drawing/2018/hyperlinkcolor">
+<p:sld xmlns:a="http://schemas.openxmlformats.org/drawingml/2006/main" xmlns:r="http://schemas.openxmlformats.org/officeDocument/2006/relationships" xmlns:p="http://schemas.openxmlformats.org/presentationml/2006/main">
   <p:cSld>
     <p:spTree>
       <p:nvGrpSpPr>
-        <p:cNvPr id="157" name="Shape 157"/>
+        <p:cNvPr id="1" name="Shape 157"/>
         <p:cNvGrpSpPr/>
         <p:nvPr/>
       </p:nvGrpSpPr>
@@ -10021,7 +10209,9 @@
       <p:sp>
         <p:nvSpPr>
           <p:cNvPr id="161" name="Google Shape;161;p25"/>
-          <p:cNvSpPr txBox="1"/>
+          <p:cNvSpPr txBox="1">
+            <a:spLocks noGrp="1"/>
+          </p:cNvSpPr>
           <p:nvPr>
             <p:ph type="title"/>
           </p:nvPr>
@@ -10036,12 +10226,12 @@
           </a:prstGeom>
         </p:spPr>
         <p:txBody>
-          <a:bodyPr anchorCtr="0" anchor="t" bIns="91425" lIns="91425" spcFirstLastPara="1" rIns="91425" wrap="square" tIns="91425">
+          <a:bodyPr spcFirstLastPara="1" wrap="square" lIns="91425" tIns="91425" rIns="91425" bIns="91425" anchor="t" anchorCtr="0">
             <a:normAutofit fontScale="90000"/>
           </a:bodyPr>
           <a:lstStyle/>
           <a:p>
-            <a:pPr indent="0" lvl="0" marL="0" rtl="0" algn="l">
+            <a:pPr marL="0" lvl="0" indent="0" algn="l" rtl="0">
               <a:spcBef>
                 <a:spcPts val="0"/>
               </a:spcBef>
@@ -10071,30 +10261,30 @@
           </a:xfrm>
           <a:prstGeom prst="star10">
             <a:avLst>
-              <a:gd fmla="val 42533" name="adj"/>
-              <a:gd fmla="val 105146" name="hf"/>
+              <a:gd name="adj" fmla="val 42533"/>
+              <a:gd name="hf" fmla="val 105146"/>
             </a:avLst>
           </a:prstGeom>
           <a:solidFill>
             <a:srgbClr val="FF9900"/>
           </a:solidFill>
-          <a:ln cap="flat" cmpd="sng" w="9525">
+          <a:ln w="9525" cap="flat" cmpd="sng">
             <a:solidFill>
               <a:schemeClr val="dk2"/>
             </a:solidFill>
             <a:prstDash val="solid"/>
             <a:round/>
-            <a:headEnd len="sm" w="sm" type="none"/>
-            <a:tailEnd len="sm" w="sm" type="none"/>
+            <a:headEnd type="none" w="sm" len="sm"/>
+            <a:tailEnd type="none" w="sm" len="sm"/>
           </a:ln>
         </p:spPr>
         <p:txBody>
-          <a:bodyPr anchorCtr="0" anchor="ctr" bIns="91425" lIns="91425" spcFirstLastPara="1" rIns="91425" wrap="square" tIns="91425">
+          <a:bodyPr spcFirstLastPara="1" wrap="square" lIns="91425" tIns="91425" rIns="91425" bIns="91425" anchor="ctr" anchorCtr="0">
             <a:noAutofit/>
           </a:bodyPr>
           <a:lstStyle/>
           <a:p>
-            <a:pPr indent="0" lvl="0" marL="0" rtl="0" algn="l">
+            <a:pPr marL="0" lvl="0" indent="0" algn="l" rtl="0">
               <a:spcBef>
                 <a:spcPts val="0"/>
               </a:spcBef>
@@ -10124,30 +10314,30 @@
           </a:xfrm>
           <a:prstGeom prst="star10">
             <a:avLst>
-              <a:gd fmla="val 42533" name="adj"/>
-              <a:gd fmla="val 105146" name="hf"/>
+              <a:gd name="adj" fmla="val 42533"/>
+              <a:gd name="hf" fmla="val 105146"/>
             </a:avLst>
           </a:prstGeom>
           <a:solidFill>
             <a:srgbClr val="FF9900"/>
           </a:solidFill>
-          <a:ln cap="flat" cmpd="sng" w="9525">
+          <a:ln w="9525" cap="flat" cmpd="sng">
             <a:solidFill>
               <a:schemeClr val="dk2"/>
             </a:solidFill>
             <a:prstDash val="solid"/>
             <a:round/>
-            <a:headEnd len="sm" w="sm" type="none"/>
-            <a:tailEnd len="sm" w="sm" type="none"/>
+            <a:headEnd type="none" w="sm" len="sm"/>
+            <a:tailEnd type="none" w="sm" len="sm"/>
           </a:ln>
         </p:spPr>
         <p:txBody>
-          <a:bodyPr anchorCtr="0" anchor="ctr" bIns="91425" lIns="91425" spcFirstLastPara="1" rIns="91425" wrap="square" tIns="91425">
+          <a:bodyPr spcFirstLastPara="1" wrap="square" lIns="91425" tIns="91425" rIns="91425" bIns="91425" anchor="ctr" anchorCtr="0">
             <a:noAutofit/>
           </a:bodyPr>
           <a:lstStyle/>
           <a:p>
-            <a:pPr indent="0" lvl="0" marL="0" rtl="0" algn="l">
+            <a:pPr marL="0" lvl="0" indent="0" algn="l" rtl="0">
               <a:spcBef>
                 <a:spcPts val="0"/>
               </a:spcBef>
@@ -10200,30 +10390,30 @@
         </p:nvSpPr>
         <p:spPr>
           <a:xfrm>
-            <a:off x="2389025" y="4570250"/>
+            <a:off x="2389025" y="4634640"/>
             <a:ext cx="6243300" cy="423300"/>
           </a:xfrm>
           <a:prstGeom prst="rect">
             <a:avLst/>
           </a:prstGeom>
           <a:noFill/>
-          <a:ln cap="flat" cmpd="sng" w="76200">
+          <a:ln w="76200" cap="flat" cmpd="sng">
             <a:solidFill>
               <a:schemeClr val="accent5"/>
             </a:solidFill>
             <a:prstDash val="solid"/>
             <a:round/>
-            <a:headEnd len="sm" w="sm" type="none"/>
-            <a:tailEnd len="sm" w="sm" type="none"/>
+            <a:headEnd type="none" w="sm" len="sm"/>
+            <a:tailEnd type="none" w="sm" len="sm"/>
           </a:ln>
         </p:spPr>
         <p:txBody>
-          <a:bodyPr anchorCtr="0" anchor="ctr" bIns="91425" lIns="91425" spcFirstLastPara="1" rIns="91425" wrap="square" tIns="91425">
+          <a:bodyPr spcFirstLastPara="1" wrap="square" lIns="91425" tIns="91425" rIns="91425" bIns="91425" anchor="ctr" anchorCtr="0">
             <a:noAutofit/>
           </a:bodyPr>
           <a:lstStyle/>
           <a:p>
-            <a:pPr indent="0" lvl="0" marL="0" rtl="0" algn="l">
+            <a:pPr marL="0" lvl="0" indent="0" algn="l" rtl="0">
               <a:spcBef>
                 <a:spcPts val="0"/>
               </a:spcBef>
@@ -10232,9 +10422,6 @@
               </a:spcAft>
               <a:buNone/>
             </a:pPr>
-            <a:r>
-              <a:t/>
-            </a:r>
             <a:endParaRPr/>
           </a:p>
         </p:txBody>
@@ -10247,32 +10434,32 @@
   <p:timing>
     <p:tnLst>
       <p:par>
-        <p:cTn dur="indefinite" nodeType="tmRoot" restart="never">
+        <p:cTn id="1" dur="indefinite" restart="never" nodeType="tmRoot">
           <p:childTnLst>
             <p:seq concurrent="1" nextAc="seek">
-              <p:cTn dur="indefinite" id="2" nodeType="mainSeq">
+              <p:cTn id="2" dur="indefinite" nodeType="mainSeq">
                 <p:childTnLst>
                   <p:par>
-                    <p:cTn fill="hold">
+                    <p:cTn id="3" fill="hold">
                       <p:stCondLst>
                         <p:cond delay="indefinite"/>
                       </p:stCondLst>
                       <p:childTnLst>
                         <p:par>
-                          <p:cTn fill="hold">
+                          <p:cTn id="4" fill="hold">
                             <p:stCondLst>
                               <p:cond delay="0"/>
                             </p:stCondLst>
                             <p:childTnLst>
                               <p:par>
-                                <p:cTn fill="hold" nodeType="clickEffect" presetClass="entr" presetID="10" presetSubtype="0">
+                                <p:cTn id="5" presetID="10" presetClass="entr" presetSubtype="0" fill="hold" nodeType="clickEffect">
                                   <p:stCondLst>
                                     <p:cond delay="0"/>
                                   </p:stCondLst>
                                   <p:childTnLst>
                                     <p:set>
                                       <p:cBhvr>
-                                        <p:cTn dur="1" fill="hold">
+                                        <p:cTn id="6" dur="1" fill="hold">
                                           <p:stCondLst>
                                             <p:cond delay="0"/>
                                           </p:stCondLst>
@@ -10288,9 +10475,9 @@
                                         <p:strVal val="visible"/>
                                       </p:to>
                                     </p:set>
-                                    <p:animEffect filter="fade" transition="in">
+                                    <p:animEffect transition="in" filter="fade">
                                       <p:cBhvr>
-                                        <p:cTn dur="1000"/>
+                                        <p:cTn id="7" dur="1000"/>
                                         <p:tgtEl>
                                           <p:spTgt spid="162"/>
                                         </p:tgtEl>
@@ -10300,14 +10487,14 @@
                                 </p:cTn>
                               </p:par>
                               <p:par>
-                                <p:cTn fill="hold" nodeType="withEffect" presetClass="entr" presetID="10" presetSubtype="0">
+                                <p:cTn id="8" presetID="10" presetClass="entr" presetSubtype="0" fill="hold" nodeType="withEffect">
                                   <p:stCondLst>
                                     <p:cond delay="0"/>
                                   </p:stCondLst>
                                   <p:childTnLst>
                                     <p:set>
                                       <p:cBhvr>
-                                        <p:cTn dur="1" fill="hold">
+                                        <p:cTn id="9" dur="1" fill="hold">
                                           <p:stCondLst>
                                             <p:cond delay="0"/>
                                           </p:stCondLst>
@@ -10323,9 +10510,9 @@
                                         <p:strVal val="visible"/>
                                       </p:to>
                                     </p:set>
-                                    <p:animEffect filter="fade" transition="in">
+                                    <p:animEffect transition="in" filter="fade">
                                       <p:cBhvr>
-                                        <p:cTn dur="1000"/>
+                                        <p:cTn id="10" dur="1000"/>
                                         <p:tgtEl>
                                           <p:spTgt spid="163"/>
                                         </p:tgtEl>
@@ -10335,14 +10522,14 @@
                                 </p:cTn>
                               </p:par>
                               <p:par>
-                                <p:cTn fill="hold" nodeType="withEffect" presetClass="entr" presetID="10" presetSubtype="0">
+                                <p:cTn id="11" presetID="10" presetClass="entr" presetSubtype="0" fill="hold" nodeType="withEffect">
                                   <p:stCondLst>
                                     <p:cond delay="0"/>
                                   </p:stCondLst>
                                   <p:childTnLst>
                                     <p:set>
                                       <p:cBhvr>
-                                        <p:cTn dur="1" fill="hold">
+                                        <p:cTn id="12" dur="1" fill="hold">
                                           <p:stCondLst>
                                             <p:cond delay="0"/>
                                           </p:stCondLst>
@@ -10358,9 +10545,9 @@
                                         <p:strVal val="visible"/>
                                       </p:to>
                                     </p:set>
-                                    <p:animEffect filter="fade" transition="in">
+                                    <p:animEffect transition="in" filter="fade">
                                       <p:cBhvr>
-                                        <p:cTn dur="1000"/>
+                                        <p:cTn id="13" dur="1000"/>
                                         <p:tgtEl>
                                           <p:spTgt spid="160"/>
                                         </p:tgtEl>
@@ -10370,14 +10557,14 @@
                                 </p:cTn>
                               </p:par>
                               <p:par>
-                                <p:cTn fill="hold" nodeType="withEffect" presetClass="entr" presetID="10" presetSubtype="0">
+                                <p:cTn id="14" presetID="10" presetClass="entr" presetSubtype="0" fill="hold" nodeType="withEffect">
                                   <p:stCondLst>
                                     <p:cond delay="0"/>
                                   </p:stCondLst>
                                   <p:childTnLst>
                                     <p:set>
                                       <p:cBhvr>
-                                        <p:cTn dur="1" fill="hold">
+                                        <p:cTn id="15" dur="1" fill="hold">
                                           <p:stCondLst>
                                             <p:cond delay="0"/>
                                           </p:stCondLst>
@@ -10393,9 +10580,9 @@
                                         <p:strVal val="visible"/>
                                       </p:to>
                                     </p:set>
-                                    <p:animEffect filter="fade" transition="in">
+                                    <p:animEffect transition="in" filter="fade">
                                       <p:cBhvr>
-                                        <p:cTn dur="1000"/>
+                                        <p:cTn id="16" dur="1000"/>
                                         <p:tgtEl>
                                           <p:spTgt spid="158"/>
                                         </p:tgtEl>
@@ -10405,14 +10592,14 @@
                                 </p:cTn>
                               </p:par>
                               <p:par>
-                                <p:cTn fill="hold" nodeType="withEffect" presetClass="entr" presetID="10" presetSubtype="0">
+                                <p:cTn id="17" presetID="10" presetClass="entr" presetSubtype="0" fill="hold" nodeType="withEffect">
                                   <p:stCondLst>
                                     <p:cond delay="0"/>
                                   </p:stCondLst>
                                   <p:childTnLst>
                                     <p:set>
                                       <p:cBhvr>
-                                        <p:cTn dur="1" fill="hold">
+                                        <p:cTn id="18" dur="1" fill="hold">
                                           <p:stCondLst>
                                             <p:cond delay="0"/>
                                           </p:stCondLst>
@@ -10428,9 +10615,9 @@
                                         <p:strVal val="visible"/>
                                       </p:to>
                                     </p:set>
-                                    <p:animEffect filter="fade" transition="in">
+                                    <p:animEffect transition="in" filter="fade">
                                       <p:cBhvr>
-                                        <p:cTn dur="1000"/>
+                                        <p:cTn id="19" dur="1000"/>
                                         <p:tgtEl>
                                           <p:spTgt spid="164"/>
                                         </p:tgtEl>
@@ -10440,14 +10627,14 @@
                                 </p:cTn>
                               </p:par>
                               <p:par>
-                                <p:cTn fill="hold" nodeType="withEffect" presetClass="entr" presetID="10" presetSubtype="0">
+                                <p:cTn id="20" presetID="10" presetClass="entr" presetSubtype="0" fill="hold" nodeType="withEffect">
                                   <p:stCondLst>
                                     <p:cond delay="0"/>
                                   </p:stCondLst>
                                   <p:childTnLst>
                                     <p:set>
                                       <p:cBhvr>
-                                        <p:cTn dur="1" fill="hold">
+                                        <p:cTn id="21" dur="1" fill="hold">
                                           <p:stCondLst>
                                             <p:cond delay="0"/>
                                           </p:stCondLst>
@@ -10463,9 +10650,9 @@
                                         <p:strVal val="visible"/>
                                       </p:to>
                                     </p:set>
-                                    <p:animEffect filter="fade" transition="in">
+                                    <p:animEffect transition="in" filter="fade">
                                       <p:cBhvr>
-                                        <p:cTn dur="1000"/>
+                                        <p:cTn id="22" dur="1000"/>
                                         <p:tgtEl>
                                           <p:spTgt spid="159"/>
                                         </p:tgtEl>
@@ -10481,26 +10668,26 @@
                     </p:cTn>
                   </p:par>
                   <p:par>
-                    <p:cTn fill="hold">
+                    <p:cTn id="23" fill="hold">
                       <p:stCondLst>
                         <p:cond delay="indefinite"/>
                       </p:stCondLst>
                       <p:childTnLst>
                         <p:par>
-                          <p:cTn fill="hold">
+                          <p:cTn id="24" fill="hold">
                             <p:stCondLst>
                               <p:cond delay="0"/>
                             </p:stCondLst>
                             <p:childTnLst>
                               <p:par>
-                                <p:cTn fill="hold" nodeType="clickEffect" presetClass="entr" presetID="10" presetSubtype="0">
+                                <p:cTn id="25" presetID="10" presetClass="entr" presetSubtype="0" fill="hold" nodeType="clickEffect">
                                   <p:stCondLst>
                                     <p:cond delay="0"/>
                                   </p:stCondLst>
                                   <p:childTnLst>
                                     <p:set>
                                       <p:cBhvr>
-                                        <p:cTn dur="1" fill="hold">
+                                        <p:cTn id="26" dur="1" fill="hold">
                                           <p:stCondLst>
                                             <p:cond delay="0"/>
                                           </p:stCondLst>
@@ -10516,9 +10703,9 @@
                                         <p:strVal val="visible"/>
                                       </p:to>
                                     </p:set>
-                                    <p:animEffect filter="fade" transition="in">
+                                    <p:animEffect transition="in" filter="fade">
                                       <p:cBhvr>
-                                        <p:cTn dur="1000"/>
+                                        <p:cTn id="27" dur="1000"/>
                                         <p:tgtEl>
                                           <p:spTgt spid="165"/>
                                         </p:tgtEl>
@@ -10536,14 +10723,14 @@
                 </p:childTnLst>
               </p:cTn>
               <p:prevCondLst>
-                <p:cond evt="onPrev">
+                <p:cond evt="onPrev" delay="0">
                   <p:tgtEl>
                     <p:sldTgt/>
                   </p:tgtEl>
                 </p:cond>
               </p:prevCondLst>
               <p:nextCondLst>
-                <p:cond evt="onNext">
+                <p:cond evt="onNext" delay="0">
                   <p:tgtEl>
                     <p:sldTgt/>
                   </p:tgtEl>
@@ -10559,11 +10746,11 @@
 </file>
 
 <file path=ppt/slides/slide14.xml><?xml version="1.0" encoding="utf-8"?>
-<p:sld xmlns:a="http://schemas.openxmlformats.org/drawingml/2006/main" xmlns:r="http://schemas.openxmlformats.org/officeDocument/2006/relationships" xmlns:mc="http://schemas.openxmlformats.org/markup-compatibility/2006" xmlns:mv="urn:schemas-microsoft-com:mac:vml" xmlns:p="http://schemas.openxmlformats.org/presentationml/2006/main" xmlns:c="http://schemas.openxmlformats.org/drawingml/2006/chart" xmlns:dgm="http://schemas.openxmlformats.org/drawingml/2006/diagram" xmlns:o="urn:schemas-microsoft-com:office:office" xmlns:v="urn:schemas-microsoft-com:vml" xmlns:pvml="urn:schemas-microsoft-com:office:powerpoint" xmlns:com="http://schemas.openxmlformats.org/drawingml/2006/compatibility" xmlns:p14="http://schemas.microsoft.com/office/powerpoint/2010/main" xmlns:p15="http://schemas.microsoft.com/office/powerpoint/2012/main" xmlns:ahyp="http://schemas.microsoft.com/office/drawing/2018/hyperlinkcolor">
+<p:sld xmlns:a="http://schemas.openxmlformats.org/drawingml/2006/main" xmlns:r="http://schemas.openxmlformats.org/officeDocument/2006/relationships" xmlns:p="http://schemas.openxmlformats.org/presentationml/2006/main">
   <p:cSld>
     <p:spTree>
       <p:nvGrpSpPr>
-        <p:cNvPr id="169" name="Shape 169"/>
+        <p:cNvPr id="1" name="Shape 169"/>
         <p:cNvGrpSpPr/>
         <p:nvPr/>
       </p:nvGrpSpPr>
@@ -10578,7 +10765,9 @@
       <p:sp>
         <p:nvSpPr>
           <p:cNvPr id="170" name="Google Shape;170;p26"/>
-          <p:cNvSpPr txBox="1"/>
+          <p:cNvSpPr txBox="1">
+            <a:spLocks noGrp="1"/>
+          </p:cNvSpPr>
           <p:nvPr>
             <p:ph type="title"/>
           </p:nvPr>
@@ -10593,12 +10782,12 @@
           </a:prstGeom>
         </p:spPr>
         <p:txBody>
-          <a:bodyPr anchorCtr="0" anchor="t" bIns="91425" lIns="91425" spcFirstLastPara="1" rIns="91425" wrap="square" tIns="91425">
+          <a:bodyPr spcFirstLastPara="1" wrap="square" lIns="91425" tIns="91425" rIns="91425" bIns="91425" anchor="t" anchorCtr="0">
             <a:normAutofit fontScale="90000"/>
           </a:bodyPr>
           <a:lstStyle/>
           <a:p>
-            <a:pPr indent="0" lvl="0" marL="0" rtl="0" algn="l">
+            <a:pPr marL="0" lvl="0" indent="0" algn="l" rtl="0">
               <a:spcBef>
                 <a:spcPts val="0"/>
               </a:spcBef>
@@ -10618,9 +10807,11 @@
       <p:sp>
         <p:nvSpPr>
           <p:cNvPr id="171" name="Google Shape;171;p26"/>
-          <p:cNvSpPr txBox="1"/>
+          <p:cNvSpPr txBox="1">
+            <a:spLocks noGrp="1"/>
+          </p:cNvSpPr>
           <p:nvPr>
-            <p:ph idx="1" type="body"/>
+            <p:ph type="body" idx="1"/>
           </p:nvPr>
         </p:nvSpPr>
         <p:spPr>
@@ -10633,12 +10824,12 @@
           </a:prstGeom>
         </p:spPr>
         <p:txBody>
-          <a:bodyPr anchorCtr="0" anchor="t" bIns="91425" lIns="91425" spcFirstLastPara="1" rIns="91425" wrap="square" tIns="91425">
-            <a:normAutofit lnSpcReduction="10000"/>
+          <a:bodyPr spcFirstLastPara="1" wrap="square" lIns="91425" tIns="91425" rIns="91425" bIns="91425" anchor="t" anchorCtr="0">
+            <a:normAutofit fontScale="92500" lnSpcReduction="10000"/>
           </a:bodyPr>
           <a:lstStyle/>
           <a:p>
-            <a:pPr indent="0" lvl="0" marL="0" rtl="0" algn="l">
+            <a:pPr marL="0" lvl="0" indent="0" algn="l" rtl="0">
               <a:spcBef>
                 <a:spcPts val="0"/>
               </a:spcBef>
@@ -10654,7 +10845,7 @@
             <a:endParaRPr/>
           </a:p>
           <a:p>
-            <a:pPr indent="-342900" lvl="0" marL="457200" rtl="0" algn="l">
+            <a:pPr marL="457200" lvl="0" indent="-342900" algn="l" rtl="0">
               <a:spcBef>
                 <a:spcPts val="1200"/>
               </a:spcBef>
@@ -10671,7 +10862,7 @@
             <a:endParaRPr/>
           </a:p>
           <a:p>
-            <a:pPr indent="-342900" lvl="0" marL="457200" rtl="0" algn="l">
+            <a:pPr marL="457200" lvl="0" indent="-342900" algn="l" rtl="0">
               <a:spcBef>
                 <a:spcPts val="0"/>
               </a:spcBef>
@@ -10688,7 +10879,7 @@
             <a:endParaRPr/>
           </a:p>
           <a:p>
-            <a:pPr indent="0" lvl="0" marL="0" rtl="0" algn="l">
+            <a:pPr marL="0" lvl="0" indent="0" algn="l" rtl="0">
               <a:spcBef>
                 <a:spcPts val="1200"/>
               </a:spcBef>
@@ -10714,11 +10905,11 @@
 </file>
 
 <file path=ppt/slides/slide15.xml><?xml version="1.0" encoding="utf-8"?>
-<p:sld xmlns:a="http://schemas.openxmlformats.org/drawingml/2006/main" xmlns:r="http://schemas.openxmlformats.org/officeDocument/2006/relationships" xmlns:mc="http://schemas.openxmlformats.org/markup-compatibility/2006" xmlns:mv="urn:schemas-microsoft-com:mac:vml" xmlns:p="http://schemas.openxmlformats.org/presentationml/2006/main" xmlns:c="http://schemas.openxmlformats.org/drawingml/2006/chart" xmlns:dgm="http://schemas.openxmlformats.org/drawingml/2006/diagram" xmlns:o="urn:schemas-microsoft-com:office:office" xmlns:v="urn:schemas-microsoft-com:vml" xmlns:pvml="urn:schemas-microsoft-com:office:powerpoint" xmlns:com="http://schemas.openxmlformats.org/drawingml/2006/compatibility" xmlns:p14="http://schemas.microsoft.com/office/powerpoint/2010/main" xmlns:p15="http://schemas.microsoft.com/office/powerpoint/2012/main" xmlns:ahyp="http://schemas.microsoft.com/office/drawing/2018/hyperlinkcolor">
+<p:sld xmlns:a="http://schemas.openxmlformats.org/drawingml/2006/main" xmlns:r="http://schemas.openxmlformats.org/officeDocument/2006/relationships" xmlns:p="http://schemas.openxmlformats.org/presentationml/2006/main">
   <p:cSld>
     <p:spTree>
       <p:nvGrpSpPr>
-        <p:cNvPr id="175" name="Shape 175"/>
+        <p:cNvPr id="1" name="Shape 175"/>
         <p:cNvGrpSpPr/>
         <p:nvPr/>
       </p:nvGrpSpPr>
@@ -10761,7 +10952,9 @@
       <p:sp>
         <p:nvSpPr>
           <p:cNvPr id="177" name="Google Shape;177;p27"/>
-          <p:cNvSpPr txBox="1"/>
+          <p:cNvSpPr txBox="1">
+            <a:spLocks noGrp="1"/>
+          </p:cNvSpPr>
           <p:nvPr>
             <p:ph type="title"/>
           </p:nvPr>
@@ -10776,12 +10969,12 @@
           </a:prstGeom>
         </p:spPr>
         <p:txBody>
-          <a:bodyPr anchorCtr="0" anchor="t" bIns="91425" lIns="91425" spcFirstLastPara="1" rIns="91425" wrap="square" tIns="91425">
+          <a:bodyPr spcFirstLastPara="1" wrap="square" lIns="91425" tIns="91425" rIns="91425" bIns="91425" anchor="t" anchorCtr="0">
             <a:normAutofit fontScale="90000"/>
           </a:bodyPr>
           <a:lstStyle/>
           <a:p>
-            <a:pPr indent="0" lvl="0" marL="0" rtl="0" algn="l">
+            <a:pPr marL="0" lvl="0" indent="0" algn="l" rtl="0">
               <a:spcBef>
                 <a:spcPts val="0"/>
               </a:spcBef>
@@ -10818,12 +11011,12 @@
           </a:ln>
         </p:spPr>
         <p:txBody>
-          <a:bodyPr anchorCtr="0" anchor="t" bIns="91425" lIns="91425" spcFirstLastPara="1" rIns="91425" wrap="square" tIns="91425">
+          <a:bodyPr spcFirstLastPara="1" wrap="square" lIns="91425" tIns="91425" rIns="91425" bIns="91425" anchor="t" anchorCtr="0">
             <a:spAutoFit/>
           </a:bodyPr>
           <a:lstStyle/>
           <a:p>
-            <a:pPr indent="-317500" lvl="0" marL="457200" rtl="0" algn="l">
+            <a:pPr marL="457200" lvl="0" indent="-317500" algn="l" rtl="0">
               <a:spcBef>
                 <a:spcPts val="0"/>
               </a:spcBef>
@@ -10851,7 +11044,7 @@
             </a:endParaRPr>
           </a:p>
           <a:p>
-            <a:pPr indent="-317500" lvl="0" marL="457200" rtl="0" algn="l">
+            <a:pPr marL="457200" lvl="0" indent="-317500" algn="l" rtl="0">
               <a:spcBef>
                 <a:spcPts val="0"/>
               </a:spcBef>
@@ -10888,7 +11081,7 @@
             </a:endParaRPr>
           </a:p>
           <a:p>
-            <a:pPr indent="0" lvl="0" marL="0" rtl="0" algn="l">
+            <a:pPr marL="0" lvl="0" indent="0" algn="l" rtl="0">
               <a:spcBef>
                 <a:spcPts val="0"/>
               </a:spcBef>
@@ -10897,9 +11090,6 @@
               </a:spcAft>
               <a:buNone/>
             </a:pPr>
-            <a:r>
-              <a:t/>
-            </a:r>
             <a:endParaRPr>
               <a:latin typeface="Proxima Nova"/>
               <a:ea typeface="Proxima Nova"/>
@@ -10908,7 +11098,7 @@
             </a:endParaRPr>
           </a:p>
           <a:p>
-            <a:pPr indent="0" lvl="0" marL="0" rtl="0" algn="l">
+            <a:pPr marL="0" lvl="0" indent="0" algn="l" rtl="0">
               <a:spcBef>
                 <a:spcPts val="0"/>
               </a:spcBef>
@@ -10927,7 +11117,7 @@
               <a:t>Please use view the </a:t>
             </a:r>
             <a:r>
-              <a:rPr b="1" lang="en" sz="1050">
+              <a:rPr lang="en" sz="1050" b="1">
                 <a:solidFill>
                   <a:schemeClr val="hlink"/>
                 </a:solidFill>
@@ -10968,11 +11158,11 @@
 </file>
 
 <file path=ppt/slides/slide2.xml><?xml version="1.0" encoding="utf-8"?>
-<p:sld xmlns:a="http://schemas.openxmlformats.org/drawingml/2006/main" xmlns:r="http://schemas.openxmlformats.org/officeDocument/2006/relationships" xmlns:mc="http://schemas.openxmlformats.org/markup-compatibility/2006" xmlns:mv="urn:schemas-microsoft-com:mac:vml" xmlns:p="http://schemas.openxmlformats.org/presentationml/2006/main" xmlns:c="http://schemas.openxmlformats.org/drawingml/2006/chart" xmlns:dgm="http://schemas.openxmlformats.org/drawingml/2006/diagram" xmlns:o="urn:schemas-microsoft-com:office:office" xmlns:v="urn:schemas-microsoft-com:vml" xmlns:pvml="urn:schemas-microsoft-com:office:powerpoint" xmlns:com="http://schemas.openxmlformats.org/drawingml/2006/compatibility" xmlns:p14="http://schemas.microsoft.com/office/powerpoint/2010/main" xmlns:p15="http://schemas.microsoft.com/office/powerpoint/2012/main" xmlns:ahyp="http://schemas.microsoft.com/office/drawing/2018/hyperlinkcolor">
+<p:sld xmlns:a="http://schemas.openxmlformats.org/drawingml/2006/main" xmlns:r="http://schemas.openxmlformats.org/officeDocument/2006/relationships" xmlns:p="http://schemas.openxmlformats.org/presentationml/2006/main">
   <p:cSld>
     <p:spTree>
       <p:nvGrpSpPr>
-        <p:cNvPr id="64" name="Shape 64"/>
+        <p:cNvPr id="1" name="Shape 64"/>
         <p:cNvGrpSpPr/>
         <p:nvPr/>
       </p:nvGrpSpPr>
@@ -10987,7 +11177,9 @@
       <p:sp>
         <p:nvSpPr>
           <p:cNvPr id="65" name="Google Shape;65;p14"/>
-          <p:cNvSpPr txBox="1"/>
+          <p:cNvSpPr txBox="1">
+            <a:spLocks noGrp="1"/>
+          </p:cNvSpPr>
           <p:nvPr>
             <p:ph type="title"/>
           </p:nvPr>
@@ -11002,12 +11194,12 @@
           </a:prstGeom>
         </p:spPr>
         <p:txBody>
-          <a:bodyPr anchorCtr="0" anchor="t" bIns="91425" lIns="91425" spcFirstLastPara="1" rIns="91425" wrap="square" tIns="91425">
+          <a:bodyPr spcFirstLastPara="1" wrap="square" lIns="91425" tIns="91425" rIns="91425" bIns="91425" anchor="t" anchorCtr="0">
             <a:normAutofit fontScale="90000"/>
           </a:bodyPr>
           <a:lstStyle/>
           <a:p>
-            <a:pPr indent="0" lvl="0" marL="0" rtl="0" algn="l">
+            <a:pPr marL="0" lvl="0" indent="0" algn="l" rtl="0">
               <a:spcBef>
                 <a:spcPts val="0"/>
               </a:spcBef>
@@ -11027,9 +11219,11 @@
       <p:sp>
         <p:nvSpPr>
           <p:cNvPr id="66" name="Google Shape;66;p14"/>
-          <p:cNvSpPr txBox="1"/>
+          <p:cNvSpPr txBox="1">
+            <a:spLocks noGrp="1"/>
+          </p:cNvSpPr>
           <p:nvPr>
-            <p:ph idx="1" type="body"/>
+            <p:ph type="body" idx="1"/>
           </p:nvPr>
         </p:nvSpPr>
         <p:spPr>
@@ -11042,12 +11236,12 @@
           </a:prstGeom>
         </p:spPr>
         <p:txBody>
-          <a:bodyPr anchorCtr="0" anchor="t" bIns="91425" lIns="91425" spcFirstLastPara="1" rIns="91425" wrap="square" tIns="91425">
+          <a:bodyPr spcFirstLastPara="1" wrap="square" lIns="91425" tIns="91425" rIns="91425" bIns="91425" anchor="t" anchorCtr="0">
             <a:normAutofit/>
           </a:bodyPr>
           <a:lstStyle/>
           <a:p>
-            <a:pPr indent="0" lvl="0" marL="0" rtl="0" algn="l">
+            <a:pPr marL="0" lvl="0" indent="0" algn="l" rtl="0">
               <a:spcBef>
                 <a:spcPts val="0"/>
               </a:spcBef>
@@ -11063,7 +11257,7 @@
             <a:endParaRPr/>
           </a:p>
           <a:p>
-            <a:pPr indent="-342900" lvl="0" marL="457200" rtl="0" algn="l">
+            <a:pPr marL="457200" lvl="0" indent="-342900" algn="l" rtl="0">
               <a:spcBef>
                 <a:spcPts val="1200"/>
               </a:spcBef>
@@ -11080,7 +11274,7 @@
             <a:endParaRPr/>
           </a:p>
           <a:p>
-            <a:pPr indent="-342900" lvl="0" marL="457200" rtl="0" algn="l">
+            <a:pPr marL="457200" lvl="0" indent="-342900" algn="l" rtl="0">
               <a:spcBef>
                 <a:spcPts val="0"/>
               </a:spcBef>
@@ -11097,7 +11291,7 @@
             <a:endParaRPr/>
           </a:p>
           <a:p>
-            <a:pPr indent="-342900" lvl="0" marL="457200" rtl="0" algn="l">
+            <a:pPr marL="457200" lvl="0" indent="-342900" algn="l" rtl="0">
               <a:spcBef>
                 <a:spcPts val="0"/>
               </a:spcBef>
@@ -11114,7 +11308,7 @@
             <a:endParaRPr/>
           </a:p>
           <a:p>
-            <a:pPr indent="-342900" lvl="0" marL="457200" rtl="0" algn="l">
+            <a:pPr marL="457200" lvl="0" indent="-342900" algn="l" rtl="0">
               <a:spcBef>
                 <a:spcPts val="0"/>
               </a:spcBef>
@@ -11131,7 +11325,7 @@
             <a:endParaRPr/>
           </a:p>
           <a:p>
-            <a:pPr indent="-342900" lvl="0" marL="457200" rtl="0" algn="l">
+            <a:pPr marL="457200" lvl="0" indent="-342900" algn="l" rtl="0">
               <a:spcBef>
                 <a:spcPts val="0"/>
               </a:spcBef>
@@ -11158,11 +11352,11 @@
 </file>
 
 <file path=ppt/slides/slide3.xml><?xml version="1.0" encoding="utf-8"?>
-<p:sld xmlns:a="http://schemas.openxmlformats.org/drawingml/2006/main" xmlns:r="http://schemas.openxmlformats.org/officeDocument/2006/relationships" xmlns:mc="http://schemas.openxmlformats.org/markup-compatibility/2006" xmlns:mv="urn:schemas-microsoft-com:mac:vml" xmlns:p="http://schemas.openxmlformats.org/presentationml/2006/main" xmlns:c="http://schemas.openxmlformats.org/drawingml/2006/chart" xmlns:dgm="http://schemas.openxmlformats.org/drawingml/2006/diagram" xmlns:o="urn:schemas-microsoft-com:office:office" xmlns:v="urn:schemas-microsoft-com:vml" xmlns:pvml="urn:schemas-microsoft-com:office:powerpoint" xmlns:com="http://schemas.openxmlformats.org/drawingml/2006/compatibility" xmlns:p14="http://schemas.microsoft.com/office/powerpoint/2010/main" xmlns:p15="http://schemas.microsoft.com/office/powerpoint/2012/main" xmlns:ahyp="http://schemas.microsoft.com/office/drawing/2018/hyperlinkcolor">
+<p:sld xmlns:a="http://schemas.openxmlformats.org/drawingml/2006/main" xmlns:r="http://schemas.openxmlformats.org/officeDocument/2006/relationships" xmlns:p="http://schemas.openxmlformats.org/presentationml/2006/main">
   <p:cSld>
     <p:spTree>
       <p:nvGrpSpPr>
-        <p:cNvPr id="70" name="Shape 70"/>
+        <p:cNvPr id="1" name="Shape 70"/>
         <p:cNvGrpSpPr/>
         <p:nvPr/>
       </p:nvGrpSpPr>
@@ -11177,7 +11371,9 @@
       <p:sp>
         <p:nvSpPr>
           <p:cNvPr id="71" name="Google Shape;71;p15"/>
-          <p:cNvSpPr txBox="1"/>
+          <p:cNvSpPr txBox="1">
+            <a:spLocks noGrp="1"/>
+          </p:cNvSpPr>
           <p:nvPr>
             <p:ph type="title"/>
           </p:nvPr>
@@ -11192,12 +11388,12 @@
           </a:prstGeom>
         </p:spPr>
         <p:txBody>
-          <a:bodyPr anchorCtr="0" anchor="t" bIns="91425" lIns="91425" spcFirstLastPara="1" rIns="91425" wrap="square" tIns="91425">
+          <a:bodyPr spcFirstLastPara="1" wrap="square" lIns="91425" tIns="91425" rIns="91425" bIns="91425" anchor="t" anchorCtr="0">
             <a:normAutofit fontScale="90000"/>
           </a:bodyPr>
           <a:lstStyle/>
           <a:p>
-            <a:pPr indent="0" lvl="0" marL="0" rtl="0" algn="l">
+            <a:pPr marL="0" lvl="0" indent="0" algn="l" rtl="0">
               <a:spcBef>
                 <a:spcPts val="0"/>
               </a:spcBef>
@@ -11307,11 +11503,11 @@
 </file>
 
 <file path=ppt/slides/slide4.xml><?xml version="1.0" encoding="utf-8"?>
-<p:sld xmlns:a="http://schemas.openxmlformats.org/drawingml/2006/main" xmlns:r="http://schemas.openxmlformats.org/officeDocument/2006/relationships" xmlns:mc="http://schemas.openxmlformats.org/markup-compatibility/2006" xmlns:mv="urn:schemas-microsoft-com:mac:vml" xmlns:p="http://schemas.openxmlformats.org/presentationml/2006/main" xmlns:c="http://schemas.openxmlformats.org/drawingml/2006/chart" xmlns:dgm="http://schemas.openxmlformats.org/drawingml/2006/diagram" xmlns:o="urn:schemas-microsoft-com:office:office" xmlns:v="urn:schemas-microsoft-com:vml" xmlns:pvml="urn:schemas-microsoft-com:office:powerpoint" xmlns:com="http://schemas.openxmlformats.org/drawingml/2006/compatibility" xmlns:p14="http://schemas.microsoft.com/office/powerpoint/2010/main" xmlns:p15="http://schemas.microsoft.com/office/powerpoint/2012/main" xmlns:ahyp="http://schemas.microsoft.com/office/drawing/2018/hyperlinkcolor">
+<p:sld xmlns:a="http://schemas.openxmlformats.org/drawingml/2006/main" xmlns:r="http://schemas.openxmlformats.org/officeDocument/2006/relationships" xmlns:p="http://schemas.openxmlformats.org/presentationml/2006/main">
   <p:cSld>
     <p:spTree>
       <p:nvGrpSpPr>
-        <p:cNvPr id="78" name="Shape 78"/>
+        <p:cNvPr id="1" name="Shape 78"/>
         <p:cNvGrpSpPr/>
         <p:nvPr/>
       </p:nvGrpSpPr>
@@ -11326,7 +11522,9 @@
       <p:sp>
         <p:nvSpPr>
           <p:cNvPr id="79" name="Google Shape;79;p16"/>
-          <p:cNvSpPr txBox="1"/>
+          <p:cNvSpPr txBox="1">
+            <a:spLocks noGrp="1"/>
+          </p:cNvSpPr>
           <p:nvPr>
             <p:ph type="title"/>
           </p:nvPr>
@@ -11341,12 +11539,12 @@
           </a:prstGeom>
         </p:spPr>
         <p:txBody>
-          <a:bodyPr anchorCtr="0" anchor="t" bIns="91425" lIns="91425" spcFirstLastPara="1" rIns="91425" wrap="square" tIns="91425">
+          <a:bodyPr spcFirstLastPara="1" wrap="square" lIns="91425" tIns="91425" rIns="91425" bIns="91425" anchor="t" anchorCtr="0">
             <a:normAutofit fontScale="90000"/>
           </a:bodyPr>
           <a:lstStyle/>
           <a:p>
-            <a:pPr indent="0" lvl="0" marL="0" rtl="0" algn="l">
+            <a:pPr marL="0" lvl="0" indent="0" algn="l" rtl="0">
               <a:spcBef>
                 <a:spcPts val="0"/>
               </a:spcBef>
@@ -11366,9 +11564,11 @@
       <p:sp>
         <p:nvSpPr>
           <p:cNvPr id="80" name="Google Shape;80;p16"/>
-          <p:cNvSpPr txBox="1"/>
+          <p:cNvSpPr txBox="1">
+            <a:spLocks noGrp="1"/>
+          </p:cNvSpPr>
           <p:nvPr>
-            <p:ph idx="1" type="body"/>
+            <p:ph type="body" idx="1"/>
           </p:nvPr>
         </p:nvSpPr>
         <p:spPr>
@@ -11381,12 +11581,12 @@
           </a:prstGeom>
         </p:spPr>
         <p:txBody>
-          <a:bodyPr anchorCtr="0" anchor="t" bIns="91425" lIns="91425" spcFirstLastPara="1" rIns="91425" wrap="square" tIns="91425">
+          <a:bodyPr spcFirstLastPara="1" wrap="square" lIns="91425" tIns="91425" rIns="91425" bIns="91425" anchor="t" anchorCtr="0">
             <a:normAutofit/>
           </a:bodyPr>
           <a:lstStyle/>
           <a:p>
-            <a:pPr indent="0" lvl="0" marL="0" rtl="0" algn="l">
+            <a:pPr marL="0" lvl="0" indent="0" algn="l" rtl="0">
               <a:spcBef>
                 <a:spcPts val="0"/>
               </a:spcBef>
@@ -11397,16 +11597,12 @@
             </a:pPr>
             <a:r>
               <a:rPr lang="en"/>
-              <a:t>Problem</a:t>
-            </a:r>
-            <a:r>
-              <a:rPr lang="en"/>
-              <a:t>: Simulating the shipping processes at Kioti (Daedong-USA, Inc.)</a:t>
+              <a:t>Problem: Simulating the shipping processes at Kioti (Daedong-USA, Inc.)</a:t>
             </a:r>
             <a:endParaRPr/>
           </a:p>
           <a:p>
-            <a:pPr indent="-342900" lvl="0" marL="457200" rtl="0" algn="l">
+            <a:pPr marL="457200" lvl="0" indent="-342900" algn="l" rtl="0">
               <a:spcBef>
                 <a:spcPts val="1200"/>
               </a:spcBef>
@@ -11423,7 +11619,7 @@
             <a:endParaRPr/>
           </a:p>
           <a:p>
-            <a:pPr indent="-342900" lvl="0" marL="457200" rtl="0" algn="l">
+            <a:pPr marL="457200" lvl="0" indent="-342900" algn="l" rtl="0">
               <a:spcBef>
                 <a:spcPts val="0"/>
               </a:spcBef>
@@ -11450,11 +11646,11 @@
 </file>
 
 <file path=ppt/slides/slide5.xml><?xml version="1.0" encoding="utf-8"?>
-<p:sld xmlns:a="http://schemas.openxmlformats.org/drawingml/2006/main" xmlns:r="http://schemas.openxmlformats.org/officeDocument/2006/relationships" xmlns:mc="http://schemas.openxmlformats.org/markup-compatibility/2006" xmlns:mv="urn:schemas-microsoft-com:mac:vml" xmlns:p="http://schemas.openxmlformats.org/presentationml/2006/main" xmlns:c="http://schemas.openxmlformats.org/drawingml/2006/chart" xmlns:dgm="http://schemas.openxmlformats.org/drawingml/2006/diagram" xmlns:o="urn:schemas-microsoft-com:office:office" xmlns:v="urn:schemas-microsoft-com:vml" xmlns:pvml="urn:schemas-microsoft-com:office:powerpoint" xmlns:com="http://schemas.openxmlformats.org/drawingml/2006/compatibility" xmlns:p14="http://schemas.microsoft.com/office/powerpoint/2010/main" xmlns:p15="http://schemas.microsoft.com/office/powerpoint/2012/main" xmlns:ahyp="http://schemas.microsoft.com/office/drawing/2018/hyperlinkcolor">
+<p:sld xmlns:a="http://schemas.openxmlformats.org/drawingml/2006/main" xmlns:r="http://schemas.openxmlformats.org/officeDocument/2006/relationships" xmlns:p="http://schemas.openxmlformats.org/presentationml/2006/main">
   <p:cSld>
     <p:spTree>
       <p:nvGrpSpPr>
-        <p:cNvPr id="84" name="Shape 84"/>
+        <p:cNvPr id="1" name="Shape 84"/>
         <p:cNvGrpSpPr/>
         <p:nvPr/>
       </p:nvGrpSpPr>
@@ -11469,7 +11665,9 @@
       <p:sp>
         <p:nvSpPr>
           <p:cNvPr id="85" name="Google Shape;85;p17"/>
-          <p:cNvSpPr txBox="1"/>
+          <p:cNvSpPr txBox="1">
+            <a:spLocks noGrp="1"/>
+          </p:cNvSpPr>
           <p:nvPr>
             <p:ph type="title"/>
           </p:nvPr>
@@ -11484,12 +11682,12 @@
           </a:prstGeom>
         </p:spPr>
         <p:txBody>
-          <a:bodyPr anchorCtr="0" anchor="t" bIns="91425" lIns="91425" spcFirstLastPara="1" rIns="91425" wrap="square" tIns="91425">
+          <a:bodyPr spcFirstLastPara="1" wrap="square" lIns="91425" tIns="91425" rIns="91425" bIns="91425" anchor="t" anchorCtr="0">
             <a:normAutofit fontScale="90000"/>
           </a:bodyPr>
           <a:lstStyle/>
           <a:p>
-            <a:pPr indent="0" lvl="0" marL="0" rtl="0" algn="l">
+            <a:pPr marL="0" lvl="0" indent="0" algn="l" rtl="0">
               <a:spcBef>
                 <a:spcPts val="0"/>
               </a:spcBef>
@@ -11554,12 +11752,12 @@
           </a:ln>
         </p:spPr>
         <p:txBody>
-          <a:bodyPr anchorCtr="0" anchor="t" bIns="91425" lIns="91425" spcFirstLastPara="1" rIns="91425" wrap="square" tIns="91425">
+          <a:bodyPr spcFirstLastPara="1" wrap="square" lIns="91425" tIns="91425" rIns="91425" bIns="91425" anchor="t" anchorCtr="0">
             <a:spAutoFit/>
           </a:bodyPr>
           <a:lstStyle/>
           <a:p>
-            <a:pPr indent="0" lvl="0" marL="0" rtl="0" algn="l">
+            <a:pPr marL="0" lvl="0" indent="0" algn="l" rtl="0">
               <a:spcBef>
                 <a:spcPts val="0"/>
               </a:spcBef>
@@ -11585,7 +11783,7 @@
             </a:endParaRPr>
           </a:p>
           <a:p>
-            <a:pPr indent="0" lvl="0" marL="0" rtl="0" algn="l">
+            <a:pPr marL="0" lvl="0" indent="0" algn="l" rtl="0">
               <a:spcBef>
                 <a:spcPts val="0"/>
               </a:spcBef>
@@ -11594,9 +11792,6 @@
               </a:spcAft>
               <a:buNone/>
             </a:pPr>
-            <a:r>
-              <a:t/>
-            </a:r>
             <a:endParaRPr>
               <a:latin typeface="Proxima Nova"/>
               <a:ea typeface="Proxima Nova"/>
@@ -11605,7 +11800,7 @@
             </a:endParaRPr>
           </a:p>
           <a:p>
-            <a:pPr indent="0" lvl="0" marL="0" rtl="0" algn="l">
+            <a:pPr marL="0" lvl="0" indent="0" algn="l" rtl="0">
               <a:spcBef>
                 <a:spcPts val="0"/>
               </a:spcBef>
@@ -11631,7 +11826,7 @@
             </a:endParaRPr>
           </a:p>
           <a:p>
-            <a:pPr indent="0" lvl="0" marL="0" rtl="0" algn="l">
+            <a:pPr marL="0" lvl="0" indent="0" algn="l" rtl="0">
               <a:spcBef>
                 <a:spcPts val="0"/>
               </a:spcBef>
@@ -11640,9 +11835,6 @@
               </a:spcAft>
               <a:buNone/>
             </a:pPr>
-            <a:r>
-              <a:t/>
-            </a:r>
             <a:endParaRPr>
               <a:latin typeface="Proxima Nova"/>
               <a:ea typeface="Proxima Nova"/>
@@ -11651,7 +11843,7 @@
             </a:endParaRPr>
           </a:p>
           <a:p>
-            <a:pPr indent="0" lvl="0" marL="0" rtl="0" algn="l">
+            <a:pPr marL="0" lvl="0" indent="0" algn="l" rtl="0">
               <a:spcBef>
                 <a:spcPts val="0"/>
               </a:spcBef>
@@ -11677,7 +11869,7 @@
             </a:endParaRPr>
           </a:p>
           <a:p>
-            <a:pPr indent="0" lvl="0" marL="0" rtl="0" algn="l">
+            <a:pPr marL="0" lvl="0" indent="0" algn="l" rtl="0">
               <a:spcBef>
                 <a:spcPts val="0"/>
               </a:spcBef>
@@ -11686,9 +11878,6 @@
               </a:spcAft>
               <a:buNone/>
             </a:pPr>
-            <a:r>
-              <a:t/>
-            </a:r>
             <a:endParaRPr>
               <a:latin typeface="Proxima Nova"/>
               <a:ea typeface="Proxima Nova"/>
@@ -11697,7 +11886,7 @@
             </a:endParaRPr>
           </a:p>
           <a:p>
-            <a:pPr indent="0" lvl="0" marL="0" rtl="0" algn="l">
+            <a:pPr marL="0" lvl="0" indent="0" algn="l" rtl="0">
               <a:spcBef>
                 <a:spcPts val="0"/>
               </a:spcBef>
@@ -11723,7 +11912,7 @@
             </a:endParaRPr>
           </a:p>
           <a:p>
-            <a:pPr indent="0" lvl="0" marL="0" rtl="0" algn="l">
+            <a:pPr marL="0" lvl="0" indent="0" algn="l" rtl="0">
               <a:spcBef>
                 <a:spcPts val="0"/>
               </a:spcBef>
@@ -11732,9 +11921,6 @@
               </a:spcAft>
               <a:buNone/>
             </a:pPr>
-            <a:r>
-              <a:t/>
-            </a:r>
             <a:endParaRPr>
               <a:latin typeface="Proxima Nova"/>
               <a:ea typeface="Proxima Nova"/>
@@ -11743,7 +11929,7 @@
             </a:endParaRPr>
           </a:p>
           <a:p>
-            <a:pPr indent="0" lvl="0" marL="0" rtl="0" algn="l">
+            <a:pPr marL="0" lvl="0" indent="0" algn="l" rtl="0">
               <a:spcBef>
                 <a:spcPts val="0"/>
               </a:spcBef>
@@ -11769,7 +11955,7 @@
             </a:endParaRPr>
           </a:p>
           <a:p>
-            <a:pPr indent="0" lvl="0" marL="0" rtl="0" algn="l">
+            <a:pPr marL="0" lvl="0" indent="0" algn="l" rtl="0">
               <a:spcBef>
                 <a:spcPts val="0"/>
               </a:spcBef>
@@ -11778,9 +11964,6 @@
               </a:spcAft>
               <a:buNone/>
             </a:pPr>
-            <a:r>
-              <a:t/>
-            </a:r>
             <a:endParaRPr>
               <a:latin typeface="Proxima Nova"/>
               <a:ea typeface="Proxima Nova"/>
@@ -11789,7 +11972,7 @@
             </a:endParaRPr>
           </a:p>
           <a:p>
-            <a:pPr indent="0" lvl="0" marL="0" rtl="0" algn="l">
+            <a:pPr marL="0" lvl="0" indent="0" algn="l" rtl="0">
               <a:spcBef>
                 <a:spcPts val="0"/>
               </a:spcBef>
@@ -11825,11 +12008,11 @@
 </file>
 
 <file path=ppt/slides/slide6.xml><?xml version="1.0" encoding="utf-8"?>
-<p:sld xmlns:a="http://schemas.openxmlformats.org/drawingml/2006/main" xmlns:r="http://schemas.openxmlformats.org/officeDocument/2006/relationships" xmlns:mc="http://schemas.openxmlformats.org/markup-compatibility/2006" xmlns:mv="urn:schemas-microsoft-com:mac:vml" xmlns:p="http://schemas.openxmlformats.org/presentationml/2006/main" xmlns:c="http://schemas.openxmlformats.org/drawingml/2006/chart" xmlns:dgm="http://schemas.openxmlformats.org/drawingml/2006/diagram" xmlns:o="urn:schemas-microsoft-com:office:office" xmlns:v="urn:schemas-microsoft-com:vml" xmlns:pvml="urn:schemas-microsoft-com:office:powerpoint" xmlns:com="http://schemas.openxmlformats.org/drawingml/2006/compatibility" xmlns:p14="http://schemas.microsoft.com/office/powerpoint/2010/main" xmlns:p15="http://schemas.microsoft.com/office/powerpoint/2012/main" xmlns:ahyp="http://schemas.microsoft.com/office/drawing/2018/hyperlinkcolor">
+<p:sld xmlns:a="http://schemas.openxmlformats.org/drawingml/2006/main" xmlns:r="http://schemas.openxmlformats.org/officeDocument/2006/relationships" xmlns:p="http://schemas.openxmlformats.org/presentationml/2006/main">
   <p:cSld>
     <p:spTree>
       <p:nvGrpSpPr>
-        <p:cNvPr id="91" name="Shape 91"/>
+        <p:cNvPr id="1" name="Shape 91"/>
         <p:cNvGrpSpPr/>
         <p:nvPr/>
       </p:nvGrpSpPr>
@@ -11844,7 +12027,9 @@
       <p:sp>
         <p:nvSpPr>
           <p:cNvPr id="92" name="Google Shape;92;p18"/>
-          <p:cNvSpPr txBox="1"/>
+          <p:cNvSpPr txBox="1">
+            <a:spLocks noGrp="1"/>
+          </p:cNvSpPr>
           <p:nvPr>
             <p:ph type="title"/>
           </p:nvPr>
@@ -11859,12 +12044,12 @@
           </a:prstGeom>
         </p:spPr>
         <p:txBody>
-          <a:bodyPr anchorCtr="0" anchor="t" bIns="91425" lIns="91425" spcFirstLastPara="1" rIns="91425" wrap="square" tIns="91425">
+          <a:bodyPr spcFirstLastPara="1" wrap="square" lIns="91425" tIns="91425" rIns="91425" bIns="91425" anchor="t" anchorCtr="0">
             <a:normAutofit fontScale="90000"/>
           </a:bodyPr>
           <a:lstStyle/>
           <a:p>
-            <a:pPr indent="0" lvl="0" marL="0" rtl="0" algn="l">
+            <a:pPr marL="0" lvl="0" indent="0" algn="l" rtl="0">
               <a:spcBef>
                 <a:spcPts val="0"/>
               </a:spcBef>
@@ -11884,9 +12069,11 @@
       <p:sp>
         <p:nvSpPr>
           <p:cNvPr id="93" name="Google Shape;93;p18"/>
-          <p:cNvSpPr txBox="1"/>
+          <p:cNvSpPr txBox="1">
+            <a:spLocks noGrp="1"/>
+          </p:cNvSpPr>
           <p:nvPr>
-            <p:ph idx="1" type="body"/>
+            <p:ph type="body" idx="1"/>
           </p:nvPr>
         </p:nvSpPr>
         <p:spPr>
@@ -11899,12 +12086,12 @@
           </a:prstGeom>
         </p:spPr>
         <p:txBody>
-          <a:bodyPr anchorCtr="0" anchor="t" bIns="91425" lIns="91425" spcFirstLastPara="1" rIns="91425" wrap="square" tIns="91425">
-            <a:normAutofit lnSpcReduction="20000"/>
+          <a:bodyPr spcFirstLastPara="1" wrap="square" lIns="91425" tIns="91425" rIns="91425" bIns="91425" anchor="t" anchorCtr="0">
+            <a:normAutofit fontScale="92500" lnSpcReduction="20000"/>
           </a:bodyPr>
           <a:lstStyle/>
           <a:p>
-            <a:pPr indent="0" lvl="0" marL="0" rtl="0" algn="l">
+            <a:pPr marL="0" lvl="0" indent="0" algn="l" rtl="0">
               <a:spcBef>
                 <a:spcPts val="0"/>
               </a:spcBef>
@@ -11915,16 +12102,12 @@
             </a:pPr>
             <a:r>
               <a:rPr lang="en"/>
-              <a:t>Primary Parameters</a:t>
-            </a:r>
-            <a:r>
-              <a:rPr lang="en"/>
-              <a:t>: Number of Teams, Number of Trucks</a:t>
+              <a:t>Primary Parameters: Number of Teams, Number of Trucks</a:t>
             </a:r>
             <a:endParaRPr/>
           </a:p>
           <a:p>
-            <a:pPr indent="-342900" lvl="0" marL="457200" rtl="0" algn="l">
+            <a:pPr marL="457200" lvl="0" indent="-342900" algn="l" rtl="0">
               <a:spcBef>
                 <a:spcPts val="1200"/>
               </a:spcBef>
@@ -11941,7 +12124,7 @@
             <a:endParaRPr/>
           </a:p>
           <a:p>
-            <a:pPr indent="0" lvl="0" marL="0" rtl="0" algn="l">
+            <a:pPr marL="0" lvl="0" indent="0" algn="l" rtl="0">
               <a:spcBef>
                 <a:spcPts val="1200"/>
               </a:spcBef>
@@ -11957,7 +12140,7 @@
             <a:endParaRPr/>
           </a:p>
           <a:p>
-            <a:pPr indent="-342900" lvl="0" marL="457200" rtl="0" algn="l">
+            <a:pPr marL="457200" lvl="0" indent="-342900" algn="l" rtl="0">
               <a:spcBef>
                 <a:spcPts val="1200"/>
               </a:spcBef>
@@ -11974,7 +12157,7 @@
             <a:endParaRPr/>
           </a:p>
           <a:p>
-            <a:pPr indent="-342900" lvl="0" marL="457200" rtl="0" algn="l">
+            <a:pPr marL="457200" lvl="0" indent="-342900" algn="l" rtl="0">
               <a:spcBef>
                 <a:spcPts val="0"/>
               </a:spcBef>
@@ -11991,7 +12174,7 @@
             <a:endParaRPr/>
           </a:p>
           <a:p>
-            <a:pPr indent="-342900" lvl="0" marL="457200" rtl="0" algn="l">
+            <a:pPr marL="457200" lvl="0" indent="-342900" algn="l" rtl="0">
               <a:spcBef>
                 <a:spcPts val="0"/>
               </a:spcBef>
@@ -12008,7 +12191,7 @@
             <a:endParaRPr/>
           </a:p>
           <a:p>
-            <a:pPr indent="-342900" lvl="0" marL="457200" rtl="0" algn="l">
+            <a:pPr marL="457200" lvl="0" indent="-342900" algn="l" rtl="0">
               <a:spcBef>
                 <a:spcPts val="0"/>
               </a:spcBef>
@@ -12025,7 +12208,7 @@
             <a:endParaRPr/>
           </a:p>
           <a:p>
-            <a:pPr indent="-342900" lvl="0" marL="457200" rtl="0" algn="l">
+            <a:pPr marL="457200" lvl="0" indent="-342900" algn="l" rtl="0">
               <a:spcBef>
                 <a:spcPts val="0"/>
               </a:spcBef>
@@ -12042,7 +12225,7 @@
             <a:endParaRPr/>
           </a:p>
           <a:p>
-            <a:pPr indent="0" lvl="0" marL="0" rtl="0" algn="l">
+            <a:pPr marL="0" lvl="0" indent="0" algn="l" rtl="0">
               <a:spcBef>
                 <a:spcPts val="1200"/>
               </a:spcBef>
@@ -12068,11 +12251,11 @@
 </file>
 
 <file path=ppt/slides/slide7.xml><?xml version="1.0" encoding="utf-8"?>
-<p:sld xmlns:a="http://schemas.openxmlformats.org/drawingml/2006/main" xmlns:r="http://schemas.openxmlformats.org/officeDocument/2006/relationships" xmlns:mc="http://schemas.openxmlformats.org/markup-compatibility/2006" xmlns:mv="urn:schemas-microsoft-com:mac:vml" xmlns:p="http://schemas.openxmlformats.org/presentationml/2006/main" xmlns:c="http://schemas.openxmlformats.org/drawingml/2006/chart" xmlns:dgm="http://schemas.openxmlformats.org/drawingml/2006/diagram" xmlns:o="urn:schemas-microsoft-com:office:office" xmlns:v="urn:schemas-microsoft-com:vml" xmlns:pvml="urn:schemas-microsoft-com:office:powerpoint" xmlns:com="http://schemas.openxmlformats.org/drawingml/2006/compatibility" xmlns:p14="http://schemas.microsoft.com/office/powerpoint/2010/main" xmlns:p15="http://schemas.microsoft.com/office/powerpoint/2012/main" xmlns:ahyp="http://schemas.microsoft.com/office/drawing/2018/hyperlinkcolor">
+<p:sld xmlns:a="http://schemas.openxmlformats.org/drawingml/2006/main" xmlns:r="http://schemas.openxmlformats.org/officeDocument/2006/relationships" xmlns:p="http://schemas.openxmlformats.org/presentationml/2006/main">
   <p:cSld>
     <p:spTree>
       <p:nvGrpSpPr>
-        <p:cNvPr id="97" name="Shape 97"/>
+        <p:cNvPr id="1" name="Shape 97"/>
         <p:cNvGrpSpPr/>
         <p:nvPr/>
       </p:nvGrpSpPr>
@@ -12087,7 +12270,9 @@
       <p:sp>
         <p:nvSpPr>
           <p:cNvPr id="98" name="Google Shape;98;p19"/>
-          <p:cNvSpPr txBox="1"/>
+          <p:cNvSpPr txBox="1">
+            <a:spLocks noGrp="1"/>
+          </p:cNvSpPr>
           <p:nvPr>
             <p:ph type="title"/>
           </p:nvPr>
@@ -12102,12 +12287,12 @@
           </a:prstGeom>
         </p:spPr>
         <p:txBody>
-          <a:bodyPr anchorCtr="0" anchor="t" bIns="91425" lIns="91425" spcFirstLastPara="1" rIns="91425" wrap="square" tIns="91425">
+          <a:bodyPr spcFirstLastPara="1" wrap="square" lIns="91425" tIns="91425" rIns="91425" bIns="91425" anchor="t" anchorCtr="0">
             <a:normAutofit fontScale="90000"/>
           </a:bodyPr>
           <a:lstStyle/>
           <a:p>
-            <a:pPr indent="0" lvl="0" marL="0" rtl="0" algn="l">
+            <a:pPr marL="0" lvl="0" indent="0" algn="l" rtl="0">
               <a:spcBef>
                 <a:spcPts val="0"/>
               </a:spcBef>
@@ -12127,9 +12312,11 @@
       <p:sp>
         <p:nvSpPr>
           <p:cNvPr id="99" name="Google Shape;99;p19"/>
-          <p:cNvSpPr txBox="1"/>
+          <p:cNvSpPr txBox="1">
+            <a:spLocks noGrp="1"/>
+          </p:cNvSpPr>
           <p:nvPr>
-            <p:ph idx="1" type="body"/>
+            <p:ph type="body" idx="1"/>
           </p:nvPr>
         </p:nvSpPr>
         <p:spPr>
@@ -12142,12 +12329,12 @@
           </a:prstGeom>
         </p:spPr>
         <p:txBody>
-          <a:bodyPr anchorCtr="0" anchor="t" bIns="91425" lIns="91425" spcFirstLastPara="1" rIns="91425" wrap="square" tIns="91425">
-            <a:normAutofit lnSpcReduction="20000"/>
+          <a:bodyPr spcFirstLastPara="1" wrap="square" lIns="91425" tIns="91425" rIns="91425" bIns="91425" anchor="t" anchorCtr="0">
+            <a:normAutofit lnSpcReduction="10000"/>
           </a:bodyPr>
           <a:lstStyle/>
           <a:p>
-            <a:pPr indent="0" lvl="0" marL="0" rtl="0" algn="l">
+            <a:pPr marL="0" lvl="0" indent="0" algn="l" rtl="0">
               <a:spcBef>
                 <a:spcPts val="0"/>
               </a:spcBef>
@@ -12163,7 +12350,7 @@
             <a:endParaRPr/>
           </a:p>
           <a:p>
-            <a:pPr indent="-342900" lvl="0" marL="457200" rtl="0" algn="l">
+            <a:pPr marL="457200" lvl="0" indent="-342900" algn="l" rtl="0">
               <a:spcBef>
                 <a:spcPts val="1200"/>
               </a:spcBef>
@@ -12180,7 +12367,7 @@
             <a:endParaRPr/>
           </a:p>
           <a:p>
-            <a:pPr indent="-342900" lvl="0" marL="457200" rtl="0" algn="l">
+            <a:pPr marL="457200" lvl="0" indent="-342900" algn="l" rtl="0">
               <a:spcBef>
                 <a:spcPts val="0"/>
               </a:spcBef>
@@ -12197,7 +12384,7 @@
             <a:endParaRPr/>
           </a:p>
           <a:p>
-            <a:pPr indent="-342900" lvl="0" marL="457200" rtl="0" algn="l">
+            <a:pPr marL="457200" lvl="0" indent="-342900" algn="l" rtl="0">
               <a:spcBef>
                 <a:spcPts val="0"/>
               </a:spcBef>
@@ -12214,7 +12401,7 @@
             <a:endParaRPr/>
           </a:p>
           <a:p>
-            <a:pPr indent="-342900" lvl="0" marL="457200" rtl="0" algn="l">
+            <a:pPr marL="457200" lvl="0" indent="-342900" algn="l" rtl="0">
               <a:spcBef>
                 <a:spcPts val="0"/>
               </a:spcBef>
@@ -12231,7 +12418,7 @@
             <a:endParaRPr/>
           </a:p>
           <a:p>
-            <a:pPr indent="-342900" lvl="0" marL="457200" rtl="0" algn="l">
+            <a:pPr marL="457200" lvl="0" indent="-342900" algn="l" rtl="0">
               <a:spcBef>
                 <a:spcPts val="0"/>
               </a:spcBef>
@@ -12248,7 +12435,7 @@
             <a:endParaRPr/>
           </a:p>
           <a:p>
-            <a:pPr indent="-317500" lvl="1" marL="914400" rtl="0" algn="l">
+            <a:pPr marL="914400" lvl="1" indent="-317500" algn="l" rtl="0">
               <a:spcBef>
                 <a:spcPts val="0"/>
               </a:spcBef>
@@ -12265,7 +12452,7 @@
             <a:endParaRPr/>
           </a:p>
           <a:p>
-            <a:pPr indent="-317500" lvl="1" marL="914400" rtl="0" algn="l">
+            <a:pPr marL="914400" lvl="1" indent="-317500" algn="l" rtl="0">
               <a:spcBef>
                 <a:spcPts val="0"/>
               </a:spcBef>
@@ -12282,7 +12469,7 @@
             <a:endParaRPr/>
           </a:p>
           <a:p>
-            <a:pPr indent="0" lvl="0" marL="0" rtl="0" algn="l">
+            <a:pPr marL="0" lvl="0" indent="0" algn="l" rtl="0">
               <a:spcBef>
                 <a:spcPts val="1200"/>
               </a:spcBef>
@@ -12291,9 +12478,6 @@
               </a:spcAft>
               <a:buNone/>
             </a:pPr>
-            <a:r>
-              <a:t/>
-            </a:r>
             <a:endParaRPr/>
           </a:p>
         </p:txBody>
@@ -12307,11 +12491,11 @@
 </file>
 
 <file path=ppt/slides/slide8.xml><?xml version="1.0" encoding="utf-8"?>
-<p:sld xmlns:a="http://schemas.openxmlformats.org/drawingml/2006/main" xmlns:r="http://schemas.openxmlformats.org/officeDocument/2006/relationships" xmlns:mc="http://schemas.openxmlformats.org/markup-compatibility/2006" xmlns:mv="urn:schemas-microsoft-com:mac:vml" xmlns:p="http://schemas.openxmlformats.org/presentationml/2006/main" xmlns:c="http://schemas.openxmlformats.org/drawingml/2006/chart" xmlns:dgm="http://schemas.openxmlformats.org/drawingml/2006/diagram" xmlns:o="urn:schemas-microsoft-com:office:office" xmlns:v="urn:schemas-microsoft-com:vml" xmlns:pvml="urn:schemas-microsoft-com:office:powerpoint" xmlns:com="http://schemas.openxmlformats.org/drawingml/2006/compatibility" xmlns:p14="http://schemas.microsoft.com/office/powerpoint/2010/main" xmlns:p15="http://schemas.microsoft.com/office/powerpoint/2012/main" xmlns:ahyp="http://schemas.microsoft.com/office/drawing/2018/hyperlinkcolor">
+<p:sld xmlns:a="http://schemas.openxmlformats.org/drawingml/2006/main" xmlns:r="http://schemas.openxmlformats.org/officeDocument/2006/relationships" xmlns:p="http://schemas.openxmlformats.org/presentationml/2006/main">
   <p:cSld>
     <p:spTree>
       <p:nvGrpSpPr>
-        <p:cNvPr id="103" name="Shape 103"/>
+        <p:cNvPr id="1" name="Shape 103"/>
         <p:cNvGrpSpPr/>
         <p:nvPr/>
       </p:nvGrpSpPr>
@@ -12326,7 +12510,9 @@
       <p:sp>
         <p:nvSpPr>
           <p:cNvPr id="104" name="Google Shape;104;p20"/>
-          <p:cNvSpPr txBox="1"/>
+          <p:cNvSpPr txBox="1">
+            <a:spLocks noGrp="1"/>
+          </p:cNvSpPr>
           <p:nvPr>
             <p:ph type="title"/>
           </p:nvPr>
@@ -12341,12 +12527,12 @@
           </a:prstGeom>
         </p:spPr>
         <p:txBody>
-          <a:bodyPr anchorCtr="0" anchor="t" bIns="91425" lIns="91425" spcFirstLastPara="1" rIns="91425" wrap="square" tIns="91425">
+          <a:bodyPr spcFirstLastPara="1" wrap="square" lIns="91425" tIns="91425" rIns="91425" bIns="91425" anchor="t" anchorCtr="0">
             <a:normAutofit fontScale="90000"/>
           </a:bodyPr>
           <a:lstStyle/>
           <a:p>
-            <a:pPr indent="0" lvl="0" marL="0" rtl="0" algn="l">
+            <a:pPr marL="0" lvl="0" indent="0" algn="l" rtl="0">
               <a:spcBef>
                 <a:spcPts val="0"/>
               </a:spcBef>
@@ -12357,11 +12543,7 @@
             </a:pPr>
             <a:r>
               <a:rPr lang="en"/>
-              <a:t>Why</a:t>
-            </a:r>
-            <a:r>
-              <a:rPr lang="en"/>
-              <a:t> Simulate This Way?</a:t>
+              <a:t>Why Simulate This Way?</a:t>
             </a:r>
             <a:endParaRPr/>
           </a:p>
@@ -12370,9 +12552,11 @@
       <p:sp>
         <p:nvSpPr>
           <p:cNvPr id="105" name="Google Shape;105;p20"/>
-          <p:cNvSpPr txBox="1"/>
+          <p:cNvSpPr txBox="1">
+            <a:spLocks noGrp="1"/>
+          </p:cNvSpPr>
           <p:nvPr>
-            <p:ph idx="1" type="body"/>
+            <p:ph type="body" idx="1"/>
           </p:nvPr>
         </p:nvSpPr>
         <p:spPr>
@@ -12385,12 +12569,12 @@
           </a:prstGeom>
         </p:spPr>
         <p:txBody>
-          <a:bodyPr anchorCtr="0" anchor="t" bIns="91425" lIns="91425" spcFirstLastPara="1" rIns="91425" wrap="square" tIns="91425">
-            <a:normAutofit fontScale="85000" lnSpcReduction="10000"/>
+          <a:bodyPr spcFirstLastPara="1" wrap="square" lIns="91425" tIns="91425" rIns="91425" bIns="91425" anchor="t" anchorCtr="0">
+            <a:normAutofit fontScale="92500" lnSpcReduction="20000"/>
           </a:bodyPr>
           <a:lstStyle/>
           <a:p>
-            <a:pPr indent="0" lvl="0" marL="0" rtl="0" algn="l">
+            <a:pPr marL="0" lvl="0" indent="0" algn="l" rtl="0">
               <a:spcBef>
                 <a:spcPts val="0"/>
               </a:spcBef>
@@ -12401,16 +12585,12 @@
             </a:pPr>
             <a:r>
               <a:rPr lang="en"/>
-              <a:t>Due to a combination of desires from the Shipping Manager and the intended extension of the program, the program needed to be setup so that future parameters could be </a:t>
-            </a:r>
-            <a:r>
-              <a:rPr lang="en"/>
-              <a:t>accommodated:</a:t>
+              <a:t>Due to a combination of desires from the Shipping Manager and the intended extension of the program, the program needed to be setup so that future parameters could be accommodated:</a:t>
             </a:r>
             <a:endParaRPr/>
           </a:p>
           <a:p>
-            <a:pPr indent="-325755" lvl="0" marL="457200" rtl="0" algn="l">
+            <a:pPr marL="457200" lvl="0" indent="-325755" algn="l" rtl="0">
               <a:spcBef>
                 <a:spcPts val="1200"/>
               </a:spcBef>
@@ -12427,7 +12607,7 @@
             <a:endParaRPr/>
           </a:p>
           <a:p>
-            <a:pPr indent="-325755" lvl="0" marL="457200" rtl="0" algn="l">
+            <a:pPr marL="457200" lvl="0" indent="-325755" algn="l" rtl="0">
               <a:spcBef>
                 <a:spcPts val="0"/>
               </a:spcBef>
@@ -12444,7 +12624,7 @@
             <a:endParaRPr/>
           </a:p>
           <a:p>
-            <a:pPr indent="-325755" lvl="0" marL="457200" rtl="0" algn="l">
+            <a:pPr marL="457200" lvl="0" indent="-325755" algn="l" rtl="0">
               <a:spcBef>
                 <a:spcPts val="0"/>
               </a:spcBef>
@@ -12461,7 +12641,7 @@
             <a:endParaRPr/>
           </a:p>
           <a:p>
-            <a:pPr indent="-325755" lvl="0" marL="457200" rtl="0" algn="l">
+            <a:pPr marL="457200" lvl="0" indent="-325755" algn="l" rtl="0">
               <a:spcBef>
                 <a:spcPts val="0"/>
               </a:spcBef>
@@ -12478,7 +12658,7 @@
             <a:endParaRPr/>
           </a:p>
           <a:p>
-            <a:pPr indent="-325755" lvl="0" marL="457200" rtl="0" algn="l">
+            <a:pPr marL="457200" lvl="0" indent="-325755" algn="l" rtl="0">
               <a:spcBef>
                 <a:spcPts val="0"/>
               </a:spcBef>
@@ -12495,7 +12675,7 @@
             <a:endParaRPr/>
           </a:p>
           <a:p>
-            <a:pPr indent="0" lvl="0" marL="0" rtl="0" algn="l">
+            <a:pPr marL="0" lvl="0" indent="0" algn="l" rtl="0">
               <a:spcBef>
                 <a:spcPts val="1200"/>
               </a:spcBef>
@@ -12511,7 +12691,7 @@
             <a:endParaRPr/>
           </a:p>
           <a:p>
-            <a:pPr indent="-325755" lvl="0" marL="457200" rtl="0" algn="l">
+            <a:pPr marL="457200" lvl="0" indent="-325755" algn="l" rtl="0">
               <a:spcBef>
                 <a:spcPts val="1200"/>
               </a:spcBef>
@@ -12528,7 +12708,7 @@
             <a:endParaRPr/>
           </a:p>
           <a:p>
-            <a:pPr indent="-325755" lvl="0" marL="457200" rtl="0" algn="l">
+            <a:pPr marL="457200" lvl="0" indent="-325755" algn="l" rtl="0">
               <a:spcBef>
                 <a:spcPts val="0"/>
               </a:spcBef>
@@ -12545,7 +12725,7 @@
             <a:endParaRPr/>
           </a:p>
           <a:p>
-            <a:pPr indent="-325755" lvl="0" marL="457200" rtl="0" algn="l">
+            <a:pPr marL="457200" lvl="0" indent="-325755" algn="l" rtl="0">
               <a:spcBef>
                 <a:spcPts val="0"/>
               </a:spcBef>
@@ -12562,7 +12742,7 @@
             <a:endParaRPr/>
           </a:p>
           <a:p>
-            <a:pPr indent="0" lvl="0" marL="0" rtl="0" algn="l">
+            <a:pPr marL="0" lvl="0" indent="0" algn="l" rtl="0">
               <a:spcBef>
                 <a:spcPts val="1200"/>
               </a:spcBef>
@@ -12571,9 +12751,6 @@
               </a:spcAft>
               <a:buNone/>
             </a:pPr>
-            <a:r>
-              <a:t/>
-            </a:r>
             <a:endParaRPr/>
           </a:p>
         </p:txBody>
@@ -12587,11 +12764,11 @@
 </file>
 
 <file path=ppt/slides/slide9.xml><?xml version="1.0" encoding="utf-8"?>
-<p:sld xmlns:a="http://schemas.openxmlformats.org/drawingml/2006/main" xmlns:r="http://schemas.openxmlformats.org/officeDocument/2006/relationships" xmlns:mc="http://schemas.openxmlformats.org/markup-compatibility/2006" xmlns:mv="urn:schemas-microsoft-com:mac:vml" xmlns:p="http://schemas.openxmlformats.org/presentationml/2006/main" xmlns:c="http://schemas.openxmlformats.org/drawingml/2006/chart" xmlns:dgm="http://schemas.openxmlformats.org/drawingml/2006/diagram" xmlns:o="urn:schemas-microsoft-com:office:office" xmlns:v="urn:schemas-microsoft-com:vml" xmlns:pvml="urn:schemas-microsoft-com:office:powerpoint" xmlns:com="http://schemas.openxmlformats.org/drawingml/2006/compatibility" xmlns:p14="http://schemas.microsoft.com/office/powerpoint/2010/main" xmlns:p15="http://schemas.microsoft.com/office/powerpoint/2012/main" xmlns:ahyp="http://schemas.microsoft.com/office/drawing/2018/hyperlinkcolor">
+<p:sld xmlns:a="http://schemas.openxmlformats.org/drawingml/2006/main" xmlns:r="http://schemas.openxmlformats.org/officeDocument/2006/relationships" xmlns:p="http://schemas.openxmlformats.org/presentationml/2006/main">
   <p:cSld>
     <p:spTree>
       <p:nvGrpSpPr>
-        <p:cNvPr id="109" name="Shape 109"/>
+        <p:cNvPr id="1" name="Shape 109"/>
         <p:cNvGrpSpPr/>
         <p:nvPr/>
       </p:nvGrpSpPr>
@@ -12606,7 +12783,9 @@
       <p:sp>
         <p:nvSpPr>
           <p:cNvPr id="110" name="Google Shape;110;p21"/>
-          <p:cNvSpPr txBox="1"/>
+          <p:cNvSpPr txBox="1">
+            <a:spLocks noGrp="1"/>
+          </p:cNvSpPr>
           <p:nvPr>
             <p:ph type="title"/>
           </p:nvPr>
@@ -12621,12 +12800,12 @@
           </a:prstGeom>
         </p:spPr>
         <p:txBody>
-          <a:bodyPr anchorCtr="0" anchor="t" bIns="91425" lIns="91425" spcFirstLastPara="1" rIns="91425" wrap="square" tIns="91425">
+          <a:bodyPr spcFirstLastPara="1" wrap="square" lIns="91425" tIns="91425" rIns="91425" bIns="91425" anchor="t" anchorCtr="0">
             <a:normAutofit fontScale="90000"/>
           </a:bodyPr>
           <a:lstStyle/>
           <a:p>
-            <a:pPr indent="0" lvl="0" marL="0" rtl="0" algn="l">
+            <a:pPr marL="0" lvl="0" indent="0" algn="l" rtl="0">
               <a:spcBef>
                 <a:spcPts val="0"/>
               </a:spcBef>
@@ -12646,9 +12825,11 @@
       <p:sp>
         <p:nvSpPr>
           <p:cNvPr id="111" name="Google Shape;111;p21"/>
-          <p:cNvSpPr txBox="1"/>
+          <p:cNvSpPr txBox="1">
+            <a:spLocks noGrp="1"/>
+          </p:cNvSpPr>
           <p:nvPr>
-            <p:ph idx="1" type="body"/>
+            <p:ph type="body" idx="1"/>
           </p:nvPr>
         </p:nvSpPr>
         <p:spPr>
@@ -12661,12 +12842,12 @@
           </a:prstGeom>
         </p:spPr>
         <p:txBody>
-          <a:bodyPr anchorCtr="0" anchor="t" bIns="91425" lIns="91425" spcFirstLastPara="1" rIns="91425" wrap="square" tIns="91425">
+          <a:bodyPr spcFirstLastPara="1" wrap="square" lIns="91425" tIns="91425" rIns="91425" bIns="91425" anchor="t" anchorCtr="0">
             <a:normAutofit fontScale="85000" lnSpcReduction="10000"/>
           </a:bodyPr>
           <a:lstStyle/>
           <a:p>
-            <a:pPr indent="0" lvl="0" marL="0" rtl="0" algn="l">
+            <a:pPr marL="0" lvl="0" indent="0" algn="l" rtl="0">
               <a:spcBef>
                 <a:spcPts val="0"/>
               </a:spcBef>
@@ -12682,7 +12863,7 @@
             <a:endParaRPr/>
           </a:p>
           <a:p>
-            <a:pPr indent="-325755" lvl="0" marL="457200" rtl="0" algn="l">
+            <a:pPr marL="457200" lvl="0" indent="-325755" algn="l" rtl="0">
               <a:spcBef>
                 <a:spcPts val="1200"/>
               </a:spcBef>
@@ -12699,7 +12880,7 @@
             <a:endParaRPr/>
           </a:p>
           <a:p>
-            <a:pPr indent="-325755" lvl="0" marL="457200" rtl="0" algn="l">
+            <a:pPr marL="457200" lvl="0" indent="-325755" algn="l" rtl="0">
               <a:spcBef>
                 <a:spcPts val="0"/>
               </a:spcBef>
@@ -12716,7 +12897,7 @@
             <a:endParaRPr/>
           </a:p>
           <a:p>
-            <a:pPr indent="0" lvl="0" marL="0" rtl="0" algn="l">
+            <a:pPr marL="0" lvl="0" indent="0" algn="l" rtl="0">
               <a:spcBef>
                 <a:spcPts val="1200"/>
               </a:spcBef>
@@ -12727,20 +12908,12 @@
             </a:pPr>
             <a:r>
               <a:rPr lang="en"/>
-              <a:t>In total, that is simulating 200 trucks. These parameters were chosen to show impact of potentially increasing manpower to </a:t>
-            </a:r>
-            <a:r>
-              <a:rPr lang="en"/>
-              <a:t>accommodate</a:t>
-            </a:r>
-            <a:r>
-              <a:rPr lang="en"/>
-              <a:t> more trucks in lieu of growing sales goals.</a:t>
+              <a:t>In total, that is simulating 200 trucks. These parameters were chosen to show impact of potentially increasing manpower to accommodate more trucks in lieu of growing sales goals.</a:t>
             </a:r>
             <a:endParaRPr/>
           </a:p>
           <a:p>
-            <a:pPr indent="0" lvl="0" marL="0" rtl="0" algn="l">
+            <a:pPr marL="0" lvl="0" indent="0" algn="l" rtl="0">
               <a:spcBef>
                 <a:spcPts val="1200"/>
               </a:spcBef>
@@ -12756,7 +12929,7 @@
             <a:endParaRPr/>
           </a:p>
           <a:p>
-            <a:pPr indent="-325755" lvl="0" marL="457200" rtl="0" algn="l">
+            <a:pPr marL="457200" lvl="0" indent="-325755" algn="l" rtl="0">
               <a:spcBef>
                 <a:spcPts val="1200"/>
               </a:spcBef>
@@ -12773,7 +12946,7 @@
             <a:endParaRPr/>
           </a:p>
           <a:p>
-            <a:pPr indent="-325755" lvl="0" marL="457200" rtl="0" algn="l">
+            <a:pPr marL="457200" lvl="0" indent="-325755" algn="l" rtl="0">
               <a:spcBef>
                 <a:spcPts val="0"/>
               </a:spcBef>
@@ -12790,7 +12963,7 @@
             <a:endParaRPr/>
           </a:p>
           <a:p>
-            <a:pPr indent="0" lvl="0" marL="0" rtl="0" algn="l">
+            <a:pPr marL="0" lvl="0" indent="0" algn="l" rtl="0">
               <a:spcBef>
                 <a:spcPts val="1200"/>
               </a:spcBef>
@@ -12816,7 +12989,7 @@
 </file>
 
 <file path=ppt/theme/theme1.xml><?xml version="1.0" encoding="utf-8"?>
-<a:theme xmlns:a="http://schemas.openxmlformats.org/drawingml/2006/main" xmlns:r="http://schemas.openxmlformats.org/officeDocument/2006/relationships" name="Spearmint">
+<a:theme xmlns:a="http://schemas.openxmlformats.org/drawingml/2006/main" name="Spearmint">
   <a:themeElements>
     <a:clrScheme name="Spearmint">
       <a:dk1>
@@ -13091,11 +13264,13 @@
       </a:bgFillStyleLst>
     </a:fmtScheme>
   </a:themeElements>
+  <a:objectDefaults/>
+  <a:extraClrSchemeLst/>
 </a:theme>
 </file>
 
 <file path=ppt/theme/theme2.xml><?xml version="1.0" encoding="utf-8"?>
-<a:theme xmlns:a="http://schemas.openxmlformats.org/drawingml/2006/main" xmlns:r="http://schemas.openxmlformats.org/officeDocument/2006/relationships">
+<a:theme xmlns:a="http://schemas.openxmlformats.org/drawingml/2006/main">
   <a:themeElements>
     <a:clrScheme name="Default">
       <a:dk1>
@@ -13370,5 +13545,7 @@
       </a:bgFillStyleLst>
     </a:fmtScheme>
   </a:themeElements>
+  <a:objectDefaults/>
+  <a:extraClrSchemeLst/>
 </a:theme>
 </file>